--- a/resources/powerpoint/timer-design.pptx
+++ b/resources/powerpoint/timer-design.pptx
@@ -13,6 +13,8 @@
     <p:sldId id="261" r:id="rId7"/>
     <p:sldId id="262" r:id="rId8"/>
     <p:sldId id="263" r:id="rId9"/>
+    <p:sldId id="265" r:id="rId10"/>
+    <p:sldId id="264" r:id="rId11"/>
   </p:sldIdLst>
   <p:sldSz cx="12192000" cy="6858000"/>
   <p:notesSz cx="6858000" cy="9144000"/>
@@ -250,7 +252,7 @@
           <a:p>
             <a:fld id="{426DDCAD-02F2-4348-AEC9-2F32BD06C1D0}" type="datetimeFigureOut">
               <a:rPr lang="en-US" smtClean="0"/>
-              <a:t>7/28/2015</a:t>
+              <a:t>7/29/2015</a:t>
             </a:fld>
             <a:endParaRPr lang="en-US"/>
           </a:p>
@@ -420,7 +422,7 @@
           <a:p>
             <a:fld id="{426DDCAD-02F2-4348-AEC9-2F32BD06C1D0}" type="datetimeFigureOut">
               <a:rPr lang="en-US" smtClean="0"/>
-              <a:t>7/28/2015</a:t>
+              <a:t>7/29/2015</a:t>
             </a:fld>
             <a:endParaRPr lang="en-US"/>
           </a:p>
@@ -600,7 +602,7 @@
           <a:p>
             <a:fld id="{426DDCAD-02F2-4348-AEC9-2F32BD06C1D0}" type="datetimeFigureOut">
               <a:rPr lang="en-US" smtClean="0"/>
-              <a:t>7/28/2015</a:t>
+              <a:t>7/29/2015</a:t>
             </a:fld>
             <a:endParaRPr lang="en-US"/>
           </a:p>
@@ -770,7 +772,7 @@
           <a:p>
             <a:fld id="{426DDCAD-02F2-4348-AEC9-2F32BD06C1D0}" type="datetimeFigureOut">
               <a:rPr lang="en-US" smtClean="0"/>
-              <a:t>7/28/2015</a:t>
+              <a:t>7/29/2015</a:t>
             </a:fld>
             <a:endParaRPr lang="en-US"/>
           </a:p>
@@ -1016,7 +1018,7 @@
           <a:p>
             <a:fld id="{426DDCAD-02F2-4348-AEC9-2F32BD06C1D0}" type="datetimeFigureOut">
               <a:rPr lang="en-US" smtClean="0"/>
-              <a:t>7/28/2015</a:t>
+              <a:t>7/29/2015</a:t>
             </a:fld>
             <a:endParaRPr lang="en-US"/>
           </a:p>
@@ -1248,7 +1250,7 @@
           <a:p>
             <a:fld id="{426DDCAD-02F2-4348-AEC9-2F32BD06C1D0}" type="datetimeFigureOut">
               <a:rPr lang="en-US" smtClean="0"/>
-              <a:t>7/28/2015</a:t>
+              <a:t>7/29/2015</a:t>
             </a:fld>
             <a:endParaRPr lang="en-US"/>
           </a:p>
@@ -1615,7 +1617,7 @@
           <a:p>
             <a:fld id="{426DDCAD-02F2-4348-AEC9-2F32BD06C1D0}" type="datetimeFigureOut">
               <a:rPr lang="en-US" smtClean="0"/>
-              <a:t>7/28/2015</a:t>
+              <a:t>7/29/2015</a:t>
             </a:fld>
             <a:endParaRPr lang="en-US"/>
           </a:p>
@@ -1733,7 +1735,7 @@
           <a:p>
             <a:fld id="{426DDCAD-02F2-4348-AEC9-2F32BD06C1D0}" type="datetimeFigureOut">
               <a:rPr lang="en-US" smtClean="0"/>
-              <a:t>7/28/2015</a:t>
+              <a:t>7/29/2015</a:t>
             </a:fld>
             <a:endParaRPr lang="en-US"/>
           </a:p>
@@ -1828,7 +1830,7 @@
           <a:p>
             <a:fld id="{426DDCAD-02F2-4348-AEC9-2F32BD06C1D0}" type="datetimeFigureOut">
               <a:rPr lang="en-US" smtClean="0"/>
-              <a:t>7/28/2015</a:t>
+              <a:t>7/29/2015</a:t>
             </a:fld>
             <a:endParaRPr lang="en-US"/>
           </a:p>
@@ -2105,7 +2107,7 @@
           <a:p>
             <a:fld id="{426DDCAD-02F2-4348-AEC9-2F32BD06C1D0}" type="datetimeFigureOut">
               <a:rPr lang="en-US" smtClean="0"/>
-              <a:t>7/28/2015</a:t>
+              <a:t>7/29/2015</a:t>
             </a:fld>
             <a:endParaRPr lang="en-US"/>
           </a:p>
@@ -2358,7 +2360,7 @@
           <a:p>
             <a:fld id="{426DDCAD-02F2-4348-AEC9-2F32BD06C1D0}" type="datetimeFigureOut">
               <a:rPr lang="en-US" smtClean="0"/>
-              <a:t>7/28/2015</a:t>
+              <a:t>7/29/2015</a:t>
             </a:fld>
             <a:endParaRPr lang="en-US"/>
           </a:p>
@@ -2571,7 +2573,7 @@
           <a:p>
             <a:fld id="{426DDCAD-02F2-4348-AEC9-2F32BD06C1D0}" type="datetimeFigureOut">
               <a:rPr lang="en-US" smtClean="0"/>
-              <a:t>7/28/2015</a:t>
+              <a:t>7/29/2015</a:t>
             </a:fld>
             <a:endParaRPr lang="en-US"/>
           </a:p>
@@ -3496,6 +3498,636 @@
 </p:sld>
 </file>
 
+<file path=ppt/slides/slide10.xml><?xml version="1.0" encoding="utf-8"?>
+<p:sld xmlns:a="http://schemas.openxmlformats.org/drawingml/2006/main" xmlns:r="http://schemas.openxmlformats.org/officeDocument/2006/relationships" xmlns:p="http://schemas.openxmlformats.org/presentationml/2006/main">
+  <p:cSld>
+    <p:spTree>
+      <p:nvGrpSpPr>
+        <p:cNvPr id="1" name=""/>
+        <p:cNvGrpSpPr/>
+        <p:nvPr/>
+      </p:nvGrpSpPr>
+      <p:grpSpPr>
+        <a:xfrm>
+          <a:off x="0" y="0"/>
+          <a:ext cx="0" cy="0"/>
+          <a:chOff x="0" y="0"/>
+          <a:chExt cx="0" cy="0"/>
+        </a:xfrm>
+      </p:grpSpPr>
+      <p:pic>
+        <p:nvPicPr>
+          <p:cNvPr id="18" name="Picture 17"/>
+          <p:cNvPicPr>
+            <a:picLocks noChangeAspect="1"/>
+          </p:cNvPicPr>
+          <p:nvPr/>
+        </p:nvPicPr>
+        <p:blipFill>
+          <a:blip r:embed="rId2">
+            <a:extLst>
+              <a:ext uri="{28A0092B-C50C-407E-A947-70E740481C1C}">
+                <a14:useLocalDpi xmlns:a14="http://schemas.microsoft.com/office/drawing/2010/main" val="0"/>
+              </a:ext>
+            </a:extLst>
+          </a:blip>
+          <a:stretch>
+            <a:fillRect/>
+          </a:stretch>
+        </p:blipFill>
+        <p:spPr>
+          <a:xfrm>
+            <a:off x="0" y="0"/>
+            <a:ext cx="12192000" cy="6857999"/>
+          </a:xfrm>
+          <a:prstGeom prst="rect">
+            <a:avLst/>
+          </a:prstGeom>
+        </p:spPr>
+      </p:pic>
+      <p:pic>
+        <p:nvPicPr>
+          <p:cNvPr id="3" name="Picture 2"/>
+          <p:cNvPicPr>
+            <a:picLocks noChangeAspect="1"/>
+          </p:cNvPicPr>
+          <p:nvPr/>
+        </p:nvPicPr>
+        <p:blipFill>
+          <a:blip r:embed="rId3">
+            <a:extLst>
+              <a:ext uri="{28A0092B-C50C-407E-A947-70E740481C1C}">
+                <a14:useLocalDpi xmlns:a14="http://schemas.microsoft.com/office/drawing/2010/main" val="0"/>
+              </a:ext>
+            </a:extLst>
+          </a:blip>
+          <a:stretch>
+            <a:fillRect/>
+          </a:stretch>
+        </p:blipFill>
+        <p:spPr>
+          <a:xfrm>
+            <a:off x="767592" y="1609727"/>
+            <a:ext cx="1963387" cy="2906650"/>
+          </a:xfrm>
+          <a:prstGeom prst="rect">
+            <a:avLst/>
+          </a:prstGeom>
+        </p:spPr>
+      </p:pic>
+      <p:sp>
+        <p:nvSpPr>
+          <p:cNvPr id="4" name="Oval 3"/>
+          <p:cNvSpPr/>
+          <p:nvPr/>
+        </p:nvSpPr>
+        <p:spPr>
+          <a:xfrm>
+            <a:off x="4486138" y="1489049"/>
+            <a:ext cx="3219722" cy="3218688"/>
+          </a:xfrm>
+          <a:prstGeom prst="ellipse">
+            <a:avLst/>
+          </a:prstGeom>
+          <a:solidFill>
+            <a:srgbClr val="84B4E0"/>
+          </a:solidFill>
+        </p:spPr>
+        <p:style>
+          <a:lnRef idx="2">
+            <a:schemeClr val="accent1">
+              <a:shade val="50000"/>
+            </a:schemeClr>
+          </a:lnRef>
+          <a:fillRef idx="1">
+            <a:schemeClr val="accent1"/>
+          </a:fillRef>
+          <a:effectRef idx="0">
+            <a:schemeClr val="accent1"/>
+          </a:effectRef>
+          <a:fontRef idx="minor">
+            <a:schemeClr val="lt1"/>
+          </a:fontRef>
+        </p:style>
+        <p:txBody>
+          <a:bodyPr rtlCol="0" anchor="ctr"/>
+          <a:lstStyle/>
+          <a:p>
+            <a:pPr algn="ctr"/>
+            <a:endParaRPr lang="en-US"/>
+          </a:p>
+        </p:txBody>
+      </p:sp>
+      <p:sp>
+        <p:nvSpPr>
+          <p:cNvPr id="5" name="Oval 4"/>
+          <p:cNvSpPr/>
+          <p:nvPr/>
+        </p:nvSpPr>
+        <p:spPr>
+          <a:xfrm>
+            <a:off x="4770119" y="1772513"/>
+            <a:ext cx="2651760" cy="2651760"/>
+          </a:xfrm>
+          <a:prstGeom prst="ellipse">
+            <a:avLst/>
+          </a:prstGeom>
+          <a:solidFill>
+            <a:schemeClr val="bg1"/>
+          </a:solidFill>
+        </p:spPr>
+        <p:style>
+          <a:lnRef idx="2">
+            <a:schemeClr val="accent1">
+              <a:shade val="50000"/>
+            </a:schemeClr>
+          </a:lnRef>
+          <a:fillRef idx="1">
+            <a:schemeClr val="accent1"/>
+          </a:fillRef>
+          <a:effectRef idx="0">
+            <a:schemeClr val="accent1"/>
+          </a:effectRef>
+          <a:fontRef idx="minor">
+            <a:schemeClr val="lt1"/>
+          </a:fontRef>
+        </p:style>
+        <p:txBody>
+          <a:bodyPr rtlCol="0" anchor="ctr"/>
+          <a:lstStyle/>
+          <a:p>
+            <a:pPr algn="ctr"/>
+            <a:endParaRPr lang="en-US"/>
+          </a:p>
+        </p:txBody>
+      </p:sp>
+      <p:sp>
+        <p:nvSpPr>
+          <p:cNvPr id="6" name="TextBox 5"/>
+          <p:cNvSpPr txBox="1"/>
+          <p:nvPr/>
+        </p:nvSpPr>
+        <p:spPr>
+          <a:xfrm>
+            <a:off x="3947205" y="112631"/>
+            <a:ext cx="4662156" cy="1200329"/>
+          </a:xfrm>
+          <a:prstGeom prst="rect">
+            <a:avLst/>
+          </a:prstGeom>
+          <a:noFill/>
+          <a:effectLst>
+            <a:glow rad="63500">
+              <a:schemeClr val="accent2">
+                <a:satMod val="175000"/>
+                <a:alpha val="40000"/>
+              </a:schemeClr>
+            </a:glow>
+          </a:effectLst>
+        </p:spPr>
+        <p:txBody>
+          <a:bodyPr wrap="square" rtlCol="0">
+            <a:spAutoFit/>
+          </a:bodyPr>
+          <a:lstStyle/>
+          <a:p>
+            <a:r>
+              <a:rPr lang="en-US" sz="7200" dirty="0" smtClean="0">
+                <a:effectLst>
+                  <a:glow rad="127000">
+                    <a:schemeClr val="bg1"/>
+                  </a:glow>
+                </a:effectLst>
+                <a:latin typeface="Minecraft" panose="02000603000000000000" pitchFamily="2" charset="0"/>
+                <a:ea typeface="Minecraft" panose="02000603000000000000" pitchFamily="2" charset="0"/>
+              </a:rPr>
+              <a:t>Small Ben</a:t>
+            </a:r>
+            <a:endParaRPr lang="en-US" sz="7200" dirty="0">
+              <a:effectLst>
+                <a:glow rad="127000">
+                  <a:schemeClr val="bg1"/>
+                </a:glow>
+              </a:effectLst>
+              <a:latin typeface="Minecraft" panose="02000603000000000000" pitchFamily="2" charset="0"/>
+              <a:ea typeface="Minecraft" panose="02000603000000000000" pitchFamily="2" charset="0"/>
+            </a:endParaRPr>
+          </a:p>
+        </p:txBody>
+      </p:sp>
+      <p:sp>
+        <p:nvSpPr>
+          <p:cNvPr id="7" name="TextBox 6"/>
+          <p:cNvSpPr txBox="1"/>
+          <p:nvPr/>
+        </p:nvSpPr>
+        <p:spPr>
+          <a:xfrm>
+            <a:off x="5188461" y="2514432"/>
+            <a:ext cx="1980133" cy="767276"/>
+          </a:xfrm>
+          <a:prstGeom prst="rect">
+            <a:avLst/>
+          </a:prstGeom>
+          <a:noFill/>
+        </p:spPr>
+        <p:txBody>
+          <a:bodyPr wrap="square" rtlCol="0">
+            <a:spAutoFit/>
+          </a:bodyPr>
+          <a:lstStyle/>
+          <a:p>
+            <a:r>
+              <a:rPr lang="en-US" sz="4400" dirty="0" smtClean="0">
+                <a:solidFill>
+                  <a:schemeClr val="bg1">
+                    <a:lumMod val="50000"/>
+                  </a:schemeClr>
+                </a:solidFill>
+                <a:latin typeface="LCD Solid" panose="00000400000000000000" pitchFamily="1" charset="0"/>
+                <a:ea typeface="Minecraft" panose="02000603000000000000" pitchFamily="2" charset="0"/>
+              </a:rPr>
+              <a:t>02:16</a:t>
+            </a:r>
+            <a:endParaRPr lang="en-US" sz="4400" dirty="0">
+              <a:solidFill>
+                <a:schemeClr val="bg1">
+                  <a:lumMod val="50000"/>
+                </a:schemeClr>
+              </a:solidFill>
+              <a:latin typeface="LCD Solid" panose="00000400000000000000" pitchFamily="1" charset="0"/>
+              <a:ea typeface="Minecraft" panose="02000603000000000000" pitchFamily="2" charset="0"/>
+            </a:endParaRPr>
+          </a:p>
+        </p:txBody>
+      </p:sp>
+      <p:pic>
+        <p:nvPicPr>
+          <p:cNvPr id="8" name="Picture 7"/>
+          <p:cNvPicPr>
+            <a:picLocks noChangeAspect="1"/>
+          </p:cNvPicPr>
+          <p:nvPr/>
+        </p:nvPicPr>
+        <p:blipFill>
+          <a:blip r:embed="rId4">
+            <a:extLst>
+              <a:ext uri="{28A0092B-C50C-407E-A947-70E740481C1C}">
+                <a14:useLocalDpi xmlns:a14="http://schemas.microsoft.com/office/drawing/2010/main" val="0"/>
+              </a:ext>
+            </a:extLst>
+          </a:blip>
+          <a:stretch>
+            <a:fillRect/>
+          </a:stretch>
+        </p:blipFill>
+        <p:spPr>
+          <a:xfrm>
+            <a:off x="9421537" y="1895136"/>
+            <a:ext cx="1864863" cy="2621241"/>
+          </a:xfrm>
+          <a:prstGeom prst="rect">
+            <a:avLst/>
+          </a:prstGeom>
+        </p:spPr>
+      </p:pic>
+      <p:grpSp>
+        <p:nvGrpSpPr>
+          <p:cNvPr id="9" name="Group 8"/>
+          <p:cNvGrpSpPr/>
+          <p:nvPr/>
+        </p:nvGrpSpPr>
+        <p:grpSpPr>
+          <a:xfrm>
+            <a:off x="5131853" y="5714498"/>
+            <a:ext cx="1928291" cy="707886"/>
+            <a:chOff x="5370490" y="2713907"/>
+            <a:chExt cx="2711003" cy="936321"/>
+          </a:xfrm>
+          <a:solidFill>
+            <a:schemeClr val="bg1">
+              <a:lumMod val="85000"/>
+            </a:schemeClr>
+          </a:solidFill>
+        </p:grpSpPr>
+        <p:sp>
+          <p:nvSpPr>
+            <p:cNvPr id="10" name="Rounded Rectangle 9"/>
+            <p:cNvSpPr/>
+            <p:nvPr/>
+          </p:nvSpPr>
+          <p:spPr>
+            <a:xfrm>
+              <a:off x="5370490" y="2754328"/>
+              <a:ext cx="2711003" cy="814278"/>
+            </a:xfrm>
+            <a:prstGeom prst="roundRect">
+              <a:avLst/>
+            </a:prstGeom>
+            <a:solidFill>
+              <a:srgbClr val="81DEFF"/>
+            </a:solidFill>
+            <a:ln>
+              <a:solidFill>
+                <a:schemeClr val="accent2"/>
+              </a:solidFill>
+            </a:ln>
+          </p:spPr>
+          <p:style>
+            <a:lnRef idx="2">
+              <a:schemeClr val="accent1">
+                <a:shade val="50000"/>
+              </a:schemeClr>
+            </a:lnRef>
+            <a:fillRef idx="1">
+              <a:schemeClr val="accent1"/>
+            </a:fillRef>
+            <a:effectRef idx="0">
+              <a:schemeClr val="accent1"/>
+            </a:effectRef>
+            <a:fontRef idx="minor">
+              <a:schemeClr val="lt1"/>
+            </a:fontRef>
+          </p:style>
+          <p:txBody>
+            <a:bodyPr rtlCol="0" anchor="ctr"/>
+            <a:lstStyle/>
+            <a:p>
+              <a:pPr algn="ctr"/>
+              <a:endParaRPr lang="en-US"/>
+            </a:p>
+          </p:txBody>
+        </p:sp>
+        <p:sp>
+          <p:nvSpPr>
+            <p:cNvPr id="11" name="TextBox 10"/>
+            <p:cNvSpPr txBox="1"/>
+            <p:nvPr/>
+          </p:nvSpPr>
+          <p:spPr>
+            <a:xfrm>
+              <a:off x="5692126" y="2713907"/>
+              <a:ext cx="2389367" cy="936321"/>
+            </a:xfrm>
+            <a:prstGeom prst="rect">
+              <a:avLst/>
+            </a:prstGeom>
+            <a:noFill/>
+            <a:ln>
+              <a:noFill/>
+            </a:ln>
+          </p:spPr>
+          <p:txBody>
+            <a:bodyPr wrap="square" rtlCol="0">
+              <a:spAutoFit/>
+            </a:bodyPr>
+            <a:lstStyle/>
+            <a:p>
+              <a:r>
+                <a:rPr lang="en-US" sz="4000" b="1" dirty="0" smtClean="0">
+                  <a:solidFill>
+                    <a:schemeClr val="accent2"/>
+                  </a:solidFill>
+                  <a:latin typeface="Minecraft" panose="02000603000000000000" pitchFamily="2" charset="0"/>
+                  <a:ea typeface="Minecraft" panose="02000603000000000000" pitchFamily="2" charset="0"/>
+                </a:rPr>
+                <a:t>Start</a:t>
+              </a:r>
+              <a:endParaRPr lang="en-US" sz="4000" b="1" dirty="0">
+                <a:solidFill>
+                  <a:schemeClr val="accent2"/>
+                </a:solidFill>
+                <a:latin typeface="Minecraft" panose="02000603000000000000" pitchFamily="2" charset="0"/>
+                <a:ea typeface="Minecraft" panose="02000603000000000000" pitchFamily="2" charset="0"/>
+              </a:endParaRPr>
+            </a:p>
+          </p:txBody>
+        </p:sp>
+      </p:grpSp>
+      <p:grpSp>
+        <p:nvGrpSpPr>
+          <p:cNvPr id="13" name="Group 12"/>
+          <p:cNvGrpSpPr/>
+          <p:nvPr/>
+        </p:nvGrpSpPr>
+        <p:grpSpPr>
+          <a:xfrm>
+            <a:off x="2081437" y="4767874"/>
+            <a:ext cx="3107024" cy="707722"/>
+            <a:chOff x="2081437" y="4767874"/>
+            <a:chExt cx="3107024" cy="707722"/>
+          </a:xfrm>
+        </p:grpSpPr>
+        <p:sp>
+          <p:nvSpPr>
+            <p:cNvPr id="14" name="Rounded Rectangle 13"/>
+            <p:cNvSpPr/>
+            <p:nvPr/>
+          </p:nvSpPr>
+          <p:spPr>
+            <a:xfrm>
+              <a:off x="2081437" y="4767874"/>
+              <a:ext cx="3107024" cy="707722"/>
+            </a:xfrm>
+            <a:prstGeom prst="roundRect">
+              <a:avLst/>
+            </a:prstGeom>
+            <a:solidFill>
+              <a:schemeClr val="bg1"/>
+            </a:solidFill>
+            <a:ln w="76200">
+              <a:solidFill>
+                <a:schemeClr val="accent6"/>
+              </a:solidFill>
+            </a:ln>
+          </p:spPr>
+          <p:style>
+            <a:lnRef idx="2">
+              <a:schemeClr val="accent1">
+                <a:shade val="50000"/>
+              </a:schemeClr>
+            </a:lnRef>
+            <a:fillRef idx="1">
+              <a:schemeClr val="accent1"/>
+            </a:fillRef>
+            <a:effectRef idx="0">
+              <a:schemeClr val="accent1"/>
+            </a:effectRef>
+            <a:fontRef idx="minor">
+              <a:schemeClr val="lt1"/>
+            </a:fontRef>
+          </p:style>
+          <p:txBody>
+            <a:bodyPr rtlCol="0" anchor="ctr"/>
+            <a:lstStyle/>
+            <a:p>
+              <a:pPr algn="ctr"/>
+              <a:endParaRPr lang="en-US"/>
+            </a:p>
+          </p:txBody>
+        </p:sp>
+        <p:sp>
+          <p:nvSpPr>
+            <p:cNvPr id="15" name="TextBox 14"/>
+            <p:cNvSpPr txBox="1"/>
+            <p:nvPr/>
+          </p:nvSpPr>
+          <p:spPr>
+            <a:xfrm>
+              <a:off x="2181885" y="4890903"/>
+              <a:ext cx="2704564" cy="461665"/>
+            </a:xfrm>
+            <a:prstGeom prst="rect">
+              <a:avLst/>
+            </a:prstGeom>
+            <a:noFill/>
+          </p:spPr>
+          <p:txBody>
+            <a:bodyPr wrap="square" rtlCol="0">
+              <a:spAutoFit/>
+            </a:bodyPr>
+            <a:lstStyle/>
+            <a:p>
+              <a:r>
+                <a:rPr lang="en-US" sz="2400" dirty="0" smtClean="0">
+                  <a:latin typeface="Minecraft" panose="02000603000000000000" pitchFamily="2" charset="0"/>
+                  <a:ea typeface="Minecraft" panose="02000603000000000000" pitchFamily="2" charset="0"/>
+                </a:rPr>
+                <a:t>Minutes</a:t>
+              </a:r>
+              <a:r>
+                <a:rPr lang="en-US" sz="2400" dirty="0">
+                  <a:latin typeface="Minecraft" panose="02000603000000000000" pitchFamily="2" charset="0"/>
+                  <a:ea typeface="Minecraft" panose="02000603000000000000" pitchFamily="2" charset="0"/>
+                </a:rPr>
+                <a:t>:</a:t>
+              </a:r>
+              <a:r>
+                <a:rPr lang="en-US" dirty="0" smtClean="0">
+                  <a:latin typeface="Minecraft" panose="02000603000000000000" pitchFamily="2" charset="0"/>
+                  <a:ea typeface="Minecraft" panose="02000603000000000000" pitchFamily="2" charset="0"/>
+                </a:rPr>
+                <a:t> </a:t>
+              </a:r>
+              <a:r>
+                <a:rPr lang="en-US" sz="2400" dirty="0">
+                  <a:latin typeface="Minecraft" panose="02000603000000000000" pitchFamily="2" charset="0"/>
+                  <a:ea typeface="Minecraft" panose="02000603000000000000" pitchFamily="2" charset="0"/>
+                </a:rPr>
+                <a:t>2</a:t>
+              </a:r>
+              <a:endParaRPr lang="en-US" dirty="0">
+                <a:latin typeface="Minecraft" panose="02000603000000000000" pitchFamily="2" charset="0"/>
+                <a:ea typeface="Minecraft" panose="02000603000000000000" pitchFamily="2" charset="0"/>
+              </a:endParaRPr>
+            </a:p>
+          </p:txBody>
+        </p:sp>
+      </p:grpSp>
+      <p:sp>
+        <p:nvSpPr>
+          <p:cNvPr id="16" name="Rounded Rectangle 15"/>
+          <p:cNvSpPr/>
+          <p:nvPr/>
+        </p:nvSpPr>
+        <p:spPr>
+          <a:xfrm>
+            <a:off x="7421879" y="4767874"/>
+            <a:ext cx="3107024" cy="707722"/>
+          </a:xfrm>
+          <a:prstGeom prst="roundRect">
+            <a:avLst/>
+          </a:prstGeom>
+          <a:solidFill>
+            <a:schemeClr val="bg1"/>
+          </a:solidFill>
+          <a:ln w="76200">
+            <a:solidFill>
+              <a:schemeClr val="accent2"/>
+            </a:solidFill>
+          </a:ln>
+        </p:spPr>
+        <p:style>
+          <a:lnRef idx="2">
+            <a:schemeClr val="accent1">
+              <a:shade val="50000"/>
+            </a:schemeClr>
+          </a:lnRef>
+          <a:fillRef idx="1">
+            <a:schemeClr val="accent1"/>
+          </a:fillRef>
+          <a:effectRef idx="0">
+            <a:schemeClr val="accent1"/>
+          </a:effectRef>
+          <a:fontRef idx="minor">
+            <a:schemeClr val="lt1"/>
+          </a:fontRef>
+        </p:style>
+        <p:txBody>
+          <a:bodyPr rtlCol="0" anchor="ctr"/>
+          <a:lstStyle/>
+          <a:p>
+            <a:pPr algn="ctr"/>
+            <a:endParaRPr lang="en-US"/>
+          </a:p>
+        </p:txBody>
+      </p:sp>
+      <p:sp>
+        <p:nvSpPr>
+          <p:cNvPr id="17" name="TextBox 16"/>
+          <p:cNvSpPr txBox="1"/>
+          <p:nvPr/>
+        </p:nvSpPr>
+        <p:spPr>
+          <a:xfrm>
+            <a:off x="7421879" y="4889966"/>
+            <a:ext cx="2704564" cy="461665"/>
+          </a:xfrm>
+          <a:prstGeom prst="rect">
+            <a:avLst/>
+          </a:prstGeom>
+          <a:noFill/>
+        </p:spPr>
+        <p:txBody>
+          <a:bodyPr wrap="square" rtlCol="0">
+            <a:spAutoFit/>
+          </a:bodyPr>
+          <a:lstStyle/>
+          <a:p>
+            <a:r>
+              <a:rPr lang="en-US" sz="2400" dirty="0" smtClean="0">
+                <a:latin typeface="Minecraft" panose="02000603000000000000" pitchFamily="2" charset="0"/>
+                <a:ea typeface="Minecraft" panose="02000603000000000000" pitchFamily="2" charset="0"/>
+              </a:rPr>
+              <a:t>Seconds: 16</a:t>
+            </a:r>
+            <a:endParaRPr lang="en-US" dirty="0">
+              <a:latin typeface="Minecraft" panose="02000603000000000000" pitchFamily="2" charset="0"/>
+              <a:ea typeface="Minecraft" panose="02000603000000000000" pitchFamily="2" charset="0"/>
+            </a:endParaRPr>
+          </a:p>
+        </p:txBody>
+      </p:sp>
+    </p:spTree>
+    <p:extLst>
+      <p:ext uri="{BB962C8B-B14F-4D97-AF65-F5344CB8AC3E}">
+        <p14:creationId xmlns:p14="http://schemas.microsoft.com/office/powerpoint/2010/main" val="172258854"/>
+      </p:ext>
+    </p:extLst>
+  </p:cSld>
+  <p:clrMapOvr>
+    <a:masterClrMapping/>
+  </p:clrMapOvr>
+  <p:timing>
+    <p:tnLst>
+      <p:par>
+        <p:cTn id="1" dur="indefinite" restart="never" nodeType="tmRoot"/>
+      </p:par>
+    </p:tnLst>
+  </p:timing>
+</p:sld>
+</file>
+
 <file path=ppt/slides/slide2.xml><?xml version="1.0" encoding="utf-8"?>
 <p:sld xmlns:a="http://schemas.openxmlformats.org/drawingml/2006/main" xmlns:r="http://schemas.openxmlformats.org/officeDocument/2006/relationships" xmlns:p="http://schemas.openxmlformats.org/presentationml/2006/main">
   <p:cSld>
@@ -4056,9 +4688,9 @@
       </p:grpSpPr>
       <p:pic>
         <p:nvPicPr>
-          <p:cNvPr id="22" name="Picture 2" descr="http://dontsteponthecracks.co.uk/wp-content/uploads/2012/04/backgroundWinterIpad.png"/>
+          <p:cNvPr id="3" name="Picture 2"/>
           <p:cNvPicPr>
-            <a:picLocks noChangeAspect="1" noChangeArrowheads="1"/>
+            <a:picLocks noChangeAspect="1"/>
           </p:cNvPicPr>
           <p:nvPr/>
         </p:nvPicPr>
@@ -4070,46 +4702,35 @@
               </a:ext>
             </a:extLst>
           </a:blip>
-          <a:srcRect/>
           <a:stretch>
             <a:fillRect/>
           </a:stretch>
         </p:blipFill>
-        <p:spPr bwMode="auto">
+        <p:spPr>
           <a:xfrm>
             <a:off x="0" y="0"/>
-            <a:ext cx="12192000" cy="6858000"/>
+            <a:ext cx="12192000" cy="6857999"/>
+          </a:xfrm>
+          <a:prstGeom prst="rect">
+            <a:avLst/>
+          </a:prstGeom>
+        </p:spPr>
+      </p:pic>
+      <p:sp>
+        <p:nvSpPr>
+          <p:cNvPr id="4" name="TextBox 3"/>
+          <p:cNvSpPr txBox="1"/>
+          <p:nvPr/>
+        </p:nvSpPr>
+        <p:spPr>
+          <a:xfrm>
+            <a:off x="3290887" y="273327"/>
+            <a:ext cx="6401313" cy="1323439"/>
           </a:xfrm>
           <a:prstGeom prst="rect">
             <a:avLst/>
           </a:prstGeom>
           <a:noFill/>
-          <a:extLst>
-            <a:ext uri="{909E8E84-426E-40DD-AFC4-6F175D3DCCD1}">
-              <a14:hiddenFill xmlns:a14="http://schemas.microsoft.com/office/drawing/2010/main">
-                <a:solidFill>
-                  <a:srgbClr val="FFFFFF"/>
-                </a:solidFill>
-              </a14:hiddenFill>
-            </a:ext>
-          </a:extLst>
-        </p:spPr>
-      </p:pic>
-      <p:sp>
-        <p:nvSpPr>
-          <p:cNvPr id="4" name="TextBox 3"/>
-          <p:cNvSpPr txBox="1"/>
-          <p:nvPr/>
-        </p:nvSpPr>
-        <p:spPr>
-          <a:xfrm>
-            <a:off x="3290887" y="273327"/>
-            <a:ext cx="6401313" cy="1323439"/>
-          </a:xfrm>
-          <a:prstGeom prst="rect">
-            <a:avLst/>
-          </a:prstGeom>
-          <a:noFill/>
         </p:spPr>
         <p:txBody>
           <a:bodyPr wrap="square" rtlCol="0">
@@ -4119,6 +4740,12 @@
           <a:p>
             <a:r>
               <a:rPr lang="en-US" sz="8000" dirty="0" smtClean="0">
+                <a:solidFill>
+                  <a:schemeClr val="tx1">
+                    <a:lumMod val="95000"/>
+                    <a:lumOff val="5000"/>
+                  </a:schemeClr>
+                </a:solidFill>
                 <a:latin typeface="orange juice" panose="02000000000000000000" pitchFamily="2" charset="0"/>
               </a:rPr>
               <a:t>TIME WINDER</a:t>
@@ -4367,7 +4994,7 @@
               <a:r>
                 <a:rPr lang="en-US" sz="4000" dirty="0" smtClean="0">
                   <a:solidFill>
-                    <a:srgbClr val="FFFF00"/>
+                    <a:srgbClr val="FFFF33"/>
                   </a:solidFill>
                   <a:latin typeface="Colored Crayons" panose="02000500000000000000" pitchFamily="2" charset="0"/>
                 </a:rPr>
@@ -4375,7 +5002,7 @@
               </a:r>
               <a:endParaRPr lang="en-US" sz="4000" dirty="0">
                 <a:solidFill>
-                  <a:srgbClr val="FFFF00"/>
+                  <a:srgbClr val="FFFF33"/>
                 </a:solidFill>
                 <a:latin typeface="Colored Crayons" panose="02000500000000000000" pitchFamily="2" charset="0"/>
               </a:endParaRPr>
@@ -4417,7 +5044,7 @@
               <a:avLst/>
             </a:prstGeom>
             <a:solidFill>
-              <a:srgbClr val="81DEFF"/>
+              <a:srgbClr val="307CC2"/>
             </a:solidFill>
             <a:ln>
               <a:solidFill>
@@ -4478,7 +5105,7 @@
               <a:r>
                 <a:rPr lang="en-US" sz="4000" b="1" dirty="0" smtClean="0">
                   <a:solidFill>
-                    <a:schemeClr val="accent2"/>
+                    <a:schemeClr val="accent4"/>
                   </a:solidFill>
                   <a:latin typeface="Colored Crayons" panose="02000500000000000000" pitchFamily="2" charset="0"/>
                 </a:rPr>
@@ -4486,7 +5113,7 @@
               </a:r>
               <a:endParaRPr lang="en-US" sz="4000" b="1" dirty="0">
                 <a:solidFill>
-                  <a:schemeClr val="accent2"/>
+                  <a:schemeClr val="accent4"/>
                 </a:solidFill>
                 <a:latin typeface="Colored Crayons" panose="02000500000000000000" pitchFamily="2" charset="0"/>
               </a:endParaRPr>
@@ -4827,41 +5454,68 @@
           </a:prstGeom>
         </p:spPr>
       </p:pic>
+      <p:pic>
+        <p:nvPicPr>
+          <p:cNvPr id="27" name="Picture 26"/>
+          <p:cNvPicPr>
+            <a:picLocks noChangeAspect="1"/>
+          </p:cNvPicPr>
+          <p:nvPr/>
+        </p:nvPicPr>
+        <p:blipFill>
+          <a:blip r:embed="rId4">
+            <a:extLst>
+              <a:ext uri="{28A0092B-C50C-407E-A947-70E740481C1C}">
+                <a14:useLocalDpi xmlns:a14="http://schemas.microsoft.com/office/drawing/2010/main" val="0"/>
+              </a:ext>
+            </a:extLst>
+          </a:blip>
+          <a:stretch>
+            <a:fillRect/>
+          </a:stretch>
+        </p:blipFill>
+        <p:spPr>
+          <a:xfrm>
+            <a:off x="767592" y="1609727"/>
+            <a:ext cx="1963387" cy="2906650"/>
+          </a:xfrm>
+          <a:prstGeom prst="rect">
+            <a:avLst/>
+          </a:prstGeom>
+        </p:spPr>
+      </p:pic>
       <p:grpSp>
         <p:nvGrpSpPr>
-          <p:cNvPr id="18" name="Group 17"/>
+          <p:cNvPr id="28" name="Group 27"/>
           <p:cNvGrpSpPr/>
           <p:nvPr/>
         </p:nvGrpSpPr>
         <p:grpSpPr>
           <a:xfrm>
-            <a:off x="5314138" y="5211747"/>
-            <a:ext cx="1928291" cy="707886"/>
-            <a:chOff x="5370490" y="2693306"/>
-            <a:chExt cx="2711003" cy="936321"/>
-          </a:xfrm>
-          <a:solidFill>
-            <a:srgbClr val="FF0000"/>
-          </a:solidFill>
+            <a:off x="2081437" y="4767874"/>
+            <a:ext cx="3107024" cy="707722"/>
+            <a:chOff x="2081437" y="4767874"/>
+            <a:chExt cx="3107024" cy="707722"/>
+          </a:xfrm>
         </p:grpSpPr>
         <p:sp>
           <p:nvSpPr>
-            <p:cNvPr id="19" name="Rounded Rectangle 18"/>
+            <p:cNvPr id="29" name="Rounded Rectangle 28"/>
             <p:cNvSpPr/>
             <p:nvPr/>
           </p:nvSpPr>
           <p:spPr>
             <a:xfrm>
-              <a:off x="5370490" y="2754328"/>
-              <a:ext cx="2711003" cy="814278"/>
+              <a:off x="2081437" y="4767874"/>
+              <a:ext cx="3107024" cy="707722"/>
             </a:xfrm>
             <a:prstGeom prst="roundRect">
               <a:avLst/>
             </a:prstGeom>
             <a:solidFill>
-              <a:srgbClr val="FF4343"/>
+              <a:schemeClr val="bg1"/>
             </a:solidFill>
-            <a:ln>
+            <a:ln w="76200">
               <a:solidFill>
                 <a:schemeClr val="accent6"/>
               </a:solidFill>
@@ -4894,22 +5548,19 @@
         </p:sp>
         <p:sp>
           <p:nvSpPr>
-            <p:cNvPr id="20" name="TextBox 19"/>
+            <p:cNvPr id="30" name="TextBox 29"/>
             <p:cNvSpPr txBox="1"/>
             <p:nvPr/>
           </p:nvSpPr>
           <p:spPr>
             <a:xfrm>
-              <a:off x="5692126" y="2693306"/>
-              <a:ext cx="2091309" cy="936321"/>
+              <a:off x="2181885" y="4890903"/>
+              <a:ext cx="2704564" cy="461665"/>
             </a:xfrm>
             <a:prstGeom prst="rect">
               <a:avLst/>
             </a:prstGeom>
             <a:noFill/>
-            <a:ln>
-              <a:noFill/>
-            </a:ln>
           </p:spPr>
           <p:txBody>
             <a:bodyPr wrap="square" rtlCol="0">
@@ -4918,35 +5569,136 @@
             <a:lstStyle/>
             <a:p>
               <a:r>
-                <a:rPr lang="en-US" sz="4000" dirty="0" smtClean="0">
-                  <a:solidFill>
-                    <a:srgbClr val="01FF74"/>
-                  </a:solidFill>
-                  <a:latin typeface="Colored Crayons" panose="02000500000000000000" pitchFamily="2" charset="0"/>
+                <a:rPr lang="en-US" sz="2400" dirty="0" smtClean="0">
+                  <a:latin typeface="Minecraft" panose="02000603000000000000" pitchFamily="2" charset="0"/>
+                  <a:ea typeface="Minecraft" panose="02000603000000000000" pitchFamily="2" charset="0"/>
                 </a:rPr>
-                <a:t>PAUSE</a:t>
+                <a:t>Minutes</a:t>
               </a:r>
-              <a:endParaRPr lang="en-US" sz="4000" dirty="0">
-                <a:solidFill>
-                  <a:srgbClr val="01FF74"/>
-                </a:solidFill>
-                <a:latin typeface="Colored Crayons" panose="02000500000000000000" pitchFamily="2" charset="0"/>
+              <a:r>
+                <a:rPr lang="en-US" sz="2400" dirty="0">
+                  <a:latin typeface="Minecraft" panose="02000603000000000000" pitchFamily="2" charset="0"/>
+                  <a:ea typeface="Minecraft" panose="02000603000000000000" pitchFamily="2" charset="0"/>
+                </a:rPr>
+                <a:t>:</a:t>
+              </a:r>
+              <a:r>
+                <a:rPr lang="en-US" dirty="0" smtClean="0">
+                  <a:latin typeface="Minecraft" panose="02000603000000000000" pitchFamily="2" charset="0"/>
+                  <a:ea typeface="Minecraft" panose="02000603000000000000" pitchFamily="2" charset="0"/>
+                </a:rPr>
+                <a:t> </a:t>
+              </a:r>
+              <a:r>
+                <a:rPr lang="en-US" sz="2400" dirty="0">
+                  <a:latin typeface="Minecraft" panose="02000603000000000000" pitchFamily="2" charset="0"/>
+                  <a:ea typeface="Minecraft" panose="02000603000000000000" pitchFamily="2" charset="0"/>
+                </a:rPr>
+                <a:t>2</a:t>
+              </a:r>
+              <a:endParaRPr lang="en-US" dirty="0">
+                <a:latin typeface="Minecraft" panose="02000603000000000000" pitchFamily="2" charset="0"/>
+                <a:ea typeface="Minecraft" panose="02000603000000000000" pitchFamily="2" charset="0"/>
               </a:endParaRPr>
             </a:p>
           </p:txBody>
         </p:sp>
       </p:grpSp>
+      <p:sp>
+        <p:nvSpPr>
+          <p:cNvPr id="31" name="Rounded Rectangle 30"/>
+          <p:cNvSpPr/>
+          <p:nvPr/>
+        </p:nvSpPr>
+        <p:spPr>
+          <a:xfrm>
+            <a:off x="7421879" y="4767874"/>
+            <a:ext cx="3107024" cy="707722"/>
+          </a:xfrm>
+          <a:prstGeom prst="roundRect">
+            <a:avLst/>
+          </a:prstGeom>
+          <a:solidFill>
+            <a:schemeClr val="bg1"/>
+          </a:solidFill>
+          <a:ln w="76200">
+            <a:solidFill>
+              <a:srgbClr val="FFFF00"/>
+            </a:solidFill>
+          </a:ln>
+        </p:spPr>
+        <p:style>
+          <a:lnRef idx="2">
+            <a:schemeClr val="accent1">
+              <a:shade val="50000"/>
+            </a:schemeClr>
+          </a:lnRef>
+          <a:fillRef idx="1">
+            <a:schemeClr val="accent1"/>
+          </a:fillRef>
+          <a:effectRef idx="0">
+            <a:schemeClr val="accent1"/>
+          </a:effectRef>
+          <a:fontRef idx="minor">
+            <a:schemeClr val="lt1"/>
+          </a:fontRef>
+        </p:style>
+        <p:txBody>
+          <a:bodyPr rtlCol="0" anchor="ctr"/>
+          <a:lstStyle/>
+          <a:p>
+            <a:pPr algn="ctr"/>
+            <a:endParaRPr lang="en-US"/>
+          </a:p>
+        </p:txBody>
+      </p:sp>
+      <p:sp>
+        <p:nvSpPr>
+          <p:cNvPr id="32" name="TextBox 31"/>
+          <p:cNvSpPr txBox="1"/>
+          <p:nvPr/>
+        </p:nvSpPr>
+        <p:spPr>
+          <a:xfrm>
+            <a:off x="7421879" y="4889966"/>
+            <a:ext cx="2704564" cy="461665"/>
+          </a:xfrm>
+          <a:prstGeom prst="rect">
+            <a:avLst/>
+          </a:prstGeom>
+          <a:noFill/>
+        </p:spPr>
+        <p:txBody>
+          <a:bodyPr wrap="square" rtlCol="0">
+            <a:spAutoFit/>
+          </a:bodyPr>
+          <a:lstStyle/>
+          <a:p>
+            <a:r>
+              <a:rPr lang="en-US" sz="2400" dirty="0" smtClean="0">
+                <a:latin typeface="Minecraft" panose="02000603000000000000" pitchFamily="2" charset="0"/>
+                <a:ea typeface="Minecraft" panose="02000603000000000000" pitchFamily="2" charset="0"/>
+              </a:rPr>
+              <a:t>Seconds: 16</a:t>
+            </a:r>
+            <a:endParaRPr lang="en-US" dirty="0">
+              <a:latin typeface="Minecraft" panose="02000603000000000000" pitchFamily="2" charset="0"/>
+              <a:ea typeface="Minecraft" panose="02000603000000000000" pitchFamily="2" charset="0"/>
+            </a:endParaRPr>
+          </a:p>
+        </p:txBody>
+      </p:sp>
       <p:grpSp>
         <p:nvGrpSpPr>
-          <p:cNvPr id="21" name="Group 20"/>
+          <p:cNvPr id="33" name="Group 32"/>
           <p:cNvGrpSpPr/>
           <p:nvPr/>
         </p:nvGrpSpPr>
         <p:grpSpPr>
           <a:xfrm>
-            <a:off x="7914067" y="5204323"/>
+            <a:off x="5131853" y="5698923"/>
             <a:ext cx="1928291" cy="707886"/>
-            <a:chOff x="9974922" y="1684475"/>
+            <a:chOff x="5370490" y="2693306"/>
             <a:chExt cx="2711003" cy="936321"/>
           </a:xfrm>
           <a:solidFill>
@@ -4957,24 +5709,24 @@
         </p:grpSpPr>
         <p:sp>
           <p:nvSpPr>
-            <p:cNvPr id="22" name="Rounded Rectangle 21"/>
+            <p:cNvPr id="34" name="Rounded Rectangle 33"/>
             <p:cNvSpPr/>
             <p:nvPr/>
           </p:nvSpPr>
           <p:spPr>
             <a:xfrm>
-              <a:off x="9974922" y="1745496"/>
+              <a:off x="5370490" y="2754328"/>
               <a:ext cx="2711003" cy="814278"/>
             </a:xfrm>
             <a:prstGeom prst="roundRect">
               <a:avLst/>
             </a:prstGeom>
             <a:solidFill>
-              <a:srgbClr val="7030A0"/>
+              <a:srgbClr val="81DEFF"/>
             </a:solidFill>
             <a:ln>
               <a:solidFill>
-                <a:srgbClr val="FFFF00"/>
+                <a:schemeClr val="accent2"/>
               </a:solidFill>
             </a:ln>
           </p:spPr>
@@ -5005,14 +5757,412 @@
         </p:sp>
         <p:sp>
           <p:nvSpPr>
-            <p:cNvPr id="23" name="TextBox 22"/>
+            <p:cNvPr id="35" name="TextBox 34"/>
             <p:cNvSpPr txBox="1"/>
             <p:nvPr/>
           </p:nvSpPr>
           <p:spPr>
             <a:xfrm>
-              <a:off x="10284768" y="1684475"/>
-              <a:ext cx="2091309" cy="936321"/>
+              <a:off x="5591297" y="2693306"/>
+              <a:ext cx="2389367" cy="936321"/>
+            </a:xfrm>
+            <a:prstGeom prst="rect">
+              <a:avLst/>
+            </a:prstGeom>
+            <a:noFill/>
+            <a:ln>
+              <a:noFill/>
+            </a:ln>
+          </p:spPr>
+          <p:txBody>
+            <a:bodyPr wrap="square" rtlCol="0">
+              <a:spAutoFit/>
+            </a:bodyPr>
+            <a:lstStyle/>
+            <a:p>
+              <a:r>
+                <a:rPr lang="en-US" sz="4000" b="1" dirty="0" smtClean="0">
+                  <a:solidFill>
+                    <a:schemeClr val="accent2"/>
+                  </a:solidFill>
+                  <a:latin typeface="Colored Crayons" panose="02000500000000000000" pitchFamily="2" charset="0"/>
+                </a:rPr>
+                <a:t>Start</a:t>
+              </a:r>
+              <a:endParaRPr lang="en-US" sz="4000" b="1" dirty="0">
+                <a:solidFill>
+                  <a:schemeClr val="accent2"/>
+                </a:solidFill>
+                <a:latin typeface="Colored Crayons" panose="02000500000000000000" pitchFamily="2" charset="0"/>
+              </a:endParaRPr>
+            </a:p>
+          </p:txBody>
+        </p:sp>
+      </p:grpSp>
+    </p:spTree>
+    <p:extLst>
+      <p:ext uri="{BB962C8B-B14F-4D97-AF65-F5344CB8AC3E}">
+        <p14:creationId xmlns:p14="http://schemas.microsoft.com/office/powerpoint/2010/main" val="1466687290"/>
+      </p:ext>
+    </p:extLst>
+  </p:cSld>
+  <p:clrMapOvr>
+    <a:masterClrMapping/>
+  </p:clrMapOvr>
+  <p:timing>
+    <p:tnLst>
+      <p:par>
+        <p:cTn id="1" dur="indefinite" restart="never" nodeType="tmRoot"/>
+      </p:par>
+    </p:tnLst>
+  </p:timing>
+</p:sld>
+</file>
+
+<file path=ppt/slides/slide5.xml><?xml version="1.0" encoding="utf-8"?>
+<p:sld xmlns:a="http://schemas.openxmlformats.org/drawingml/2006/main" xmlns:r="http://schemas.openxmlformats.org/officeDocument/2006/relationships" xmlns:p="http://schemas.openxmlformats.org/presentationml/2006/main">
+  <p:cSld>
+    <p:spTree>
+      <p:nvGrpSpPr>
+        <p:cNvPr id="1" name=""/>
+        <p:cNvGrpSpPr/>
+        <p:nvPr/>
+      </p:nvGrpSpPr>
+      <p:grpSpPr>
+        <a:xfrm>
+          <a:off x="0" y="0"/>
+          <a:ext cx="0" cy="0"/>
+          <a:chOff x="0" y="0"/>
+          <a:chExt cx="0" cy="0"/>
+        </a:xfrm>
+      </p:grpSpPr>
+      <p:pic>
+        <p:nvPicPr>
+          <p:cNvPr id="6" name="Picture 5"/>
+          <p:cNvPicPr>
+            <a:picLocks noChangeAspect="1"/>
+          </p:cNvPicPr>
+          <p:nvPr/>
+        </p:nvPicPr>
+        <p:blipFill>
+          <a:blip r:embed="rId2">
+            <a:extLst>
+              <a:ext uri="{28A0092B-C50C-407E-A947-70E740481C1C}">
+                <a14:useLocalDpi xmlns:a14="http://schemas.microsoft.com/office/drawing/2010/main" val="0"/>
+              </a:ext>
+            </a:extLst>
+          </a:blip>
+          <a:stretch>
+            <a:fillRect/>
+          </a:stretch>
+        </p:blipFill>
+        <p:spPr>
+          <a:xfrm>
+            <a:off x="0" y="-15271"/>
+            <a:ext cx="12192000" cy="6873271"/>
+          </a:xfrm>
+          <a:prstGeom prst="rect">
+            <a:avLst/>
+          </a:prstGeom>
+        </p:spPr>
+      </p:pic>
+      <p:sp>
+        <p:nvSpPr>
+          <p:cNvPr id="4" name="Oval 3"/>
+          <p:cNvSpPr/>
+          <p:nvPr/>
+        </p:nvSpPr>
+        <p:spPr>
+          <a:xfrm>
+            <a:off x="4694345" y="1709596"/>
+            <a:ext cx="3219722" cy="3218688"/>
+          </a:xfrm>
+          <a:prstGeom prst="ellipse">
+            <a:avLst/>
+          </a:prstGeom>
+        </p:spPr>
+        <p:style>
+          <a:lnRef idx="2">
+            <a:schemeClr val="accent1">
+              <a:shade val="50000"/>
+            </a:schemeClr>
+          </a:lnRef>
+          <a:fillRef idx="1">
+            <a:schemeClr val="accent1"/>
+          </a:fillRef>
+          <a:effectRef idx="0">
+            <a:schemeClr val="accent1"/>
+          </a:effectRef>
+          <a:fontRef idx="minor">
+            <a:schemeClr val="lt1"/>
+          </a:fontRef>
+        </p:style>
+        <p:txBody>
+          <a:bodyPr rtlCol="0" anchor="ctr"/>
+          <a:lstStyle/>
+          <a:p>
+            <a:pPr algn="ctr"/>
+            <a:endParaRPr lang="en-US"/>
+          </a:p>
+        </p:txBody>
+      </p:sp>
+      <p:sp>
+        <p:nvSpPr>
+          <p:cNvPr id="5" name="Oval 4"/>
+          <p:cNvSpPr/>
+          <p:nvPr/>
+        </p:nvSpPr>
+        <p:spPr>
+          <a:xfrm>
+            <a:off x="4978325" y="1993059"/>
+            <a:ext cx="2651760" cy="2651760"/>
+          </a:xfrm>
+          <a:prstGeom prst="ellipse">
+            <a:avLst/>
+          </a:prstGeom>
+          <a:solidFill>
+            <a:schemeClr val="bg1"/>
+          </a:solidFill>
+        </p:spPr>
+        <p:style>
+          <a:lnRef idx="2">
+            <a:schemeClr val="accent1">
+              <a:shade val="50000"/>
+            </a:schemeClr>
+          </a:lnRef>
+          <a:fillRef idx="1">
+            <a:schemeClr val="accent1"/>
+          </a:fillRef>
+          <a:effectRef idx="0">
+            <a:schemeClr val="accent1"/>
+          </a:effectRef>
+          <a:fontRef idx="minor">
+            <a:schemeClr val="lt1"/>
+          </a:fontRef>
+        </p:style>
+        <p:txBody>
+          <a:bodyPr rtlCol="0" anchor="ctr"/>
+          <a:lstStyle/>
+          <a:p>
+            <a:pPr algn="ctr"/>
+            <a:endParaRPr lang="en-US"/>
+          </a:p>
+        </p:txBody>
+      </p:sp>
+      <p:sp>
+        <p:nvSpPr>
+          <p:cNvPr id="2" name="TextBox 1"/>
+          <p:cNvSpPr txBox="1"/>
+          <p:nvPr/>
+        </p:nvSpPr>
+        <p:spPr>
+          <a:xfrm>
+            <a:off x="4085495" y="225802"/>
+            <a:ext cx="4662156" cy="1200329"/>
+          </a:xfrm>
+          <a:prstGeom prst="rect">
+            <a:avLst/>
+          </a:prstGeom>
+          <a:noFill/>
+        </p:spPr>
+        <p:txBody>
+          <a:bodyPr wrap="square" rtlCol="0">
+            <a:spAutoFit/>
+          </a:bodyPr>
+          <a:lstStyle/>
+          <a:p>
+            <a:r>
+              <a:rPr lang="en-US" sz="7200" dirty="0" smtClean="0">
+                <a:latin typeface="Minecraft" panose="02000603000000000000" pitchFamily="2" charset="0"/>
+                <a:ea typeface="Minecraft" panose="02000603000000000000" pitchFamily="2" charset="0"/>
+              </a:rPr>
+              <a:t>Small Ben</a:t>
+            </a:r>
+            <a:endParaRPr lang="en-US" sz="7200" dirty="0">
+              <a:latin typeface="Minecraft" panose="02000603000000000000" pitchFamily="2" charset="0"/>
+              <a:ea typeface="Minecraft" panose="02000603000000000000" pitchFamily="2" charset="0"/>
+            </a:endParaRPr>
+          </a:p>
+        </p:txBody>
+      </p:sp>
+      <p:sp>
+        <p:nvSpPr>
+          <p:cNvPr id="3" name="TextBox 2"/>
+          <p:cNvSpPr txBox="1"/>
+          <p:nvPr/>
+        </p:nvSpPr>
+        <p:spPr>
+          <a:xfrm>
+            <a:off x="5314138" y="2822119"/>
+            <a:ext cx="1980133" cy="767276"/>
+          </a:xfrm>
+          <a:prstGeom prst="rect">
+            <a:avLst/>
+          </a:prstGeom>
+          <a:noFill/>
+        </p:spPr>
+        <p:txBody>
+          <a:bodyPr wrap="square" rtlCol="0">
+            <a:spAutoFit/>
+          </a:bodyPr>
+          <a:lstStyle/>
+          <a:p>
+            <a:r>
+              <a:rPr lang="en-US" sz="4400" dirty="0" smtClean="0">
+                <a:solidFill>
+                  <a:schemeClr val="bg1">
+                    <a:lumMod val="50000"/>
+                  </a:schemeClr>
+                </a:solidFill>
+                <a:latin typeface="LCD Solid" panose="00000400000000000000" pitchFamily="1" charset="0"/>
+                <a:ea typeface="Minecraft" panose="02000603000000000000" pitchFamily="2" charset="0"/>
+              </a:rPr>
+              <a:t>02:16</a:t>
+            </a:r>
+            <a:endParaRPr lang="en-US" sz="4400" dirty="0">
+              <a:solidFill>
+                <a:schemeClr val="bg1">
+                  <a:lumMod val="50000"/>
+                </a:schemeClr>
+              </a:solidFill>
+              <a:latin typeface="LCD Solid" panose="00000400000000000000" pitchFamily="1" charset="0"/>
+              <a:ea typeface="Minecraft" panose="02000603000000000000" pitchFamily="2" charset="0"/>
+            </a:endParaRPr>
+          </a:p>
+        </p:txBody>
+      </p:sp>
+      <p:pic>
+        <p:nvPicPr>
+          <p:cNvPr id="16" name="Picture 15"/>
+          <p:cNvPicPr>
+            <a:picLocks noChangeAspect="1"/>
+          </p:cNvPicPr>
+          <p:nvPr/>
+        </p:nvPicPr>
+        <p:blipFill>
+          <a:blip r:embed="rId3">
+            <a:extLst>
+              <a:ext uri="{28A0092B-C50C-407E-A947-70E740481C1C}">
+                <a14:useLocalDpi xmlns:a14="http://schemas.microsoft.com/office/drawing/2010/main" val="0"/>
+              </a:ext>
+            </a:extLst>
+          </a:blip>
+          <a:stretch>
+            <a:fillRect/>
+          </a:stretch>
+        </p:blipFill>
+        <p:spPr>
+          <a:xfrm>
+            <a:off x="9421537" y="1895136"/>
+            <a:ext cx="1864863" cy="2621241"/>
+          </a:xfrm>
+          <a:prstGeom prst="rect">
+            <a:avLst/>
+          </a:prstGeom>
+        </p:spPr>
+      </p:pic>
+      <p:pic>
+        <p:nvPicPr>
+          <p:cNvPr id="27" name="Picture 26"/>
+          <p:cNvPicPr>
+            <a:picLocks noChangeAspect="1"/>
+          </p:cNvPicPr>
+          <p:nvPr/>
+        </p:nvPicPr>
+        <p:blipFill>
+          <a:blip r:embed="rId4">
+            <a:extLst>
+              <a:ext uri="{28A0092B-C50C-407E-A947-70E740481C1C}">
+                <a14:useLocalDpi xmlns:a14="http://schemas.microsoft.com/office/drawing/2010/main" val="0"/>
+              </a:ext>
+            </a:extLst>
+          </a:blip>
+          <a:stretch>
+            <a:fillRect/>
+          </a:stretch>
+        </p:blipFill>
+        <p:spPr>
+          <a:xfrm>
+            <a:off x="767592" y="1609727"/>
+            <a:ext cx="1963387" cy="2906650"/>
+          </a:xfrm>
+          <a:prstGeom prst="rect">
+            <a:avLst/>
+          </a:prstGeom>
+        </p:spPr>
+      </p:pic>
+      <p:grpSp>
+        <p:nvGrpSpPr>
+          <p:cNvPr id="28" name="Group 27"/>
+          <p:cNvGrpSpPr/>
+          <p:nvPr/>
+        </p:nvGrpSpPr>
+        <p:grpSpPr>
+          <a:xfrm>
+            <a:off x="2081437" y="4767874"/>
+            <a:ext cx="3107024" cy="707722"/>
+            <a:chOff x="2081437" y="4767874"/>
+            <a:chExt cx="3107024" cy="707722"/>
+          </a:xfrm>
+        </p:grpSpPr>
+        <p:sp>
+          <p:nvSpPr>
+            <p:cNvPr id="29" name="Rounded Rectangle 28"/>
+            <p:cNvSpPr/>
+            <p:nvPr/>
+          </p:nvSpPr>
+          <p:spPr>
+            <a:xfrm>
+              <a:off x="2081437" y="4767874"/>
+              <a:ext cx="3107024" cy="707722"/>
+            </a:xfrm>
+            <a:prstGeom prst="roundRect">
+              <a:avLst/>
+            </a:prstGeom>
+            <a:solidFill>
+              <a:schemeClr val="bg1"/>
+            </a:solidFill>
+            <a:ln w="76200">
+              <a:solidFill>
+                <a:schemeClr val="accent6"/>
+              </a:solidFill>
+            </a:ln>
+          </p:spPr>
+          <p:style>
+            <a:lnRef idx="2">
+              <a:schemeClr val="accent1">
+                <a:shade val="50000"/>
+              </a:schemeClr>
+            </a:lnRef>
+            <a:fillRef idx="1">
+              <a:schemeClr val="accent1"/>
+            </a:fillRef>
+            <a:effectRef idx="0">
+              <a:schemeClr val="accent1"/>
+            </a:effectRef>
+            <a:fontRef idx="minor">
+              <a:schemeClr val="lt1"/>
+            </a:fontRef>
+          </p:style>
+          <p:txBody>
+            <a:bodyPr rtlCol="0" anchor="ctr"/>
+            <a:lstStyle/>
+            <a:p>
+              <a:pPr algn="ctr"/>
+              <a:endParaRPr lang="en-US"/>
+            </a:p>
+          </p:txBody>
+        </p:sp>
+        <p:sp>
+          <p:nvSpPr>
+            <p:cNvPr id="30" name="TextBox 29"/>
+            <p:cNvSpPr txBox="1"/>
+            <p:nvPr/>
+          </p:nvSpPr>
+          <p:spPr>
+            <a:xfrm>
+              <a:off x="2181885" y="4890903"/>
+              <a:ext cx="2704564" cy="461665"/>
             </a:xfrm>
             <a:prstGeom prst="rect">
               <a:avLst/>
@@ -5026,17 +6176,229 @@
             <a:lstStyle/>
             <a:p>
               <a:r>
-                <a:rPr lang="en-US" sz="4000" dirty="0" smtClean="0">
+                <a:rPr lang="en-US" sz="2400" dirty="0" smtClean="0">
+                  <a:latin typeface="Minecraft" panose="02000603000000000000" pitchFamily="2" charset="0"/>
+                  <a:ea typeface="Minecraft" panose="02000603000000000000" pitchFamily="2" charset="0"/>
+                </a:rPr>
+                <a:t>Minutes</a:t>
+              </a:r>
+              <a:r>
+                <a:rPr lang="en-US" sz="2400" dirty="0">
+                  <a:latin typeface="Minecraft" panose="02000603000000000000" pitchFamily="2" charset="0"/>
+                  <a:ea typeface="Minecraft" panose="02000603000000000000" pitchFamily="2" charset="0"/>
+                </a:rPr>
+                <a:t>:</a:t>
+              </a:r>
+              <a:r>
+                <a:rPr lang="en-US" dirty="0" smtClean="0">
+                  <a:latin typeface="Minecraft" panose="02000603000000000000" pitchFamily="2" charset="0"/>
+                  <a:ea typeface="Minecraft" panose="02000603000000000000" pitchFamily="2" charset="0"/>
+                </a:rPr>
+                <a:t> </a:t>
+              </a:r>
+              <a:r>
+                <a:rPr lang="en-US" sz="2400" dirty="0">
+                  <a:latin typeface="Minecraft" panose="02000603000000000000" pitchFamily="2" charset="0"/>
+                  <a:ea typeface="Minecraft" panose="02000603000000000000" pitchFamily="2" charset="0"/>
+                </a:rPr>
+                <a:t>2</a:t>
+              </a:r>
+              <a:endParaRPr lang="en-US" dirty="0">
+                <a:latin typeface="Minecraft" panose="02000603000000000000" pitchFamily="2" charset="0"/>
+                <a:ea typeface="Minecraft" panose="02000603000000000000" pitchFamily="2" charset="0"/>
+              </a:endParaRPr>
+            </a:p>
+          </p:txBody>
+        </p:sp>
+      </p:grpSp>
+      <p:sp>
+        <p:nvSpPr>
+          <p:cNvPr id="31" name="Rounded Rectangle 30"/>
+          <p:cNvSpPr/>
+          <p:nvPr/>
+        </p:nvSpPr>
+        <p:spPr>
+          <a:xfrm>
+            <a:off x="7421879" y="4767874"/>
+            <a:ext cx="3107024" cy="707722"/>
+          </a:xfrm>
+          <a:prstGeom prst="roundRect">
+            <a:avLst/>
+          </a:prstGeom>
+          <a:solidFill>
+            <a:schemeClr val="bg1"/>
+          </a:solidFill>
+          <a:ln w="76200">
+            <a:solidFill>
+              <a:srgbClr val="FFFF00"/>
+            </a:solidFill>
+          </a:ln>
+        </p:spPr>
+        <p:style>
+          <a:lnRef idx="2">
+            <a:schemeClr val="accent1">
+              <a:shade val="50000"/>
+            </a:schemeClr>
+          </a:lnRef>
+          <a:fillRef idx="1">
+            <a:schemeClr val="accent1"/>
+          </a:fillRef>
+          <a:effectRef idx="0">
+            <a:schemeClr val="accent1"/>
+          </a:effectRef>
+          <a:fontRef idx="minor">
+            <a:schemeClr val="lt1"/>
+          </a:fontRef>
+        </p:style>
+        <p:txBody>
+          <a:bodyPr rtlCol="0" anchor="ctr"/>
+          <a:lstStyle/>
+          <a:p>
+            <a:pPr algn="ctr"/>
+            <a:endParaRPr lang="en-US"/>
+          </a:p>
+        </p:txBody>
+      </p:sp>
+      <p:sp>
+        <p:nvSpPr>
+          <p:cNvPr id="32" name="TextBox 31"/>
+          <p:cNvSpPr txBox="1"/>
+          <p:nvPr/>
+        </p:nvSpPr>
+        <p:spPr>
+          <a:xfrm>
+            <a:off x="7421879" y="4889966"/>
+            <a:ext cx="2704564" cy="461665"/>
+          </a:xfrm>
+          <a:prstGeom prst="rect">
+            <a:avLst/>
+          </a:prstGeom>
+          <a:noFill/>
+        </p:spPr>
+        <p:txBody>
+          <a:bodyPr wrap="square" rtlCol="0">
+            <a:spAutoFit/>
+          </a:bodyPr>
+          <a:lstStyle/>
+          <a:p>
+            <a:r>
+              <a:rPr lang="en-US" sz="2400" dirty="0" smtClean="0">
+                <a:latin typeface="Minecraft" panose="02000603000000000000" pitchFamily="2" charset="0"/>
+                <a:ea typeface="Minecraft" panose="02000603000000000000" pitchFamily="2" charset="0"/>
+              </a:rPr>
+              <a:t>Seconds: 16</a:t>
+            </a:r>
+            <a:endParaRPr lang="en-US" dirty="0">
+              <a:latin typeface="Minecraft" panose="02000603000000000000" pitchFamily="2" charset="0"/>
+              <a:ea typeface="Minecraft" panose="02000603000000000000" pitchFamily="2" charset="0"/>
+            </a:endParaRPr>
+          </a:p>
+        </p:txBody>
+      </p:sp>
+      <p:grpSp>
+        <p:nvGrpSpPr>
+          <p:cNvPr id="33" name="Group 32"/>
+          <p:cNvGrpSpPr/>
+          <p:nvPr/>
+        </p:nvGrpSpPr>
+        <p:grpSpPr>
+          <a:xfrm>
+            <a:off x="5131853" y="5698923"/>
+            <a:ext cx="1928291" cy="707886"/>
+            <a:chOff x="5370490" y="2693306"/>
+            <a:chExt cx="2711003" cy="936321"/>
+          </a:xfrm>
+          <a:solidFill>
+            <a:schemeClr val="bg1">
+              <a:lumMod val="85000"/>
+            </a:schemeClr>
+          </a:solidFill>
+        </p:grpSpPr>
+        <p:sp>
+          <p:nvSpPr>
+            <p:cNvPr id="34" name="Rounded Rectangle 33"/>
+            <p:cNvSpPr/>
+            <p:nvPr/>
+          </p:nvSpPr>
+          <p:spPr>
+            <a:xfrm>
+              <a:off x="5370490" y="2754328"/>
+              <a:ext cx="2711003" cy="814278"/>
+            </a:xfrm>
+            <a:prstGeom prst="roundRect">
+              <a:avLst/>
+            </a:prstGeom>
+            <a:solidFill>
+              <a:srgbClr val="81DEFF"/>
+            </a:solidFill>
+            <a:ln>
+              <a:solidFill>
+                <a:schemeClr val="accent2"/>
+              </a:solidFill>
+            </a:ln>
+          </p:spPr>
+          <p:style>
+            <a:lnRef idx="2">
+              <a:schemeClr val="accent1">
+                <a:shade val="50000"/>
+              </a:schemeClr>
+            </a:lnRef>
+            <a:fillRef idx="1">
+              <a:schemeClr val="accent1"/>
+            </a:fillRef>
+            <a:effectRef idx="0">
+              <a:schemeClr val="accent1"/>
+            </a:effectRef>
+            <a:fontRef idx="minor">
+              <a:schemeClr val="lt1"/>
+            </a:fontRef>
+          </p:style>
+          <p:txBody>
+            <a:bodyPr rtlCol="0" anchor="ctr"/>
+            <a:lstStyle/>
+            <a:p>
+              <a:pPr algn="ctr"/>
+              <a:endParaRPr lang="en-US"/>
+            </a:p>
+          </p:txBody>
+        </p:sp>
+        <p:sp>
+          <p:nvSpPr>
+            <p:cNvPr id="35" name="TextBox 34"/>
+            <p:cNvSpPr txBox="1"/>
+            <p:nvPr/>
+          </p:nvSpPr>
+          <p:spPr>
+            <a:xfrm>
+              <a:off x="5591297" y="2693306"/>
+              <a:ext cx="2389367" cy="936321"/>
+            </a:xfrm>
+            <a:prstGeom prst="rect">
+              <a:avLst/>
+            </a:prstGeom>
+            <a:noFill/>
+            <a:ln>
+              <a:noFill/>
+            </a:ln>
+          </p:spPr>
+          <p:txBody>
+            <a:bodyPr wrap="square" rtlCol="0">
+              <a:spAutoFit/>
+            </a:bodyPr>
+            <a:lstStyle/>
+            <a:p>
+              <a:r>
+                <a:rPr lang="en-US" sz="4000" b="1" dirty="0" smtClean="0">
                   <a:solidFill>
-                    <a:srgbClr val="FFFF00"/>
+                    <a:schemeClr val="accent2"/>
                   </a:solidFill>
                   <a:latin typeface="Colored Crayons" panose="02000500000000000000" pitchFamily="2" charset="0"/>
                 </a:rPr>
-                <a:t>Clear</a:t>
+                <a:t>Start</a:t>
               </a:r>
-              <a:endParaRPr lang="en-US" sz="4000" dirty="0">
+              <a:endParaRPr lang="en-US" sz="4000" b="1" dirty="0">
                 <a:solidFill>
-                  <a:srgbClr val="FFFF00"/>
+                  <a:schemeClr val="accent2"/>
                 </a:solidFill>
                 <a:latin typeface="Colored Crayons" panose="02000500000000000000" pitchFamily="2" charset="0"/>
               </a:endParaRPr>
@@ -5044,6 +6406,1610 @@
           </p:txBody>
         </p:sp>
       </p:grpSp>
+    </p:spTree>
+    <p:extLst>
+      <p:ext uri="{BB962C8B-B14F-4D97-AF65-F5344CB8AC3E}">
+        <p14:creationId xmlns:p14="http://schemas.microsoft.com/office/powerpoint/2010/main" val="250814633"/>
+      </p:ext>
+    </p:extLst>
+  </p:cSld>
+  <p:clrMapOvr>
+    <a:masterClrMapping/>
+  </p:clrMapOvr>
+  <p:timing>
+    <p:tnLst>
+      <p:par>
+        <p:cTn id="1" dur="indefinite" restart="never" nodeType="tmRoot"/>
+      </p:par>
+    </p:tnLst>
+  </p:timing>
+</p:sld>
+</file>
+
+<file path=ppt/slides/slide6.xml><?xml version="1.0" encoding="utf-8"?>
+<p:sld xmlns:a="http://schemas.openxmlformats.org/drawingml/2006/main" xmlns:r="http://schemas.openxmlformats.org/officeDocument/2006/relationships" xmlns:p="http://schemas.openxmlformats.org/presentationml/2006/main">
+  <p:cSld>
+    <p:bg>
+      <p:bgPr>
+        <a:solidFill>
+          <a:schemeClr val="accent6">
+            <a:lumMod val="75000"/>
+          </a:schemeClr>
+        </a:solidFill>
+        <a:effectLst/>
+      </p:bgPr>
+    </p:bg>
+    <p:spTree>
+      <p:nvGrpSpPr>
+        <p:cNvPr id="1" name=""/>
+        <p:cNvGrpSpPr/>
+        <p:nvPr/>
+      </p:nvGrpSpPr>
+      <p:grpSpPr>
+        <a:xfrm>
+          <a:off x="0" y="0"/>
+          <a:ext cx="0" cy="0"/>
+          <a:chOff x="0" y="0"/>
+          <a:chExt cx="0" cy="0"/>
+        </a:xfrm>
+      </p:grpSpPr>
+      <p:pic>
+        <p:nvPicPr>
+          <p:cNvPr id="5122" name="Picture 2" descr="https://upload.wikimedia.org/wikipedia/commons/0/08/Fez_(video_game)_screenshot_08.png"/>
+          <p:cNvPicPr>
+            <a:picLocks noChangeAspect="1" noChangeArrowheads="1"/>
+          </p:cNvPicPr>
+          <p:nvPr/>
+        </p:nvPicPr>
+        <p:blipFill>
+          <a:blip r:embed="rId2">
+            <a:extLst>
+              <a:ext uri="{28A0092B-C50C-407E-A947-70E740481C1C}">
+                <a14:useLocalDpi xmlns:a14="http://schemas.microsoft.com/office/drawing/2010/main" val="0"/>
+              </a:ext>
+            </a:extLst>
+          </a:blip>
+          <a:srcRect/>
+          <a:stretch>
+            <a:fillRect/>
+          </a:stretch>
+        </p:blipFill>
+        <p:spPr bwMode="auto">
+          <a:xfrm>
+            <a:off x="0" y="-1"/>
+            <a:ext cx="12192000" cy="6858001"/>
+          </a:xfrm>
+          <a:prstGeom prst="rect">
+            <a:avLst/>
+          </a:prstGeom>
+          <a:noFill/>
+          <a:extLst>
+            <a:ext uri="{909E8E84-426E-40DD-AFC4-6F175D3DCCD1}">
+              <a14:hiddenFill xmlns:a14="http://schemas.microsoft.com/office/drawing/2010/main">
+                <a:solidFill>
+                  <a:srgbClr val="FFFFFF"/>
+                </a:solidFill>
+              </a14:hiddenFill>
+            </a:ext>
+          </a:extLst>
+        </p:spPr>
+      </p:pic>
+      <p:sp>
+        <p:nvSpPr>
+          <p:cNvPr id="4" name="Oval 3"/>
+          <p:cNvSpPr/>
+          <p:nvPr/>
+        </p:nvSpPr>
+        <p:spPr>
+          <a:xfrm>
+            <a:off x="4694345" y="1709596"/>
+            <a:ext cx="3219722" cy="3218688"/>
+          </a:xfrm>
+          <a:prstGeom prst="ellipse">
+            <a:avLst/>
+          </a:prstGeom>
+        </p:spPr>
+        <p:style>
+          <a:lnRef idx="2">
+            <a:schemeClr val="accent1">
+              <a:shade val="50000"/>
+            </a:schemeClr>
+          </a:lnRef>
+          <a:fillRef idx="1">
+            <a:schemeClr val="accent1"/>
+          </a:fillRef>
+          <a:effectRef idx="0">
+            <a:schemeClr val="accent1"/>
+          </a:effectRef>
+          <a:fontRef idx="minor">
+            <a:schemeClr val="lt1"/>
+          </a:fontRef>
+        </p:style>
+        <p:txBody>
+          <a:bodyPr rtlCol="0" anchor="ctr"/>
+          <a:lstStyle/>
+          <a:p>
+            <a:pPr algn="ctr"/>
+            <a:endParaRPr lang="en-US"/>
+          </a:p>
+        </p:txBody>
+      </p:sp>
+      <p:sp>
+        <p:nvSpPr>
+          <p:cNvPr id="5" name="Oval 4"/>
+          <p:cNvSpPr/>
+          <p:nvPr/>
+        </p:nvSpPr>
+        <p:spPr>
+          <a:xfrm>
+            <a:off x="4978325" y="1993059"/>
+            <a:ext cx="2651760" cy="2651760"/>
+          </a:xfrm>
+          <a:prstGeom prst="ellipse">
+            <a:avLst/>
+          </a:prstGeom>
+          <a:solidFill>
+            <a:schemeClr val="bg1"/>
+          </a:solidFill>
+        </p:spPr>
+        <p:style>
+          <a:lnRef idx="2">
+            <a:schemeClr val="accent1">
+              <a:shade val="50000"/>
+            </a:schemeClr>
+          </a:lnRef>
+          <a:fillRef idx="1">
+            <a:schemeClr val="accent1"/>
+          </a:fillRef>
+          <a:effectRef idx="0">
+            <a:schemeClr val="accent1"/>
+          </a:effectRef>
+          <a:fontRef idx="minor">
+            <a:schemeClr val="lt1"/>
+          </a:fontRef>
+        </p:style>
+        <p:txBody>
+          <a:bodyPr rtlCol="0" anchor="ctr"/>
+          <a:lstStyle/>
+          <a:p>
+            <a:pPr algn="ctr"/>
+            <a:endParaRPr lang="en-US"/>
+          </a:p>
+        </p:txBody>
+      </p:sp>
+      <p:sp>
+        <p:nvSpPr>
+          <p:cNvPr id="2" name="TextBox 1"/>
+          <p:cNvSpPr txBox="1"/>
+          <p:nvPr/>
+        </p:nvSpPr>
+        <p:spPr>
+          <a:xfrm>
+            <a:off x="3973126" y="225802"/>
+            <a:ext cx="4662156" cy="1200329"/>
+          </a:xfrm>
+          <a:prstGeom prst="rect">
+            <a:avLst/>
+          </a:prstGeom>
+          <a:noFill/>
+          <a:effectLst>
+            <a:glow rad="127000">
+              <a:schemeClr val="tx2">
+                <a:lumMod val="50000"/>
+              </a:schemeClr>
+            </a:glow>
+          </a:effectLst>
+        </p:spPr>
+        <p:txBody>
+          <a:bodyPr wrap="square" rtlCol="0">
+            <a:spAutoFit/>
+          </a:bodyPr>
+          <a:lstStyle/>
+          <a:p>
+            <a:r>
+              <a:rPr lang="en-US" sz="7200" dirty="0" smtClean="0">
+                <a:effectLst>
+                  <a:glow rad="127000">
+                    <a:srgbClr val="6EA92D"/>
+                  </a:glow>
+                </a:effectLst>
+                <a:latin typeface="Minecraft" panose="02000603000000000000" pitchFamily="2" charset="0"/>
+                <a:ea typeface="Minecraft" panose="02000603000000000000" pitchFamily="2" charset="0"/>
+              </a:rPr>
+              <a:t>Small Ben</a:t>
+            </a:r>
+            <a:endParaRPr lang="en-US" sz="7200" dirty="0">
+              <a:effectLst>
+                <a:glow rad="127000">
+                  <a:srgbClr val="6EA92D"/>
+                </a:glow>
+              </a:effectLst>
+              <a:latin typeface="Minecraft" panose="02000603000000000000" pitchFamily="2" charset="0"/>
+              <a:ea typeface="Minecraft" panose="02000603000000000000" pitchFamily="2" charset="0"/>
+            </a:endParaRPr>
+          </a:p>
+        </p:txBody>
+      </p:sp>
+      <p:sp>
+        <p:nvSpPr>
+          <p:cNvPr id="3" name="TextBox 2"/>
+          <p:cNvSpPr txBox="1"/>
+          <p:nvPr/>
+        </p:nvSpPr>
+        <p:spPr>
+          <a:xfrm>
+            <a:off x="5314138" y="2822119"/>
+            <a:ext cx="1980133" cy="767276"/>
+          </a:xfrm>
+          <a:prstGeom prst="rect">
+            <a:avLst/>
+          </a:prstGeom>
+          <a:noFill/>
+        </p:spPr>
+        <p:txBody>
+          <a:bodyPr wrap="square" rtlCol="0">
+            <a:spAutoFit/>
+          </a:bodyPr>
+          <a:lstStyle/>
+          <a:p>
+            <a:r>
+              <a:rPr lang="en-US" sz="4400" dirty="0" smtClean="0">
+                <a:solidFill>
+                  <a:schemeClr val="bg1">
+                    <a:lumMod val="50000"/>
+                  </a:schemeClr>
+                </a:solidFill>
+                <a:latin typeface="LCD Solid" panose="00000400000000000000" pitchFamily="1" charset="0"/>
+                <a:ea typeface="Minecraft" panose="02000603000000000000" pitchFamily="2" charset="0"/>
+              </a:rPr>
+              <a:t>02:16</a:t>
+            </a:r>
+            <a:endParaRPr lang="en-US" sz="4400" dirty="0">
+              <a:solidFill>
+                <a:schemeClr val="bg1">
+                  <a:lumMod val="50000"/>
+                </a:schemeClr>
+              </a:solidFill>
+              <a:latin typeface="LCD Solid" panose="00000400000000000000" pitchFamily="1" charset="0"/>
+              <a:ea typeface="Minecraft" panose="02000603000000000000" pitchFamily="2" charset="0"/>
+            </a:endParaRPr>
+          </a:p>
+        </p:txBody>
+      </p:sp>
+      <p:pic>
+        <p:nvPicPr>
+          <p:cNvPr id="16" name="Picture 15"/>
+          <p:cNvPicPr>
+            <a:picLocks noChangeAspect="1"/>
+          </p:cNvPicPr>
+          <p:nvPr/>
+        </p:nvPicPr>
+        <p:blipFill>
+          <a:blip r:embed="rId3">
+            <a:extLst>
+              <a:ext uri="{28A0092B-C50C-407E-A947-70E740481C1C}">
+                <a14:useLocalDpi xmlns:a14="http://schemas.microsoft.com/office/drawing/2010/main" val="0"/>
+              </a:ext>
+            </a:extLst>
+          </a:blip>
+          <a:stretch>
+            <a:fillRect/>
+          </a:stretch>
+        </p:blipFill>
+        <p:spPr>
+          <a:xfrm>
+            <a:off x="9421537" y="1895136"/>
+            <a:ext cx="1864863" cy="2621241"/>
+          </a:xfrm>
+          <a:prstGeom prst="rect">
+            <a:avLst/>
+          </a:prstGeom>
+        </p:spPr>
+      </p:pic>
+      <p:pic>
+        <p:nvPicPr>
+          <p:cNvPr id="27" name="Picture 26"/>
+          <p:cNvPicPr>
+            <a:picLocks noChangeAspect="1"/>
+          </p:cNvPicPr>
+          <p:nvPr/>
+        </p:nvPicPr>
+        <p:blipFill>
+          <a:blip r:embed="rId4">
+            <a:extLst>
+              <a:ext uri="{28A0092B-C50C-407E-A947-70E740481C1C}">
+                <a14:useLocalDpi xmlns:a14="http://schemas.microsoft.com/office/drawing/2010/main" val="0"/>
+              </a:ext>
+            </a:extLst>
+          </a:blip>
+          <a:stretch>
+            <a:fillRect/>
+          </a:stretch>
+        </p:blipFill>
+        <p:spPr>
+          <a:xfrm>
+            <a:off x="767592" y="1609727"/>
+            <a:ext cx="1963387" cy="2906650"/>
+          </a:xfrm>
+          <a:prstGeom prst="rect">
+            <a:avLst/>
+          </a:prstGeom>
+        </p:spPr>
+      </p:pic>
+      <p:grpSp>
+        <p:nvGrpSpPr>
+          <p:cNvPr id="31" name="Group 30"/>
+          <p:cNvGrpSpPr/>
+          <p:nvPr/>
+        </p:nvGrpSpPr>
+        <p:grpSpPr>
+          <a:xfrm>
+            <a:off x="2081437" y="4767874"/>
+            <a:ext cx="3107024" cy="707722"/>
+            <a:chOff x="2081437" y="4767874"/>
+            <a:chExt cx="3107024" cy="707722"/>
+          </a:xfrm>
+        </p:grpSpPr>
+        <p:sp>
+          <p:nvSpPr>
+            <p:cNvPr id="32" name="Rounded Rectangle 31"/>
+            <p:cNvSpPr/>
+            <p:nvPr/>
+          </p:nvSpPr>
+          <p:spPr>
+            <a:xfrm>
+              <a:off x="2081437" y="4767874"/>
+              <a:ext cx="3107024" cy="707722"/>
+            </a:xfrm>
+            <a:prstGeom prst="roundRect">
+              <a:avLst/>
+            </a:prstGeom>
+            <a:solidFill>
+              <a:schemeClr val="bg1"/>
+            </a:solidFill>
+            <a:ln w="76200">
+              <a:solidFill>
+                <a:srgbClr val="0C1E2E"/>
+              </a:solidFill>
+            </a:ln>
+          </p:spPr>
+          <p:style>
+            <a:lnRef idx="2">
+              <a:schemeClr val="accent1">
+                <a:shade val="50000"/>
+              </a:schemeClr>
+            </a:lnRef>
+            <a:fillRef idx="1">
+              <a:schemeClr val="accent1"/>
+            </a:fillRef>
+            <a:effectRef idx="0">
+              <a:schemeClr val="accent1"/>
+            </a:effectRef>
+            <a:fontRef idx="minor">
+              <a:schemeClr val="lt1"/>
+            </a:fontRef>
+          </p:style>
+          <p:txBody>
+            <a:bodyPr rtlCol="0" anchor="ctr"/>
+            <a:lstStyle/>
+            <a:p>
+              <a:pPr algn="ctr"/>
+              <a:endParaRPr lang="en-US"/>
+            </a:p>
+          </p:txBody>
+        </p:sp>
+        <p:sp>
+          <p:nvSpPr>
+            <p:cNvPr id="33" name="TextBox 32"/>
+            <p:cNvSpPr txBox="1"/>
+            <p:nvPr/>
+          </p:nvSpPr>
+          <p:spPr>
+            <a:xfrm>
+              <a:off x="2181885" y="4890903"/>
+              <a:ext cx="2704564" cy="461665"/>
+            </a:xfrm>
+            <a:prstGeom prst="rect">
+              <a:avLst/>
+            </a:prstGeom>
+            <a:noFill/>
+            <a:ln>
+              <a:solidFill>
+                <a:srgbClr val="0C1E2E"/>
+              </a:solidFill>
+            </a:ln>
+          </p:spPr>
+          <p:txBody>
+            <a:bodyPr wrap="square" rtlCol="0">
+              <a:spAutoFit/>
+            </a:bodyPr>
+            <a:lstStyle/>
+            <a:p>
+              <a:r>
+                <a:rPr lang="en-US" sz="2400" dirty="0" smtClean="0">
+                  <a:latin typeface="Minecraft" panose="02000603000000000000" pitchFamily="2" charset="0"/>
+                  <a:ea typeface="Minecraft" panose="02000603000000000000" pitchFamily="2" charset="0"/>
+                </a:rPr>
+                <a:t>Minutes</a:t>
+              </a:r>
+              <a:r>
+                <a:rPr lang="en-US" sz="2400" dirty="0">
+                  <a:latin typeface="Minecraft" panose="02000603000000000000" pitchFamily="2" charset="0"/>
+                  <a:ea typeface="Minecraft" panose="02000603000000000000" pitchFamily="2" charset="0"/>
+                </a:rPr>
+                <a:t>:</a:t>
+              </a:r>
+              <a:r>
+                <a:rPr lang="en-US" dirty="0" smtClean="0">
+                  <a:latin typeface="Minecraft" panose="02000603000000000000" pitchFamily="2" charset="0"/>
+                  <a:ea typeface="Minecraft" panose="02000603000000000000" pitchFamily="2" charset="0"/>
+                </a:rPr>
+                <a:t> </a:t>
+              </a:r>
+              <a:r>
+                <a:rPr lang="en-US" sz="2400" dirty="0">
+                  <a:latin typeface="Minecraft" panose="02000603000000000000" pitchFamily="2" charset="0"/>
+                  <a:ea typeface="Minecraft" panose="02000603000000000000" pitchFamily="2" charset="0"/>
+                </a:rPr>
+                <a:t>2</a:t>
+              </a:r>
+              <a:endParaRPr lang="en-US" dirty="0">
+                <a:latin typeface="Minecraft" panose="02000603000000000000" pitchFamily="2" charset="0"/>
+                <a:ea typeface="Minecraft" panose="02000603000000000000" pitchFamily="2" charset="0"/>
+              </a:endParaRPr>
+            </a:p>
+          </p:txBody>
+        </p:sp>
+      </p:grpSp>
+      <p:sp>
+        <p:nvSpPr>
+          <p:cNvPr id="34" name="Rounded Rectangle 33"/>
+          <p:cNvSpPr/>
+          <p:nvPr/>
+        </p:nvSpPr>
+        <p:spPr>
+          <a:xfrm>
+            <a:off x="7421879" y="4767874"/>
+            <a:ext cx="3107024" cy="707722"/>
+          </a:xfrm>
+          <a:prstGeom prst="roundRect">
+            <a:avLst/>
+          </a:prstGeom>
+          <a:solidFill>
+            <a:schemeClr val="bg1"/>
+          </a:solidFill>
+          <a:ln w="76200">
+            <a:solidFill>
+              <a:srgbClr val="B0AC00"/>
+            </a:solidFill>
+          </a:ln>
+        </p:spPr>
+        <p:style>
+          <a:lnRef idx="2">
+            <a:schemeClr val="accent1">
+              <a:shade val="50000"/>
+            </a:schemeClr>
+          </a:lnRef>
+          <a:fillRef idx="1">
+            <a:schemeClr val="accent1"/>
+          </a:fillRef>
+          <a:effectRef idx="0">
+            <a:schemeClr val="accent1"/>
+          </a:effectRef>
+          <a:fontRef idx="minor">
+            <a:schemeClr val="lt1"/>
+          </a:fontRef>
+        </p:style>
+        <p:txBody>
+          <a:bodyPr rtlCol="0" anchor="ctr"/>
+          <a:lstStyle/>
+          <a:p>
+            <a:pPr algn="ctr"/>
+            <a:endParaRPr lang="en-US"/>
+          </a:p>
+        </p:txBody>
+      </p:sp>
+      <p:sp>
+        <p:nvSpPr>
+          <p:cNvPr id="35" name="TextBox 34"/>
+          <p:cNvSpPr txBox="1"/>
+          <p:nvPr/>
+        </p:nvSpPr>
+        <p:spPr>
+          <a:xfrm>
+            <a:off x="7421879" y="4889966"/>
+            <a:ext cx="2704564" cy="461665"/>
+          </a:xfrm>
+          <a:prstGeom prst="rect">
+            <a:avLst/>
+          </a:prstGeom>
+          <a:noFill/>
+        </p:spPr>
+        <p:txBody>
+          <a:bodyPr wrap="square" rtlCol="0">
+            <a:spAutoFit/>
+          </a:bodyPr>
+          <a:lstStyle/>
+          <a:p>
+            <a:r>
+              <a:rPr lang="en-US" sz="2400" dirty="0" smtClean="0">
+                <a:latin typeface="Minecraft" panose="02000603000000000000" pitchFamily="2" charset="0"/>
+                <a:ea typeface="Minecraft" panose="02000603000000000000" pitchFamily="2" charset="0"/>
+              </a:rPr>
+              <a:t>Seconds: 16</a:t>
+            </a:r>
+            <a:endParaRPr lang="en-US" dirty="0">
+              <a:latin typeface="Minecraft" panose="02000603000000000000" pitchFamily="2" charset="0"/>
+              <a:ea typeface="Minecraft" panose="02000603000000000000" pitchFamily="2" charset="0"/>
+            </a:endParaRPr>
+          </a:p>
+        </p:txBody>
+      </p:sp>
+      <p:grpSp>
+        <p:nvGrpSpPr>
+          <p:cNvPr id="36" name="Group 35"/>
+          <p:cNvGrpSpPr/>
+          <p:nvPr/>
+        </p:nvGrpSpPr>
+        <p:grpSpPr>
+          <a:xfrm>
+            <a:off x="5131853" y="5698923"/>
+            <a:ext cx="1928291" cy="707886"/>
+            <a:chOff x="5370490" y="2693306"/>
+            <a:chExt cx="2711003" cy="936321"/>
+          </a:xfrm>
+          <a:solidFill>
+            <a:schemeClr val="bg1">
+              <a:lumMod val="85000"/>
+            </a:schemeClr>
+          </a:solidFill>
+        </p:grpSpPr>
+        <p:sp>
+          <p:nvSpPr>
+            <p:cNvPr id="37" name="Rounded Rectangle 36"/>
+            <p:cNvSpPr/>
+            <p:nvPr/>
+          </p:nvSpPr>
+          <p:spPr>
+            <a:xfrm>
+              <a:off x="5370490" y="2754328"/>
+              <a:ext cx="2711003" cy="814278"/>
+            </a:xfrm>
+            <a:prstGeom prst="roundRect">
+              <a:avLst/>
+            </a:prstGeom>
+            <a:solidFill>
+              <a:srgbClr val="81DEFF"/>
+            </a:solidFill>
+            <a:ln>
+              <a:solidFill>
+                <a:schemeClr val="accent2"/>
+              </a:solidFill>
+            </a:ln>
+          </p:spPr>
+          <p:style>
+            <a:lnRef idx="2">
+              <a:schemeClr val="accent1">
+                <a:shade val="50000"/>
+              </a:schemeClr>
+            </a:lnRef>
+            <a:fillRef idx="1">
+              <a:schemeClr val="accent1"/>
+            </a:fillRef>
+            <a:effectRef idx="0">
+              <a:schemeClr val="accent1"/>
+            </a:effectRef>
+            <a:fontRef idx="minor">
+              <a:schemeClr val="lt1"/>
+            </a:fontRef>
+          </p:style>
+          <p:txBody>
+            <a:bodyPr rtlCol="0" anchor="ctr"/>
+            <a:lstStyle/>
+            <a:p>
+              <a:pPr algn="ctr"/>
+              <a:endParaRPr lang="en-US"/>
+            </a:p>
+          </p:txBody>
+        </p:sp>
+        <p:sp>
+          <p:nvSpPr>
+            <p:cNvPr id="38" name="TextBox 37"/>
+            <p:cNvSpPr txBox="1"/>
+            <p:nvPr/>
+          </p:nvSpPr>
+          <p:spPr>
+            <a:xfrm>
+              <a:off x="5591297" y="2693306"/>
+              <a:ext cx="2389367" cy="936321"/>
+            </a:xfrm>
+            <a:prstGeom prst="rect">
+              <a:avLst/>
+            </a:prstGeom>
+            <a:noFill/>
+            <a:ln>
+              <a:noFill/>
+            </a:ln>
+          </p:spPr>
+          <p:txBody>
+            <a:bodyPr wrap="square" rtlCol="0">
+              <a:spAutoFit/>
+            </a:bodyPr>
+            <a:lstStyle/>
+            <a:p>
+              <a:r>
+                <a:rPr lang="en-US" sz="4000" b="1" dirty="0" smtClean="0">
+                  <a:solidFill>
+                    <a:schemeClr val="accent2"/>
+                  </a:solidFill>
+                  <a:latin typeface="Colored Crayons" panose="02000500000000000000" pitchFamily="2" charset="0"/>
+                </a:rPr>
+                <a:t>Start</a:t>
+              </a:r>
+              <a:endParaRPr lang="en-US" sz="4000" b="1" dirty="0">
+                <a:solidFill>
+                  <a:schemeClr val="accent2"/>
+                </a:solidFill>
+                <a:latin typeface="Colored Crayons" panose="02000500000000000000" pitchFamily="2" charset="0"/>
+              </a:endParaRPr>
+            </a:p>
+          </p:txBody>
+        </p:sp>
+      </p:grpSp>
+    </p:spTree>
+    <p:extLst>
+      <p:ext uri="{BB962C8B-B14F-4D97-AF65-F5344CB8AC3E}">
+        <p14:creationId xmlns:p14="http://schemas.microsoft.com/office/powerpoint/2010/main" val="3778541491"/>
+      </p:ext>
+    </p:extLst>
+  </p:cSld>
+  <p:clrMapOvr>
+    <a:masterClrMapping/>
+  </p:clrMapOvr>
+  <p:timing>
+    <p:tnLst>
+      <p:par>
+        <p:cTn id="1" dur="indefinite" restart="never" nodeType="tmRoot"/>
+      </p:par>
+    </p:tnLst>
+  </p:timing>
+</p:sld>
+</file>
+
+<file path=ppt/slides/slide7.xml><?xml version="1.0" encoding="utf-8"?>
+<p:sld xmlns:a="http://schemas.openxmlformats.org/drawingml/2006/main" xmlns:r="http://schemas.openxmlformats.org/officeDocument/2006/relationships" xmlns:p="http://schemas.openxmlformats.org/presentationml/2006/main">
+  <p:cSld>
+    <p:bg>
+      <p:bgPr>
+        <a:solidFill>
+          <a:schemeClr val="accent6">
+            <a:lumMod val="75000"/>
+          </a:schemeClr>
+        </a:solidFill>
+        <a:effectLst/>
+      </p:bgPr>
+    </p:bg>
+    <p:spTree>
+      <p:nvGrpSpPr>
+        <p:cNvPr id="1" name=""/>
+        <p:cNvGrpSpPr/>
+        <p:nvPr/>
+      </p:nvGrpSpPr>
+      <p:grpSpPr>
+        <a:xfrm>
+          <a:off x="0" y="0"/>
+          <a:ext cx="0" cy="0"/>
+          <a:chOff x="0" y="0"/>
+          <a:chExt cx="0" cy="0"/>
+        </a:xfrm>
+      </p:grpSpPr>
+      <p:pic>
+        <p:nvPicPr>
+          <p:cNvPr id="7170" name="Picture 2" descr="http://wallpaper.pickywallpapers.com/1920x1200/pixel-castle.jpg"/>
+          <p:cNvPicPr>
+            <a:picLocks noChangeAspect="1" noChangeArrowheads="1"/>
+          </p:cNvPicPr>
+          <p:nvPr/>
+        </p:nvPicPr>
+        <p:blipFill>
+          <a:blip r:embed="rId2">
+            <a:extLst>
+              <a:ext uri="{28A0092B-C50C-407E-A947-70E740481C1C}">
+                <a14:useLocalDpi xmlns:a14="http://schemas.microsoft.com/office/drawing/2010/main" val="0"/>
+              </a:ext>
+            </a:extLst>
+          </a:blip>
+          <a:srcRect/>
+          <a:stretch>
+            <a:fillRect/>
+          </a:stretch>
+        </p:blipFill>
+        <p:spPr bwMode="auto">
+          <a:xfrm>
+            <a:off x="-22596" y="-1"/>
+            <a:ext cx="12214595" cy="6845745"/>
+          </a:xfrm>
+          <a:prstGeom prst="rect">
+            <a:avLst/>
+          </a:prstGeom>
+          <a:noFill/>
+          <a:extLst>
+            <a:ext uri="{909E8E84-426E-40DD-AFC4-6F175D3DCCD1}">
+              <a14:hiddenFill xmlns:a14="http://schemas.microsoft.com/office/drawing/2010/main">
+                <a:solidFill>
+                  <a:srgbClr val="FFFFFF"/>
+                </a:solidFill>
+              </a14:hiddenFill>
+            </a:ext>
+          </a:extLst>
+        </p:spPr>
+      </p:pic>
+      <p:sp>
+        <p:nvSpPr>
+          <p:cNvPr id="4" name="Oval 3"/>
+          <p:cNvSpPr/>
+          <p:nvPr/>
+        </p:nvSpPr>
+        <p:spPr>
+          <a:xfrm>
+            <a:off x="4694345" y="1709596"/>
+            <a:ext cx="3219722" cy="3218688"/>
+          </a:xfrm>
+          <a:prstGeom prst="ellipse">
+            <a:avLst/>
+          </a:prstGeom>
+        </p:spPr>
+        <p:style>
+          <a:lnRef idx="2">
+            <a:schemeClr val="accent1">
+              <a:shade val="50000"/>
+            </a:schemeClr>
+          </a:lnRef>
+          <a:fillRef idx="1">
+            <a:schemeClr val="accent1"/>
+          </a:fillRef>
+          <a:effectRef idx="0">
+            <a:schemeClr val="accent1"/>
+          </a:effectRef>
+          <a:fontRef idx="minor">
+            <a:schemeClr val="lt1"/>
+          </a:fontRef>
+        </p:style>
+        <p:txBody>
+          <a:bodyPr rtlCol="0" anchor="ctr"/>
+          <a:lstStyle/>
+          <a:p>
+            <a:pPr algn="ctr"/>
+            <a:endParaRPr lang="en-US"/>
+          </a:p>
+        </p:txBody>
+      </p:sp>
+      <p:sp>
+        <p:nvSpPr>
+          <p:cNvPr id="5" name="Oval 4"/>
+          <p:cNvSpPr/>
+          <p:nvPr/>
+        </p:nvSpPr>
+        <p:spPr>
+          <a:xfrm>
+            <a:off x="4978325" y="1993059"/>
+            <a:ext cx="2651760" cy="2651760"/>
+          </a:xfrm>
+          <a:prstGeom prst="ellipse">
+            <a:avLst/>
+          </a:prstGeom>
+          <a:solidFill>
+            <a:schemeClr val="bg1"/>
+          </a:solidFill>
+        </p:spPr>
+        <p:style>
+          <a:lnRef idx="2">
+            <a:schemeClr val="accent1">
+              <a:shade val="50000"/>
+            </a:schemeClr>
+          </a:lnRef>
+          <a:fillRef idx="1">
+            <a:schemeClr val="accent1"/>
+          </a:fillRef>
+          <a:effectRef idx="0">
+            <a:schemeClr val="accent1"/>
+          </a:effectRef>
+          <a:fontRef idx="minor">
+            <a:schemeClr val="lt1"/>
+          </a:fontRef>
+        </p:style>
+        <p:txBody>
+          <a:bodyPr rtlCol="0" anchor="ctr"/>
+          <a:lstStyle/>
+          <a:p>
+            <a:pPr algn="ctr"/>
+            <a:endParaRPr lang="en-US"/>
+          </a:p>
+        </p:txBody>
+      </p:sp>
+      <p:sp>
+        <p:nvSpPr>
+          <p:cNvPr id="2" name="TextBox 1"/>
+          <p:cNvSpPr txBox="1"/>
+          <p:nvPr/>
+        </p:nvSpPr>
+        <p:spPr>
+          <a:xfrm>
+            <a:off x="3973126" y="225802"/>
+            <a:ext cx="4662156" cy="1200329"/>
+          </a:xfrm>
+          <a:prstGeom prst="rect">
+            <a:avLst/>
+          </a:prstGeom>
+          <a:noFill/>
+          <a:effectLst>
+            <a:glow rad="127000">
+              <a:schemeClr val="tx1">
+                <a:lumMod val="75000"/>
+                <a:lumOff val="25000"/>
+              </a:schemeClr>
+            </a:glow>
+          </a:effectLst>
+        </p:spPr>
+        <p:txBody>
+          <a:bodyPr wrap="square" rtlCol="0">
+            <a:spAutoFit/>
+          </a:bodyPr>
+          <a:lstStyle/>
+          <a:p>
+            <a:r>
+              <a:rPr lang="en-US" sz="7200" dirty="0" smtClean="0">
+                <a:effectLst>
+                  <a:glow rad="127000">
+                    <a:schemeClr val="bg1">
+                      <a:lumMod val="50000"/>
+                    </a:schemeClr>
+                  </a:glow>
+                </a:effectLst>
+                <a:latin typeface="Minecraft" panose="02000603000000000000" pitchFamily="2" charset="0"/>
+                <a:ea typeface="Minecraft" panose="02000603000000000000" pitchFamily="2" charset="0"/>
+              </a:rPr>
+              <a:t>Small Ben</a:t>
+            </a:r>
+            <a:endParaRPr lang="en-US" sz="7200" dirty="0">
+              <a:effectLst>
+                <a:glow rad="127000">
+                  <a:schemeClr val="bg1">
+                    <a:lumMod val="50000"/>
+                  </a:schemeClr>
+                </a:glow>
+              </a:effectLst>
+              <a:latin typeface="Minecraft" panose="02000603000000000000" pitchFamily="2" charset="0"/>
+              <a:ea typeface="Minecraft" panose="02000603000000000000" pitchFamily="2" charset="0"/>
+            </a:endParaRPr>
+          </a:p>
+        </p:txBody>
+      </p:sp>
+      <p:sp>
+        <p:nvSpPr>
+          <p:cNvPr id="3" name="TextBox 2"/>
+          <p:cNvSpPr txBox="1"/>
+          <p:nvPr/>
+        </p:nvSpPr>
+        <p:spPr>
+          <a:xfrm>
+            <a:off x="5314138" y="2822119"/>
+            <a:ext cx="1980133" cy="767276"/>
+          </a:xfrm>
+          <a:prstGeom prst="rect">
+            <a:avLst/>
+          </a:prstGeom>
+          <a:noFill/>
+        </p:spPr>
+        <p:txBody>
+          <a:bodyPr wrap="square" rtlCol="0">
+            <a:spAutoFit/>
+          </a:bodyPr>
+          <a:lstStyle/>
+          <a:p>
+            <a:r>
+              <a:rPr lang="en-US" sz="4400" dirty="0" smtClean="0">
+                <a:solidFill>
+                  <a:schemeClr val="bg1">
+                    <a:lumMod val="50000"/>
+                  </a:schemeClr>
+                </a:solidFill>
+                <a:latin typeface="LCD Solid" panose="00000400000000000000" pitchFamily="1" charset="0"/>
+                <a:ea typeface="Minecraft" panose="02000603000000000000" pitchFamily="2" charset="0"/>
+              </a:rPr>
+              <a:t>02:16</a:t>
+            </a:r>
+            <a:endParaRPr lang="en-US" sz="4400" dirty="0">
+              <a:solidFill>
+                <a:schemeClr val="bg1">
+                  <a:lumMod val="50000"/>
+                </a:schemeClr>
+              </a:solidFill>
+              <a:latin typeface="LCD Solid" panose="00000400000000000000" pitchFamily="1" charset="0"/>
+              <a:ea typeface="Minecraft" panose="02000603000000000000" pitchFamily="2" charset="0"/>
+            </a:endParaRPr>
+          </a:p>
+        </p:txBody>
+      </p:sp>
+      <p:pic>
+        <p:nvPicPr>
+          <p:cNvPr id="16" name="Picture 15"/>
+          <p:cNvPicPr>
+            <a:picLocks noChangeAspect="1"/>
+          </p:cNvPicPr>
+          <p:nvPr/>
+        </p:nvPicPr>
+        <p:blipFill>
+          <a:blip r:embed="rId3">
+            <a:extLst>
+              <a:ext uri="{28A0092B-C50C-407E-A947-70E740481C1C}">
+                <a14:useLocalDpi xmlns:a14="http://schemas.microsoft.com/office/drawing/2010/main" val="0"/>
+              </a:ext>
+            </a:extLst>
+          </a:blip>
+          <a:stretch>
+            <a:fillRect/>
+          </a:stretch>
+        </p:blipFill>
+        <p:spPr>
+          <a:xfrm>
+            <a:off x="9421537" y="1895136"/>
+            <a:ext cx="1864863" cy="2621241"/>
+          </a:xfrm>
+          <a:prstGeom prst="rect">
+            <a:avLst/>
+          </a:prstGeom>
+        </p:spPr>
+      </p:pic>
+      <p:pic>
+        <p:nvPicPr>
+          <p:cNvPr id="27" name="Picture 26"/>
+          <p:cNvPicPr>
+            <a:picLocks noChangeAspect="1"/>
+          </p:cNvPicPr>
+          <p:nvPr/>
+        </p:nvPicPr>
+        <p:blipFill>
+          <a:blip r:embed="rId4">
+            <a:extLst>
+              <a:ext uri="{28A0092B-C50C-407E-A947-70E740481C1C}">
+                <a14:useLocalDpi xmlns:a14="http://schemas.microsoft.com/office/drawing/2010/main" val="0"/>
+              </a:ext>
+            </a:extLst>
+          </a:blip>
+          <a:stretch>
+            <a:fillRect/>
+          </a:stretch>
+        </p:blipFill>
+        <p:spPr>
+          <a:xfrm>
+            <a:off x="767592" y="1609727"/>
+            <a:ext cx="1963387" cy="2906650"/>
+          </a:xfrm>
+          <a:prstGeom prst="rect">
+            <a:avLst/>
+          </a:prstGeom>
+        </p:spPr>
+      </p:pic>
+      <p:grpSp>
+        <p:nvGrpSpPr>
+          <p:cNvPr id="28" name="Group 27"/>
+          <p:cNvGrpSpPr/>
+          <p:nvPr/>
+        </p:nvGrpSpPr>
+        <p:grpSpPr>
+          <a:xfrm>
+            <a:off x="2081437" y="4767874"/>
+            <a:ext cx="3107024" cy="707722"/>
+            <a:chOff x="2081437" y="4767874"/>
+            <a:chExt cx="3107024" cy="707722"/>
+          </a:xfrm>
+        </p:grpSpPr>
+        <p:sp>
+          <p:nvSpPr>
+            <p:cNvPr id="29" name="Rounded Rectangle 28"/>
+            <p:cNvSpPr/>
+            <p:nvPr/>
+          </p:nvSpPr>
+          <p:spPr>
+            <a:xfrm>
+              <a:off x="2081437" y="4767874"/>
+              <a:ext cx="3107024" cy="707722"/>
+            </a:xfrm>
+            <a:prstGeom prst="roundRect">
+              <a:avLst/>
+            </a:prstGeom>
+            <a:solidFill>
+              <a:schemeClr val="bg1"/>
+            </a:solidFill>
+            <a:ln w="76200">
+              <a:solidFill>
+                <a:srgbClr val="13314D">
+                  <a:alpha val="92941"/>
+                </a:srgbClr>
+              </a:solidFill>
+            </a:ln>
+          </p:spPr>
+          <p:style>
+            <a:lnRef idx="2">
+              <a:schemeClr val="accent1">
+                <a:shade val="50000"/>
+              </a:schemeClr>
+            </a:lnRef>
+            <a:fillRef idx="1">
+              <a:schemeClr val="accent1"/>
+            </a:fillRef>
+            <a:effectRef idx="0">
+              <a:schemeClr val="accent1"/>
+            </a:effectRef>
+            <a:fontRef idx="minor">
+              <a:schemeClr val="lt1"/>
+            </a:fontRef>
+          </p:style>
+          <p:txBody>
+            <a:bodyPr rtlCol="0" anchor="ctr"/>
+            <a:lstStyle/>
+            <a:p>
+              <a:pPr algn="ctr"/>
+              <a:endParaRPr lang="en-US"/>
+            </a:p>
+          </p:txBody>
+        </p:sp>
+        <p:sp>
+          <p:nvSpPr>
+            <p:cNvPr id="30" name="TextBox 29"/>
+            <p:cNvSpPr txBox="1"/>
+            <p:nvPr/>
+          </p:nvSpPr>
+          <p:spPr>
+            <a:xfrm>
+              <a:off x="2181885" y="4890903"/>
+              <a:ext cx="2704564" cy="461665"/>
+            </a:xfrm>
+            <a:prstGeom prst="rect">
+              <a:avLst/>
+            </a:prstGeom>
+            <a:noFill/>
+            <a:ln>
+              <a:solidFill>
+                <a:srgbClr val="13314D">
+                  <a:alpha val="92941"/>
+                </a:srgbClr>
+              </a:solidFill>
+            </a:ln>
+          </p:spPr>
+          <p:txBody>
+            <a:bodyPr wrap="square" rtlCol="0">
+              <a:spAutoFit/>
+            </a:bodyPr>
+            <a:lstStyle/>
+            <a:p>
+              <a:r>
+                <a:rPr lang="en-US" sz="2400" dirty="0" smtClean="0">
+                  <a:latin typeface="Minecraft" panose="02000603000000000000" pitchFamily="2" charset="0"/>
+                  <a:ea typeface="Minecraft" panose="02000603000000000000" pitchFamily="2" charset="0"/>
+                </a:rPr>
+                <a:t>Minutes</a:t>
+              </a:r>
+              <a:r>
+                <a:rPr lang="en-US" sz="2400" dirty="0">
+                  <a:latin typeface="Minecraft" panose="02000603000000000000" pitchFamily="2" charset="0"/>
+                  <a:ea typeface="Minecraft" panose="02000603000000000000" pitchFamily="2" charset="0"/>
+                </a:rPr>
+                <a:t>:</a:t>
+              </a:r>
+              <a:r>
+                <a:rPr lang="en-US" dirty="0" smtClean="0">
+                  <a:latin typeface="Minecraft" panose="02000603000000000000" pitchFamily="2" charset="0"/>
+                  <a:ea typeface="Minecraft" panose="02000603000000000000" pitchFamily="2" charset="0"/>
+                </a:rPr>
+                <a:t> </a:t>
+              </a:r>
+              <a:r>
+                <a:rPr lang="en-US" sz="2400" dirty="0">
+                  <a:latin typeface="Minecraft" panose="02000603000000000000" pitchFamily="2" charset="0"/>
+                  <a:ea typeface="Minecraft" panose="02000603000000000000" pitchFamily="2" charset="0"/>
+                </a:rPr>
+                <a:t>2</a:t>
+              </a:r>
+              <a:endParaRPr lang="en-US" dirty="0">
+                <a:latin typeface="Minecraft" panose="02000603000000000000" pitchFamily="2" charset="0"/>
+                <a:ea typeface="Minecraft" panose="02000603000000000000" pitchFamily="2" charset="0"/>
+              </a:endParaRPr>
+            </a:p>
+          </p:txBody>
+        </p:sp>
+      </p:grpSp>
+      <p:sp>
+        <p:nvSpPr>
+          <p:cNvPr id="31" name="Rounded Rectangle 30"/>
+          <p:cNvSpPr/>
+          <p:nvPr/>
+        </p:nvSpPr>
+        <p:spPr>
+          <a:xfrm>
+            <a:off x="7421879" y="4767874"/>
+            <a:ext cx="3107024" cy="707722"/>
+          </a:xfrm>
+          <a:prstGeom prst="roundRect">
+            <a:avLst/>
+          </a:prstGeom>
+          <a:solidFill>
+            <a:schemeClr val="bg1"/>
+          </a:solidFill>
+          <a:ln w="76200">
+            <a:solidFill>
+              <a:schemeClr val="bg1">
+                <a:lumMod val="50000"/>
+              </a:schemeClr>
+            </a:solidFill>
+          </a:ln>
+        </p:spPr>
+        <p:style>
+          <a:lnRef idx="2">
+            <a:schemeClr val="accent1">
+              <a:shade val="50000"/>
+            </a:schemeClr>
+          </a:lnRef>
+          <a:fillRef idx="1">
+            <a:schemeClr val="accent1"/>
+          </a:fillRef>
+          <a:effectRef idx="0">
+            <a:schemeClr val="accent1"/>
+          </a:effectRef>
+          <a:fontRef idx="minor">
+            <a:schemeClr val="lt1"/>
+          </a:fontRef>
+        </p:style>
+        <p:txBody>
+          <a:bodyPr rtlCol="0" anchor="ctr"/>
+          <a:lstStyle/>
+          <a:p>
+            <a:pPr algn="ctr"/>
+            <a:endParaRPr lang="en-US"/>
+          </a:p>
+        </p:txBody>
+      </p:sp>
+      <p:sp>
+        <p:nvSpPr>
+          <p:cNvPr id="32" name="TextBox 31"/>
+          <p:cNvSpPr txBox="1"/>
+          <p:nvPr/>
+        </p:nvSpPr>
+        <p:spPr>
+          <a:xfrm>
+            <a:off x="7421879" y="4889966"/>
+            <a:ext cx="2704564" cy="461665"/>
+          </a:xfrm>
+          <a:prstGeom prst="rect">
+            <a:avLst/>
+          </a:prstGeom>
+          <a:noFill/>
+        </p:spPr>
+        <p:txBody>
+          <a:bodyPr wrap="square" rtlCol="0">
+            <a:spAutoFit/>
+          </a:bodyPr>
+          <a:lstStyle/>
+          <a:p>
+            <a:r>
+              <a:rPr lang="en-US" sz="2400" dirty="0" smtClean="0">
+                <a:latin typeface="Minecraft" panose="02000603000000000000" pitchFamily="2" charset="0"/>
+                <a:ea typeface="Minecraft" panose="02000603000000000000" pitchFamily="2" charset="0"/>
+              </a:rPr>
+              <a:t>Seconds: 16</a:t>
+            </a:r>
+            <a:endParaRPr lang="en-US" dirty="0">
+              <a:latin typeface="Minecraft" panose="02000603000000000000" pitchFamily="2" charset="0"/>
+              <a:ea typeface="Minecraft" panose="02000603000000000000" pitchFamily="2" charset="0"/>
+            </a:endParaRPr>
+          </a:p>
+        </p:txBody>
+      </p:sp>
+      <p:grpSp>
+        <p:nvGrpSpPr>
+          <p:cNvPr id="35" name="Group 34"/>
+          <p:cNvGrpSpPr/>
+          <p:nvPr/>
+        </p:nvGrpSpPr>
+        <p:grpSpPr>
+          <a:xfrm>
+            <a:off x="5131853" y="5698923"/>
+            <a:ext cx="1928291" cy="707886"/>
+            <a:chOff x="5370490" y="2693306"/>
+            <a:chExt cx="2711003" cy="936321"/>
+          </a:xfrm>
+          <a:solidFill>
+            <a:schemeClr val="bg1">
+              <a:lumMod val="85000"/>
+            </a:schemeClr>
+          </a:solidFill>
+        </p:grpSpPr>
+        <p:sp>
+          <p:nvSpPr>
+            <p:cNvPr id="36" name="Rounded Rectangle 35"/>
+            <p:cNvSpPr/>
+            <p:nvPr/>
+          </p:nvSpPr>
+          <p:spPr>
+            <a:xfrm>
+              <a:off x="5370490" y="2754328"/>
+              <a:ext cx="2711003" cy="814278"/>
+            </a:xfrm>
+            <a:prstGeom prst="roundRect">
+              <a:avLst/>
+            </a:prstGeom>
+            <a:solidFill>
+              <a:srgbClr val="81DEFF"/>
+            </a:solidFill>
+            <a:ln>
+              <a:solidFill>
+                <a:schemeClr val="accent2"/>
+              </a:solidFill>
+            </a:ln>
+          </p:spPr>
+          <p:style>
+            <a:lnRef idx="2">
+              <a:schemeClr val="accent1">
+                <a:shade val="50000"/>
+              </a:schemeClr>
+            </a:lnRef>
+            <a:fillRef idx="1">
+              <a:schemeClr val="accent1"/>
+            </a:fillRef>
+            <a:effectRef idx="0">
+              <a:schemeClr val="accent1"/>
+            </a:effectRef>
+            <a:fontRef idx="minor">
+              <a:schemeClr val="lt1"/>
+            </a:fontRef>
+          </p:style>
+          <p:txBody>
+            <a:bodyPr rtlCol="0" anchor="ctr"/>
+            <a:lstStyle/>
+            <a:p>
+              <a:pPr algn="ctr"/>
+              <a:endParaRPr lang="en-US"/>
+            </a:p>
+          </p:txBody>
+        </p:sp>
+        <p:sp>
+          <p:nvSpPr>
+            <p:cNvPr id="37" name="TextBox 36"/>
+            <p:cNvSpPr txBox="1"/>
+            <p:nvPr/>
+          </p:nvSpPr>
+          <p:spPr>
+            <a:xfrm>
+              <a:off x="5591297" y="2693306"/>
+              <a:ext cx="2389367" cy="936321"/>
+            </a:xfrm>
+            <a:prstGeom prst="rect">
+              <a:avLst/>
+            </a:prstGeom>
+            <a:noFill/>
+            <a:ln>
+              <a:noFill/>
+            </a:ln>
+          </p:spPr>
+          <p:txBody>
+            <a:bodyPr wrap="square" rtlCol="0">
+              <a:spAutoFit/>
+            </a:bodyPr>
+            <a:lstStyle/>
+            <a:p>
+              <a:r>
+                <a:rPr lang="en-US" sz="4000" b="1" dirty="0" smtClean="0">
+                  <a:solidFill>
+                    <a:schemeClr val="accent2"/>
+                  </a:solidFill>
+                  <a:latin typeface="Colored Crayons" panose="02000500000000000000" pitchFamily="2" charset="0"/>
+                </a:rPr>
+                <a:t>Start</a:t>
+              </a:r>
+              <a:endParaRPr lang="en-US" sz="4000" b="1" dirty="0">
+                <a:solidFill>
+                  <a:schemeClr val="accent2"/>
+                </a:solidFill>
+                <a:latin typeface="Colored Crayons" panose="02000500000000000000" pitchFamily="2" charset="0"/>
+              </a:endParaRPr>
+            </a:p>
+          </p:txBody>
+        </p:sp>
+      </p:grpSp>
+    </p:spTree>
+    <p:extLst>
+      <p:ext uri="{BB962C8B-B14F-4D97-AF65-F5344CB8AC3E}">
+        <p14:creationId xmlns:p14="http://schemas.microsoft.com/office/powerpoint/2010/main" val="4055005212"/>
+      </p:ext>
+    </p:extLst>
+  </p:cSld>
+  <p:clrMapOvr>
+    <a:masterClrMapping/>
+  </p:clrMapOvr>
+  <p:timing>
+    <p:tnLst>
+      <p:par>
+        <p:cTn id="1" dur="indefinite" restart="never" nodeType="tmRoot"/>
+      </p:par>
+    </p:tnLst>
+  </p:timing>
+</p:sld>
+</file>
+
+<file path=ppt/slides/slide8.xml><?xml version="1.0" encoding="utf-8"?>
+<p:sld xmlns:a="http://schemas.openxmlformats.org/drawingml/2006/main" xmlns:r="http://schemas.openxmlformats.org/officeDocument/2006/relationships" xmlns:p="http://schemas.openxmlformats.org/presentationml/2006/main">
+  <p:cSld>
+    <p:bg>
+      <p:bgPr>
+        <a:solidFill>
+          <a:schemeClr val="accent6">
+            <a:lumMod val="75000"/>
+          </a:schemeClr>
+        </a:solidFill>
+        <a:effectLst/>
+      </p:bgPr>
+    </p:bg>
+    <p:spTree>
+      <p:nvGrpSpPr>
+        <p:cNvPr id="1" name=""/>
+        <p:cNvGrpSpPr/>
+        <p:nvPr/>
+      </p:nvGrpSpPr>
+      <p:grpSpPr>
+        <a:xfrm>
+          <a:off x="0" y="0"/>
+          <a:ext cx="0" cy="0"/>
+          <a:chOff x="0" y="0"/>
+          <a:chExt cx="0" cy="0"/>
+        </a:xfrm>
+      </p:grpSpPr>
+      <p:pic>
+        <p:nvPicPr>
+          <p:cNvPr id="8194" name="Picture 2" descr="http://i.imgur.com/HxiIC1U.gif"/>
+          <p:cNvPicPr>
+            <a:picLocks noChangeAspect="1" noChangeArrowheads="1" noCrop="1"/>
+          </p:cNvPicPr>
+          <p:nvPr/>
+        </p:nvPicPr>
+        <p:blipFill>
+          <a:blip r:embed="rId2">
+            <a:extLst>
+              <a:ext uri="{28A0092B-C50C-407E-A947-70E740481C1C}">
+                <a14:useLocalDpi xmlns:a14="http://schemas.microsoft.com/office/drawing/2010/main" val="0"/>
+              </a:ext>
+            </a:extLst>
+          </a:blip>
+          <a:srcRect/>
+          <a:stretch>
+            <a:fillRect/>
+          </a:stretch>
+        </p:blipFill>
+        <p:spPr bwMode="auto">
+          <a:xfrm>
+            <a:off x="0" y="-540"/>
+            <a:ext cx="12192000" cy="6870661"/>
+          </a:xfrm>
+          <a:prstGeom prst="rect">
+            <a:avLst/>
+          </a:prstGeom>
+          <a:noFill/>
+          <a:extLst>
+            <a:ext uri="{909E8E84-426E-40DD-AFC4-6F175D3DCCD1}">
+              <a14:hiddenFill xmlns:a14="http://schemas.microsoft.com/office/drawing/2010/main">
+                <a:solidFill>
+                  <a:srgbClr val="FFFFFF"/>
+                </a:solidFill>
+              </a14:hiddenFill>
+            </a:ext>
+          </a:extLst>
+        </p:spPr>
+      </p:pic>
+      <p:sp>
+        <p:nvSpPr>
+          <p:cNvPr id="4" name="Oval 3"/>
+          <p:cNvSpPr/>
+          <p:nvPr/>
+        </p:nvSpPr>
+        <p:spPr>
+          <a:xfrm>
+            <a:off x="4486138" y="1489049"/>
+            <a:ext cx="3219722" cy="3218688"/>
+          </a:xfrm>
+          <a:prstGeom prst="ellipse">
+            <a:avLst/>
+          </a:prstGeom>
+        </p:spPr>
+        <p:style>
+          <a:lnRef idx="2">
+            <a:schemeClr val="accent1">
+              <a:shade val="50000"/>
+            </a:schemeClr>
+          </a:lnRef>
+          <a:fillRef idx="1">
+            <a:schemeClr val="accent1"/>
+          </a:fillRef>
+          <a:effectRef idx="0">
+            <a:schemeClr val="accent1"/>
+          </a:effectRef>
+          <a:fontRef idx="minor">
+            <a:schemeClr val="lt1"/>
+          </a:fontRef>
+        </p:style>
+        <p:txBody>
+          <a:bodyPr rtlCol="0" anchor="ctr"/>
+          <a:lstStyle/>
+          <a:p>
+            <a:pPr algn="ctr"/>
+            <a:endParaRPr lang="en-US"/>
+          </a:p>
+        </p:txBody>
+      </p:sp>
+      <p:sp>
+        <p:nvSpPr>
+          <p:cNvPr id="5" name="Oval 4"/>
+          <p:cNvSpPr/>
+          <p:nvPr/>
+        </p:nvSpPr>
+        <p:spPr>
+          <a:xfrm>
+            <a:off x="4770119" y="1772513"/>
+            <a:ext cx="2651760" cy="2651760"/>
+          </a:xfrm>
+          <a:prstGeom prst="ellipse">
+            <a:avLst/>
+          </a:prstGeom>
+          <a:solidFill>
+            <a:schemeClr val="bg1"/>
+          </a:solidFill>
+        </p:spPr>
+        <p:style>
+          <a:lnRef idx="2">
+            <a:schemeClr val="accent1">
+              <a:shade val="50000"/>
+            </a:schemeClr>
+          </a:lnRef>
+          <a:fillRef idx="1">
+            <a:schemeClr val="accent1"/>
+          </a:fillRef>
+          <a:effectRef idx="0">
+            <a:schemeClr val="accent1"/>
+          </a:effectRef>
+          <a:fontRef idx="minor">
+            <a:schemeClr val="lt1"/>
+          </a:fontRef>
+        </p:style>
+        <p:txBody>
+          <a:bodyPr rtlCol="0" anchor="ctr"/>
+          <a:lstStyle/>
+          <a:p>
+            <a:pPr algn="ctr"/>
+            <a:endParaRPr lang="en-US"/>
+          </a:p>
+        </p:txBody>
+      </p:sp>
+      <p:sp>
+        <p:nvSpPr>
+          <p:cNvPr id="2" name="TextBox 1"/>
+          <p:cNvSpPr txBox="1"/>
+          <p:nvPr/>
+        </p:nvSpPr>
+        <p:spPr>
+          <a:xfrm>
+            <a:off x="3947205" y="112631"/>
+            <a:ext cx="4662156" cy="1200329"/>
+          </a:xfrm>
+          <a:prstGeom prst="rect">
+            <a:avLst/>
+          </a:prstGeom>
+          <a:noFill/>
+          <a:effectLst>
+            <a:glow rad="63500">
+              <a:schemeClr val="accent2">
+                <a:satMod val="175000"/>
+                <a:alpha val="40000"/>
+              </a:schemeClr>
+            </a:glow>
+          </a:effectLst>
+        </p:spPr>
+        <p:txBody>
+          <a:bodyPr wrap="square" rtlCol="0">
+            <a:spAutoFit/>
+          </a:bodyPr>
+          <a:lstStyle/>
+          <a:p>
+            <a:r>
+              <a:rPr lang="en-US" sz="7200" dirty="0" smtClean="0">
+                <a:effectLst/>
+                <a:latin typeface="Minecraft" panose="02000603000000000000" pitchFamily="2" charset="0"/>
+                <a:ea typeface="Minecraft" panose="02000603000000000000" pitchFamily="2" charset="0"/>
+              </a:rPr>
+              <a:t>Small Ben</a:t>
+            </a:r>
+            <a:endParaRPr lang="en-US" sz="7200" dirty="0">
+              <a:effectLst/>
+              <a:latin typeface="Minecraft" panose="02000603000000000000" pitchFamily="2" charset="0"/>
+              <a:ea typeface="Minecraft" panose="02000603000000000000" pitchFamily="2" charset="0"/>
+            </a:endParaRPr>
+          </a:p>
+        </p:txBody>
+      </p:sp>
+      <p:sp>
+        <p:nvSpPr>
+          <p:cNvPr id="3" name="TextBox 2"/>
+          <p:cNvSpPr txBox="1"/>
+          <p:nvPr/>
+        </p:nvSpPr>
+        <p:spPr>
+          <a:xfrm>
+            <a:off x="5188461" y="2514432"/>
+            <a:ext cx="1980133" cy="767276"/>
+          </a:xfrm>
+          <a:prstGeom prst="rect">
+            <a:avLst/>
+          </a:prstGeom>
+          <a:noFill/>
+        </p:spPr>
+        <p:txBody>
+          <a:bodyPr wrap="square" rtlCol="0">
+            <a:spAutoFit/>
+          </a:bodyPr>
+          <a:lstStyle/>
+          <a:p>
+            <a:r>
+              <a:rPr lang="en-US" sz="4400" dirty="0" smtClean="0">
+                <a:solidFill>
+                  <a:schemeClr val="bg1">
+                    <a:lumMod val="50000"/>
+                  </a:schemeClr>
+                </a:solidFill>
+                <a:latin typeface="LCD Solid" panose="00000400000000000000" pitchFamily="1" charset="0"/>
+                <a:ea typeface="Minecraft" panose="02000603000000000000" pitchFamily="2" charset="0"/>
+              </a:rPr>
+              <a:t>02:16</a:t>
+            </a:r>
+            <a:endParaRPr lang="en-US" sz="4400" dirty="0">
+              <a:solidFill>
+                <a:schemeClr val="bg1">
+                  <a:lumMod val="50000"/>
+                </a:schemeClr>
+              </a:solidFill>
+              <a:latin typeface="LCD Solid" panose="00000400000000000000" pitchFamily="1" charset="0"/>
+              <a:ea typeface="Minecraft" panose="02000603000000000000" pitchFamily="2" charset="0"/>
+            </a:endParaRPr>
+          </a:p>
+        </p:txBody>
+      </p:sp>
+      <p:pic>
+        <p:nvPicPr>
+          <p:cNvPr id="16" name="Picture 15"/>
+          <p:cNvPicPr>
+            <a:picLocks noChangeAspect="1"/>
+          </p:cNvPicPr>
+          <p:nvPr/>
+        </p:nvPicPr>
+        <p:blipFill>
+          <a:blip r:embed="rId3">
+            <a:extLst>
+              <a:ext uri="{28A0092B-C50C-407E-A947-70E740481C1C}">
+                <a14:useLocalDpi xmlns:a14="http://schemas.microsoft.com/office/drawing/2010/main" val="0"/>
+              </a:ext>
+            </a:extLst>
+          </a:blip>
+          <a:stretch>
+            <a:fillRect/>
+          </a:stretch>
+        </p:blipFill>
+        <p:spPr>
+          <a:xfrm>
+            <a:off x="9421537" y="1895136"/>
+            <a:ext cx="1864863" cy="2621241"/>
+          </a:xfrm>
+          <a:prstGeom prst="rect">
+            <a:avLst/>
+          </a:prstGeom>
+        </p:spPr>
+      </p:pic>
       <p:grpSp>
         <p:nvGrpSpPr>
           <p:cNvPr id="24" name="Group 23"/>
@@ -5052,7 +8018,7 @@
         </p:nvGrpSpPr>
         <p:grpSpPr>
           <a:xfrm>
-            <a:off x="2730979" y="5211747"/>
+            <a:off x="5131853" y="5698923"/>
             <a:ext cx="1928291" cy="707886"/>
             <a:chOff x="5370490" y="2693306"/>
             <a:chExt cx="2711003" cy="936321"/>
@@ -5185,10 +8151,214 @@
           </a:prstGeom>
         </p:spPr>
       </p:pic>
+      <p:grpSp>
+        <p:nvGrpSpPr>
+          <p:cNvPr id="9" name="Group 8"/>
+          <p:cNvGrpSpPr/>
+          <p:nvPr/>
+        </p:nvGrpSpPr>
+        <p:grpSpPr>
+          <a:xfrm>
+            <a:off x="2081437" y="4767874"/>
+            <a:ext cx="3107024" cy="707722"/>
+            <a:chOff x="2081437" y="4767874"/>
+            <a:chExt cx="3107024" cy="707722"/>
+          </a:xfrm>
+        </p:grpSpPr>
+        <p:sp>
+          <p:nvSpPr>
+            <p:cNvPr id="19" name="Rounded Rectangle 18"/>
+            <p:cNvSpPr/>
+            <p:nvPr/>
+          </p:nvSpPr>
+          <p:spPr>
+            <a:xfrm>
+              <a:off x="2081437" y="4767874"/>
+              <a:ext cx="3107024" cy="707722"/>
+            </a:xfrm>
+            <a:prstGeom prst="roundRect">
+              <a:avLst/>
+            </a:prstGeom>
+            <a:solidFill>
+              <a:schemeClr val="bg1"/>
+            </a:solidFill>
+            <a:ln w="76200">
+              <a:solidFill>
+                <a:schemeClr val="accent6"/>
+              </a:solidFill>
+            </a:ln>
+          </p:spPr>
+          <p:style>
+            <a:lnRef idx="2">
+              <a:schemeClr val="accent1">
+                <a:shade val="50000"/>
+              </a:schemeClr>
+            </a:lnRef>
+            <a:fillRef idx="1">
+              <a:schemeClr val="accent1"/>
+            </a:fillRef>
+            <a:effectRef idx="0">
+              <a:schemeClr val="accent1"/>
+            </a:effectRef>
+            <a:fontRef idx="minor">
+              <a:schemeClr val="lt1"/>
+            </a:fontRef>
+          </p:style>
+          <p:txBody>
+            <a:bodyPr rtlCol="0" anchor="ctr"/>
+            <a:lstStyle/>
+            <a:p>
+              <a:pPr algn="ctr"/>
+              <a:endParaRPr lang="en-US"/>
+            </a:p>
+          </p:txBody>
+        </p:sp>
+        <p:sp>
+          <p:nvSpPr>
+            <p:cNvPr id="8" name="TextBox 7"/>
+            <p:cNvSpPr txBox="1"/>
+            <p:nvPr/>
+          </p:nvSpPr>
+          <p:spPr>
+            <a:xfrm>
+              <a:off x="2181885" y="4890903"/>
+              <a:ext cx="2704564" cy="461665"/>
+            </a:xfrm>
+            <a:prstGeom prst="rect">
+              <a:avLst/>
+            </a:prstGeom>
+            <a:noFill/>
+          </p:spPr>
+          <p:txBody>
+            <a:bodyPr wrap="square" rtlCol="0">
+              <a:spAutoFit/>
+            </a:bodyPr>
+            <a:lstStyle/>
+            <a:p>
+              <a:r>
+                <a:rPr lang="en-US" sz="2400" dirty="0" smtClean="0">
+                  <a:latin typeface="Minecraft" panose="02000603000000000000" pitchFamily="2" charset="0"/>
+                  <a:ea typeface="Minecraft" panose="02000603000000000000" pitchFamily="2" charset="0"/>
+                </a:rPr>
+                <a:t>Minutes</a:t>
+              </a:r>
+              <a:r>
+                <a:rPr lang="en-US" sz="2400" dirty="0">
+                  <a:latin typeface="Minecraft" panose="02000603000000000000" pitchFamily="2" charset="0"/>
+                  <a:ea typeface="Minecraft" panose="02000603000000000000" pitchFamily="2" charset="0"/>
+                </a:rPr>
+                <a:t>:</a:t>
+              </a:r>
+              <a:r>
+                <a:rPr lang="en-US" dirty="0" smtClean="0">
+                  <a:latin typeface="Minecraft" panose="02000603000000000000" pitchFamily="2" charset="0"/>
+                  <a:ea typeface="Minecraft" panose="02000603000000000000" pitchFamily="2" charset="0"/>
+                </a:rPr>
+                <a:t> </a:t>
+              </a:r>
+              <a:r>
+                <a:rPr lang="en-US" sz="2400" dirty="0">
+                  <a:latin typeface="Minecraft" panose="02000603000000000000" pitchFamily="2" charset="0"/>
+                  <a:ea typeface="Minecraft" panose="02000603000000000000" pitchFamily="2" charset="0"/>
+                </a:rPr>
+                <a:t>2</a:t>
+              </a:r>
+              <a:endParaRPr lang="en-US" dirty="0">
+                <a:latin typeface="Minecraft" panose="02000603000000000000" pitchFamily="2" charset="0"/>
+                <a:ea typeface="Minecraft" panose="02000603000000000000" pitchFamily="2" charset="0"/>
+              </a:endParaRPr>
+            </a:p>
+          </p:txBody>
+        </p:sp>
+      </p:grpSp>
+      <p:sp>
+        <p:nvSpPr>
+          <p:cNvPr id="29" name="Rounded Rectangle 28"/>
+          <p:cNvSpPr/>
+          <p:nvPr/>
+        </p:nvSpPr>
+        <p:spPr>
+          <a:xfrm>
+            <a:off x="7421879" y="4767874"/>
+            <a:ext cx="3107024" cy="707722"/>
+          </a:xfrm>
+          <a:prstGeom prst="roundRect">
+            <a:avLst/>
+          </a:prstGeom>
+          <a:solidFill>
+            <a:schemeClr val="bg1"/>
+          </a:solidFill>
+          <a:ln w="76200">
+            <a:solidFill>
+              <a:schemeClr val="accent2"/>
+            </a:solidFill>
+          </a:ln>
+        </p:spPr>
+        <p:style>
+          <a:lnRef idx="2">
+            <a:schemeClr val="accent1">
+              <a:shade val="50000"/>
+            </a:schemeClr>
+          </a:lnRef>
+          <a:fillRef idx="1">
+            <a:schemeClr val="accent1"/>
+          </a:fillRef>
+          <a:effectRef idx="0">
+            <a:schemeClr val="accent1"/>
+          </a:effectRef>
+          <a:fontRef idx="minor">
+            <a:schemeClr val="lt1"/>
+          </a:fontRef>
+        </p:style>
+        <p:txBody>
+          <a:bodyPr rtlCol="0" anchor="ctr"/>
+          <a:lstStyle/>
+          <a:p>
+            <a:pPr algn="ctr"/>
+            <a:endParaRPr lang="en-US"/>
+          </a:p>
+        </p:txBody>
+      </p:sp>
+      <p:sp>
+        <p:nvSpPr>
+          <p:cNvPr id="28" name="TextBox 27"/>
+          <p:cNvSpPr txBox="1"/>
+          <p:nvPr/>
+        </p:nvSpPr>
+        <p:spPr>
+          <a:xfrm>
+            <a:off x="7421879" y="4889966"/>
+            <a:ext cx="2704564" cy="461665"/>
+          </a:xfrm>
+          <a:prstGeom prst="rect">
+            <a:avLst/>
+          </a:prstGeom>
+          <a:noFill/>
+        </p:spPr>
+        <p:txBody>
+          <a:bodyPr wrap="square" rtlCol="0">
+            <a:spAutoFit/>
+          </a:bodyPr>
+          <a:lstStyle/>
+          <a:p>
+            <a:r>
+              <a:rPr lang="en-US" sz="2400" dirty="0" smtClean="0">
+                <a:latin typeface="Minecraft" panose="02000603000000000000" pitchFamily="2" charset="0"/>
+                <a:ea typeface="Minecraft" panose="02000603000000000000" pitchFamily="2" charset="0"/>
+              </a:rPr>
+              <a:t>Seconds: 16</a:t>
+            </a:r>
+            <a:endParaRPr lang="en-US" dirty="0">
+              <a:latin typeface="Minecraft" panose="02000603000000000000" pitchFamily="2" charset="0"/>
+              <a:ea typeface="Minecraft" panose="02000603000000000000" pitchFamily="2" charset="0"/>
+            </a:endParaRPr>
+          </a:p>
+        </p:txBody>
+      </p:sp>
     </p:spTree>
     <p:extLst>
       <p:ext uri="{BB962C8B-B14F-4D97-AF65-F5344CB8AC3E}">
-        <p14:creationId xmlns:p14="http://schemas.microsoft.com/office/powerpoint/2010/main" val="1466687290"/>
+        <p14:creationId xmlns:p14="http://schemas.microsoft.com/office/powerpoint/2010/main" val="1462404266"/>
       </p:ext>
     </p:extLst>
   </p:cSld>
@@ -5205,7 +8375,7 @@
 </p:sld>
 </file>
 
-<file path=ppt/slides/slide5.xml><?xml version="1.0" encoding="utf-8"?>
+<file path=ppt/slides/slide9.xml><?xml version="1.0" encoding="utf-8"?>
 <p:sld xmlns:a="http://schemas.openxmlformats.org/drawingml/2006/main" xmlns:r="http://schemas.openxmlformats.org/officeDocument/2006/relationships" xmlns:p="http://schemas.openxmlformats.org/presentationml/2006/main">
   <p:cSld>
     <p:spTree>
@@ -5224,7 +8394,7 @@
       </p:grpSpPr>
       <p:pic>
         <p:nvPicPr>
-          <p:cNvPr id="6" name="Picture 5"/>
+          <p:cNvPr id="2" name="Picture 1"/>
           <p:cNvPicPr>
             <a:picLocks noChangeAspect="1"/>
           </p:cNvPicPr>
@@ -5244,8 +8414,8 @@
         </p:blipFill>
         <p:spPr>
           <a:xfrm>
-            <a:off x="0" y="-15271"/>
-            <a:ext cx="12192000" cy="6873271"/>
+            <a:off x="0" y="0"/>
+            <a:ext cx="12192000" cy="6857999"/>
           </a:xfrm>
           <a:prstGeom prst="rect">
             <a:avLst/>
@@ -5254,97 +8424,14 @@
       </p:pic>
       <p:sp>
         <p:nvSpPr>
-          <p:cNvPr id="4" name="Oval 3"/>
-          <p:cNvSpPr/>
+          <p:cNvPr id="4" name="TextBox 3"/>
+          <p:cNvSpPr txBox="1"/>
           <p:nvPr/>
         </p:nvSpPr>
         <p:spPr>
           <a:xfrm>
-            <a:off x="4694345" y="1709596"/>
-            <a:ext cx="3219722" cy="3218688"/>
-          </a:xfrm>
-          <a:prstGeom prst="ellipse">
-            <a:avLst/>
-          </a:prstGeom>
-        </p:spPr>
-        <p:style>
-          <a:lnRef idx="2">
-            <a:schemeClr val="accent1">
-              <a:shade val="50000"/>
-            </a:schemeClr>
-          </a:lnRef>
-          <a:fillRef idx="1">
-            <a:schemeClr val="accent1"/>
-          </a:fillRef>
-          <a:effectRef idx="0">
-            <a:schemeClr val="accent1"/>
-          </a:effectRef>
-          <a:fontRef idx="minor">
-            <a:schemeClr val="lt1"/>
-          </a:fontRef>
-        </p:style>
-        <p:txBody>
-          <a:bodyPr rtlCol="0" anchor="ctr"/>
-          <a:lstStyle/>
-          <a:p>
-            <a:pPr algn="ctr"/>
-            <a:endParaRPr lang="en-US"/>
-          </a:p>
-        </p:txBody>
-      </p:sp>
-      <p:sp>
-        <p:nvSpPr>
-          <p:cNvPr id="5" name="Oval 4"/>
-          <p:cNvSpPr/>
-          <p:nvPr/>
-        </p:nvSpPr>
-        <p:spPr>
-          <a:xfrm>
-            <a:off x="4978325" y="1993059"/>
-            <a:ext cx="2651760" cy="2651760"/>
-          </a:xfrm>
-          <a:prstGeom prst="ellipse">
-            <a:avLst/>
-          </a:prstGeom>
-          <a:solidFill>
-            <a:schemeClr val="bg1"/>
-          </a:solidFill>
-        </p:spPr>
-        <p:style>
-          <a:lnRef idx="2">
-            <a:schemeClr val="accent1">
-              <a:shade val="50000"/>
-            </a:schemeClr>
-          </a:lnRef>
-          <a:fillRef idx="1">
-            <a:schemeClr val="accent1"/>
-          </a:fillRef>
-          <a:effectRef idx="0">
-            <a:schemeClr val="accent1"/>
-          </a:effectRef>
-          <a:fontRef idx="minor">
-            <a:schemeClr val="lt1"/>
-          </a:fontRef>
-        </p:style>
-        <p:txBody>
-          <a:bodyPr rtlCol="0" anchor="ctr"/>
-          <a:lstStyle/>
-          <a:p>
-            <a:pPr algn="ctr"/>
-            <a:endParaRPr lang="en-US"/>
-          </a:p>
-        </p:txBody>
-      </p:sp>
-      <p:sp>
-        <p:nvSpPr>
-          <p:cNvPr id="2" name="TextBox 1"/>
-          <p:cNvSpPr txBox="1"/>
-          <p:nvPr/>
-        </p:nvSpPr>
-        <p:spPr>
-          <a:xfrm>
-            <a:off x="4085495" y="225802"/>
-            <a:ext cx="4662156" cy="1200329"/>
+            <a:off x="3290887" y="273327"/>
+            <a:ext cx="6401313" cy="1323439"/>
           </a:xfrm>
           <a:prstGeom prst="rect">
             <a:avLst/>
@@ -5358,29 +8445,30 @@
           <a:lstStyle/>
           <a:p>
             <a:r>
-              <a:rPr lang="en-US" sz="7200" dirty="0" smtClean="0">
-                <a:latin typeface="Minecraft" panose="02000603000000000000" pitchFamily="2" charset="0"/>
-                <a:ea typeface="Minecraft" panose="02000603000000000000" pitchFamily="2" charset="0"/>
+              <a:rPr lang="en-US" sz="8000" dirty="0" smtClean="0">
+                <a:solidFill>
+                  <a:schemeClr val="tx1">
+                    <a:lumMod val="95000"/>
+                    <a:lumOff val="5000"/>
+                  </a:schemeClr>
+                </a:solidFill>
+                <a:latin typeface="orange juice" panose="02000000000000000000" pitchFamily="2" charset="0"/>
               </a:rPr>
-              <a:t>Small Ben</a:t>
+              <a:t>TIME WINDER</a:t>
             </a:r>
-            <a:endParaRPr lang="en-US" sz="7200" dirty="0">
-              <a:latin typeface="Minecraft" panose="02000603000000000000" pitchFamily="2" charset="0"/>
-              <a:ea typeface="Minecraft" panose="02000603000000000000" pitchFamily="2" charset="0"/>
-            </a:endParaRPr>
-          </a:p>
-        </p:txBody>
-      </p:sp>
-      <p:sp>
-        <p:nvSpPr>
-          <p:cNvPr id="3" name="TextBox 2"/>
+          </a:p>
+        </p:txBody>
+      </p:sp>
+      <p:sp>
+        <p:nvSpPr>
+          <p:cNvPr id="5" name="TextBox 4"/>
           <p:cNvSpPr txBox="1"/>
           <p:nvPr/>
         </p:nvSpPr>
         <p:spPr>
           <a:xfrm>
-            <a:off x="5314138" y="2822119"/>
-            <a:ext cx="1980133" cy="767276"/>
+            <a:off x="3810389" y="1342627"/>
+            <a:ext cx="5362310" cy="1569660"/>
           </a:xfrm>
           <a:prstGeom prst="rect">
             <a:avLst/>
@@ -5394,68 +8482,32 @@
           <a:lstStyle/>
           <a:p>
             <a:r>
-              <a:rPr lang="en-US" sz="4400" dirty="0" smtClean="0">
+              <a:rPr lang="en-US" sz="9600" dirty="0" smtClean="0">
                 <a:solidFill>
-                  <a:schemeClr val="bg1">
-                    <a:lumMod val="50000"/>
-                  </a:schemeClr>
+                  <a:srgbClr val="EE8640"/>
                 </a:solidFill>
-                <a:latin typeface="LCD Solid" panose="00000400000000000000" pitchFamily="1" charset="0"/>
-                <a:ea typeface="Minecraft" panose="02000603000000000000" pitchFamily="2" charset="0"/>
+                <a:latin typeface="04b" panose="00000400000000000000" pitchFamily="2" charset="0"/>
               </a:rPr>
               <a:t>02:16</a:t>
             </a:r>
-            <a:endParaRPr lang="en-US" sz="4400" dirty="0">
+            <a:endParaRPr lang="en-US" sz="9600" dirty="0">
               <a:solidFill>
-                <a:schemeClr val="bg1">
-                  <a:lumMod val="50000"/>
-                </a:schemeClr>
+                <a:srgbClr val="EE8640"/>
               </a:solidFill>
-              <a:latin typeface="LCD Solid" panose="00000400000000000000" pitchFamily="1" charset="0"/>
-              <a:ea typeface="Minecraft" panose="02000603000000000000" pitchFamily="2" charset="0"/>
+              <a:latin typeface="04b" panose="00000400000000000000" pitchFamily="2" charset="0"/>
             </a:endParaRPr>
           </a:p>
         </p:txBody>
       </p:sp>
-      <p:pic>
-        <p:nvPicPr>
-          <p:cNvPr id="16" name="Picture 15"/>
-          <p:cNvPicPr>
-            <a:picLocks noChangeAspect="1"/>
-          </p:cNvPicPr>
-          <p:nvPr/>
-        </p:nvPicPr>
-        <p:blipFill>
-          <a:blip r:embed="rId3">
-            <a:extLst>
-              <a:ext uri="{28A0092B-C50C-407E-A947-70E740481C1C}">
-                <a14:useLocalDpi xmlns:a14="http://schemas.microsoft.com/office/drawing/2010/main" val="0"/>
-              </a:ext>
-            </a:extLst>
-          </a:blip>
-          <a:stretch>
-            <a:fillRect/>
-          </a:stretch>
-        </p:blipFill>
-        <p:spPr>
-          <a:xfrm>
-            <a:off x="9421537" y="1895136"/>
-            <a:ext cx="1864863" cy="2621241"/>
-          </a:xfrm>
-          <a:prstGeom prst="rect">
-            <a:avLst/>
-          </a:prstGeom>
-        </p:spPr>
-      </p:pic>
       <p:grpSp>
         <p:nvGrpSpPr>
-          <p:cNvPr id="18" name="Group 17"/>
+          <p:cNvPr id="13" name="Group 12"/>
           <p:cNvGrpSpPr/>
           <p:nvPr/>
         </p:nvGrpSpPr>
         <p:grpSpPr>
           <a:xfrm>
-            <a:off x="5314138" y="5211747"/>
+            <a:off x="3876028" y="3065696"/>
             <a:ext cx="1928291" cy="707886"/>
             <a:chOff x="5370490" y="2693306"/>
             <a:chExt cx="2711003" cy="936321"/>
@@ -5466,7 +8518,7 @@
         </p:grpSpPr>
         <p:sp>
           <p:nvSpPr>
-            <p:cNvPr id="19" name="Rounded Rectangle 18"/>
+            <p:cNvPr id="14" name="Rounded Rectangle 13"/>
             <p:cNvSpPr/>
             <p:nvPr/>
           </p:nvSpPr>
@@ -5514,7 +8566,7 @@
         </p:sp>
         <p:sp>
           <p:nvSpPr>
-            <p:cNvPr id="20" name="TextBox 19"/>
+            <p:cNvPr id="15" name="TextBox 14"/>
             <p:cNvSpPr txBox="1"/>
             <p:nvPr/>
           </p:nvSpPr>
@@ -5558,13 +8610,13 @@
       </p:grpSp>
       <p:grpSp>
         <p:nvGrpSpPr>
-          <p:cNvPr id="21" name="Group 20"/>
+          <p:cNvPr id="16" name="Group 15"/>
           <p:cNvGrpSpPr/>
           <p:nvPr/>
         </p:nvGrpSpPr>
         <p:grpSpPr>
           <a:xfrm>
-            <a:off x="7914067" y="5204323"/>
+            <a:off x="6511422" y="3111830"/>
             <a:ext cx="1928291" cy="707886"/>
             <a:chOff x="9974922" y="1684475"/>
             <a:chExt cx="2711003" cy="936321"/>
@@ -5577,7 +8629,7 @@
         </p:grpSpPr>
         <p:sp>
           <p:nvSpPr>
-            <p:cNvPr id="22" name="Rounded Rectangle 21"/>
+            <p:cNvPr id="17" name="Rounded Rectangle 16"/>
             <p:cNvSpPr/>
             <p:nvPr/>
           </p:nvSpPr>
@@ -5625,7 +8677,7 @@
         </p:sp>
         <p:sp>
           <p:nvSpPr>
-            <p:cNvPr id="23" name="TextBox 22"/>
+            <p:cNvPr id="18" name="TextBox 17"/>
             <p:cNvSpPr txBox="1"/>
             <p:nvPr/>
           </p:nvSpPr>
@@ -5648,7 +8700,7 @@
               <a:r>
                 <a:rPr lang="en-US" sz="4000" dirty="0" smtClean="0">
                   <a:solidFill>
-                    <a:srgbClr val="FFFF00"/>
+                    <a:srgbClr val="FFFF33"/>
                   </a:solidFill>
                   <a:latin typeface="Colored Crayons" panose="02000500000000000000" pitchFamily="2" charset="0"/>
                 </a:rPr>
@@ -5656,7 +8708,7 @@
               </a:r>
               <a:endParaRPr lang="en-US" sz="4000" dirty="0">
                 <a:solidFill>
-                  <a:srgbClr val="FFFF00"/>
+                  <a:srgbClr val="FFFF33"/>
                 </a:solidFill>
                 <a:latin typeface="Colored Crayons" panose="02000500000000000000" pitchFamily="2" charset="0"/>
               </a:endParaRPr>
@@ -5666,13 +8718,13 @@
       </p:grpSp>
       <p:grpSp>
         <p:nvGrpSpPr>
-          <p:cNvPr id="24" name="Group 23"/>
+          <p:cNvPr id="19" name="Group 18"/>
           <p:cNvGrpSpPr/>
           <p:nvPr/>
         </p:nvGrpSpPr>
         <p:grpSpPr>
           <a:xfrm>
-            <a:off x="2730979" y="5211747"/>
+            <a:off x="3876028" y="3065696"/>
             <a:ext cx="1928291" cy="707886"/>
             <a:chOff x="5370490" y="2693306"/>
             <a:chExt cx="2711003" cy="936321"/>
@@ -5685,7 +8737,7 @@
         </p:grpSpPr>
         <p:sp>
           <p:nvSpPr>
-            <p:cNvPr id="25" name="Rounded Rectangle 24"/>
+            <p:cNvPr id="20" name="Rounded Rectangle 19"/>
             <p:cNvSpPr/>
             <p:nvPr/>
           </p:nvSpPr>
@@ -5698,7 +8750,7 @@
               <a:avLst/>
             </a:prstGeom>
             <a:solidFill>
-              <a:srgbClr val="81DEFF"/>
+              <a:srgbClr val="307CC2"/>
             </a:solidFill>
             <a:ln>
               <a:solidFill>
@@ -5733,7 +8785,7 @@
         </p:sp>
         <p:sp>
           <p:nvSpPr>
-            <p:cNvPr id="26" name="TextBox 25"/>
+            <p:cNvPr id="21" name="TextBox 20"/>
             <p:cNvSpPr txBox="1"/>
             <p:nvPr/>
           </p:nvSpPr>
@@ -5759,7 +8811,7 @@
               <a:r>
                 <a:rPr lang="en-US" sz="4000" b="1" dirty="0" smtClean="0">
                   <a:solidFill>
-                    <a:schemeClr val="accent2"/>
+                    <a:schemeClr val="accent4"/>
                   </a:solidFill>
                   <a:latin typeface="Colored Crayons" panose="02000500000000000000" pitchFamily="2" charset="0"/>
                 </a:rPr>
@@ -5767,7 +8819,7 @@
               </a:r>
               <a:endParaRPr lang="en-US" sz="4000" b="1" dirty="0">
                 <a:solidFill>
-                  <a:schemeClr val="accent2"/>
+                  <a:schemeClr val="accent4"/>
                 </a:solidFill>
                 <a:latin typeface="Colored Crayons" panose="02000500000000000000" pitchFamily="2" charset="0"/>
               </a:endParaRPr>
@@ -5777,7 +8829,37 @@
       </p:grpSp>
       <p:pic>
         <p:nvPicPr>
-          <p:cNvPr id="27" name="Picture 26"/>
+          <p:cNvPr id="11" name="Picture 10"/>
+          <p:cNvPicPr>
+            <a:picLocks noChangeAspect="1"/>
+          </p:cNvPicPr>
+          <p:nvPr/>
+        </p:nvPicPr>
+        <p:blipFill>
+          <a:blip r:embed="rId3">
+            <a:extLst>
+              <a:ext uri="{28A0092B-C50C-407E-A947-70E740481C1C}">
+                <a14:useLocalDpi xmlns:a14="http://schemas.microsoft.com/office/drawing/2010/main" val="0"/>
+              </a:ext>
+            </a:extLst>
+          </a:blip>
+          <a:stretch>
+            <a:fillRect/>
+          </a:stretch>
+        </p:blipFill>
+        <p:spPr>
+          <a:xfrm>
+            <a:off x="6761703" y="4065393"/>
+            <a:ext cx="1427726" cy="2569640"/>
+          </a:xfrm>
+          <a:prstGeom prst="rect">
+            <a:avLst/>
+          </a:prstGeom>
+        </p:spPr>
+      </p:pic>
+      <p:pic>
+        <p:nvPicPr>
+          <p:cNvPr id="23" name="Picture 22"/>
           <p:cNvPicPr>
             <a:picLocks noChangeAspect="1"/>
           </p:cNvPicPr>
@@ -5797,8 +8879,8 @@
         </p:blipFill>
         <p:spPr>
           <a:xfrm>
-            <a:off x="767592" y="1609727"/>
-            <a:ext cx="1963387" cy="2906650"/>
+            <a:off x="3810389" y="3727448"/>
+            <a:ext cx="1993930" cy="2781388"/>
           </a:xfrm>
           <a:prstGeom prst="rect">
             <a:avLst/>
@@ -5808,1972 +8890,7 @@
     </p:spTree>
     <p:extLst>
       <p:ext uri="{BB962C8B-B14F-4D97-AF65-F5344CB8AC3E}">
-        <p14:creationId xmlns:p14="http://schemas.microsoft.com/office/powerpoint/2010/main" val="250814633"/>
-      </p:ext>
-    </p:extLst>
-  </p:cSld>
-  <p:clrMapOvr>
-    <a:masterClrMapping/>
-  </p:clrMapOvr>
-  <p:timing>
-    <p:tnLst>
-      <p:par>
-        <p:cTn id="1" dur="indefinite" restart="never" nodeType="tmRoot"/>
-      </p:par>
-    </p:tnLst>
-  </p:timing>
-</p:sld>
-</file>
-
-<file path=ppt/slides/slide6.xml><?xml version="1.0" encoding="utf-8"?>
-<p:sld xmlns:a="http://schemas.openxmlformats.org/drawingml/2006/main" xmlns:r="http://schemas.openxmlformats.org/officeDocument/2006/relationships" xmlns:p="http://schemas.openxmlformats.org/presentationml/2006/main">
-  <p:cSld>
-    <p:bg>
-      <p:bgPr>
-        <a:solidFill>
-          <a:schemeClr val="accent6">
-            <a:lumMod val="75000"/>
-          </a:schemeClr>
-        </a:solidFill>
-        <a:effectLst/>
-      </p:bgPr>
-    </p:bg>
-    <p:spTree>
-      <p:nvGrpSpPr>
-        <p:cNvPr id="1" name=""/>
-        <p:cNvGrpSpPr/>
-        <p:nvPr/>
-      </p:nvGrpSpPr>
-      <p:grpSpPr>
-        <a:xfrm>
-          <a:off x="0" y="0"/>
-          <a:ext cx="0" cy="0"/>
-          <a:chOff x="0" y="0"/>
-          <a:chExt cx="0" cy="0"/>
-        </a:xfrm>
-      </p:grpSpPr>
-      <p:pic>
-        <p:nvPicPr>
-          <p:cNvPr id="5122" name="Picture 2" descr="https://upload.wikimedia.org/wikipedia/commons/0/08/Fez_(video_game)_screenshot_08.png"/>
-          <p:cNvPicPr>
-            <a:picLocks noChangeAspect="1" noChangeArrowheads="1"/>
-          </p:cNvPicPr>
-          <p:nvPr/>
-        </p:nvPicPr>
-        <p:blipFill>
-          <a:blip r:embed="rId2">
-            <a:extLst>
-              <a:ext uri="{28A0092B-C50C-407E-A947-70E740481C1C}">
-                <a14:useLocalDpi xmlns:a14="http://schemas.microsoft.com/office/drawing/2010/main" val="0"/>
-              </a:ext>
-            </a:extLst>
-          </a:blip>
-          <a:srcRect/>
-          <a:stretch>
-            <a:fillRect/>
-          </a:stretch>
-        </p:blipFill>
-        <p:spPr bwMode="auto">
-          <a:xfrm>
-            <a:off x="0" y="-1"/>
-            <a:ext cx="12192000" cy="6858001"/>
-          </a:xfrm>
-          <a:prstGeom prst="rect">
-            <a:avLst/>
-          </a:prstGeom>
-          <a:noFill/>
-          <a:extLst>
-            <a:ext uri="{909E8E84-426E-40DD-AFC4-6F175D3DCCD1}">
-              <a14:hiddenFill xmlns:a14="http://schemas.microsoft.com/office/drawing/2010/main">
-                <a:solidFill>
-                  <a:srgbClr val="FFFFFF"/>
-                </a:solidFill>
-              </a14:hiddenFill>
-            </a:ext>
-          </a:extLst>
-        </p:spPr>
-      </p:pic>
-      <p:sp>
-        <p:nvSpPr>
-          <p:cNvPr id="4" name="Oval 3"/>
-          <p:cNvSpPr/>
-          <p:nvPr/>
-        </p:nvSpPr>
-        <p:spPr>
-          <a:xfrm>
-            <a:off x="4694345" y="1709596"/>
-            <a:ext cx="3219722" cy="3218688"/>
-          </a:xfrm>
-          <a:prstGeom prst="ellipse">
-            <a:avLst/>
-          </a:prstGeom>
-        </p:spPr>
-        <p:style>
-          <a:lnRef idx="2">
-            <a:schemeClr val="accent1">
-              <a:shade val="50000"/>
-            </a:schemeClr>
-          </a:lnRef>
-          <a:fillRef idx="1">
-            <a:schemeClr val="accent1"/>
-          </a:fillRef>
-          <a:effectRef idx="0">
-            <a:schemeClr val="accent1"/>
-          </a:effectRef>
-          <a:fontRef idx="minor">
-            <a:schemeClr val="lt1"/>
-          </a:fontRef>
-        </p:style>
-        <p:txBody>
-          <a:bodyPr rtlCol="0" anchor="ctr"/>
-          <a:lstStyle/>
-          <a:p>
-            <a:pPr algn="ctr"/>
-            <a:endParaRPr lang="en-US"/>
-          </a:p>
-        </p:txBody>
-      </p:sp>
-      <p:sp>
-        <p:nvSpPr>
-          <p:cNvPr id="5" name="Oval 4"/>
-          <p:cNvSpPr/>
-          <p:nvPr/>
-        </p:nvSpPr>
-        <p:spPr>
-          <a:xfrm>
-            <a:off x="4978325" y="1993059"/>
-            <a:ext cx="2651760" cy="2651760"/>
-          </a:xfrm>
-          <a:prstGeom prst="ellipse">
-            <a:avLst/>
-          </a:prstGeom>
-          <a:solidFill>
-            <a:schemeClr val="bg1"/>
-          </a:solidFill>
-        </p:spPr>
-        <p:style>
-          <a:lnRef idx="2">
-            <a:schemeClr val="accent1">
-              <a:shade val="50000"/>
-            </a:schemeClr>
-          </a:lnRef>
-          <a:fillRef idx="1">
-            <a:schemeClr val="accent1"/>
-          </a:fillRef>
-          <a:effectRef idx="0">
-            <a:schemeClr val="accent1"/>
-          </a:effectRef>
-          <a:fontRef idx="minor">
-            <a:schemeClr val="lt1"/>
-          </a:fontRef>
-        </p:style>
-        <p:txBody>
-          <a:bodyPr rtlCol="0" anchor="ctr"/>
-          <a:lstStyle/>
-          <a:p>
-            <a:pPr algn="ctr"/>
-            <a:endParaRPr lang="en-US"/>
-          </a:p>
-        </p:txBody>
-      </p:sp>
-      <p:sp>
-        <p:nvSpPr>
-          <p:cNvPr id="2" name="TextBox 1"/>
-          <p:cNvSpPr txBox="1"/>
-          <p:nvPr/>
-        </p:nvSpPr>
-        <p:spPr>
-          <a:xfrm>
-            <a:off x="3973126" y="225802"/>
-            <a:ext cx="4662156" cy="1200329"/>
-          </a:xfrm>
-          <a:prstGeom prst="rect">
-            <a:avLst/>
-          </a:prstGeom>
-          <a:noFill/>
-          <a:effectLst>
-            <a:glow rad="127000">
-              <a:schemeClr val="tx2">
-                <a:lumMod val="50000"/>
-              </a:schemeClr>
-            </a:glow>
-          </a:effectLst>
-        </p:spPr>
-        <p:txBody>
-          <a:bodyPr wrap="square" rtlCol="0">
-            <a:spAutoFit/>
-          </a:bodyPr>
-          <a:lstStyle/>
-          <a:p>
-            <a:r>
-              <a:rPr lang="en-US" sz="7200" dirty="0" smtClean="0">
-                <a:effectLst>
-                  <a:glow rad="127000">
-                    <a:srgbClr val="6EA92D"/>
-                  </a:glow>
-                </a:effectLst>
-                <a:latin typeface="Minecraft" panose="02000603000000000000" pitchFamily="2" charset="0"/>
-                <a:ea typeface="Minecraft" panose="02000603000000000000" pitchFamily="2" charset="0"/>
-              </a:rPr>
-              <a:t>Small Ben</a:t>
-            </a:r>
-            <a:endParaRPr lang="en-US" sz="7200" dirty="0">
-              <a:effectLst>
-                <a:glow rad="127000">
-                  <a:srgbClr val="6EA92D"/>
-                </a:glow>
-              </a:effectLst>
-              <a:latin typeface="Minecraft" panose="02000603000000000000" pitchFamily="2" charset="0"/>
-              <a:ea typeface="Minecraft" panose="02000603000000000000" pitchFamily="2" charset="0"/>
-            </a:endParaRPr>
-          </a:p>
-        </p:txBody>
-      </p:sp>
-      <p:sp>
-        <p:nvSpPr>
-          <p:cNvPr id="3" name="TextBox 2"/>
-          <p:cNvSpPr txBox="1"/>
-          <p:nvPr/>
-        </p:nvSpPr>
-        <p:spPr>
-          <a:xfrm>
-            <a:off x="5314138" y="2822119"/>
-            <a:ext cx="1980133" cy="767276"/>
-          </a:xfrm>
-          <a:prstGeom prst="rect">
-            <a:avLst/>
-          </a:prstGeom>
-          <a:noFill/>
-        </p:spPr>
-        <p:txBody>
-          <a:bodyPr wrap="square" rtlCol="0">
-            <a:spAutoFit/>
-          </a:bodyPr>
-          <a:lstStyle/>
-          <a:p>
-            <a:r>
-              <a:rPr lang="en-US" sz="4400" dirty="0" smtClean="0">
-                <a:solidFill>
-                  <a:schemeClr val="bg1">
-                    <a:lumMod val="50000"/>
-                  </a:schemeClr>
-                </a:solidFill>
-                <a:latin typeface="LCD Solid" panose="00000400000000000000" pitchFamily="1" charset="0"/>
-                <a:ea typeface="Minecraft" panose="02000603000000000000" pitchFamily="2" charset="0"/>
-              </a:rPr>
-              <a:t>02:16</a:t>
-            </a:r>
-            <a:endParaRPr lang="en-US" sz="4400" dirty="0">
-              <a:solidFill>
-                <a:schemeClr val="bg1">
-                  <a:lumMod val="50000"/>
-                </a:schemeClr>
-              </a:solidFill>
-              <a:latin typeface="LCD Solid" panose="00000400000000000000" pitchFamily="1" charset="0"/>
-              <a:ea typeface="Minecraft" panose="02000603000000000000" pitchFamily="2" charset="0"/>
-            </a:endParaRPr>
-          </a:p>
-        </p:txBody>
-      </p:sp>
-      <p:pic>
-        <p:nvPicPr>
-          <p:cNvPr id="16" name="Picture 15"/>
-          <p:cNvPicPr>
-            <a:picLocks noChangeAspect="1"/>
-          </p:cNvPicPr>
-          <p:nvPr/>
-        </p:nvPicPr>
-        <p:blipFill>
-          <a:blip r:embed="rId3">
-            <a:extLst>
-              <a:ext uri="{28A0092B-C50C-407E-A947-70E740481C1C}">
-                <a14:useLocalDpi xmlns:a14="http://schemas.microsoft.com/office/drawing/2010/main" val="0"/>
-              </a:ext>
-            </a:extLst>
-          </a:blip>
-          <a:stretch>
-            <a:fillRect/>
-          </a:stretch>
-        </p:blipFill>
-        <p:spPr>
-          <a:xfrm>
-            <a:off x="9421537" y="1895136"/>
-            <a:ext cx="1864863" cy="2621241"/>
-          </a:xfrm>
-          <a:prstGeom prst="rect">
-            <a:avLst/>
-          </a:prstGeom>
-        </p:spPr>
-      </p:pic>
-      <p:grpSp>
-        <p:nvGrpSpPr>
-          <p:cNvPr id="18" name="Group 17"/>
-          <p:cNvGrpSpPr/>
-          <p:nvPr/>
-        </p:nvGrpSpPr>
-        <p:grpSpPr>
-          <a:xfrm>
-            <a:off x="5314138" y="5211747"/>
-            <a:ext cx="1928291" cy="707886"/>
-            <a:chOff x="5370490" y="2693306"/>
-            <a:chExt cx="2711003" cy="936321"/>
-          </a:xfrm>
-          <a:solidFill>
-            <a:srgbClr val="FF0000"/>
-          </a:solidFill>
-        </p:grpSpPr>
-        <p:sp>
-          <p:nvSpPr>
-            <p:cNvPr id="19" name="Rounded Rectangle 18"/>
-            <p:cNvSpPr/>
-            <p:nvPr/>
-          </p:nvSpPr>
-          <p:spPr>
-            <a:xfrm>
-              <a:off x="5370490" y="2754328"/>
-              <a:ext cx="2711003" cy="814278"/>
-            </a:xfrm>
-            <a:prstGeom prst="roundRect">
-              <a:avLst/>
-            </a:prstGeom>
-            <a:solidFill>
-              <a:srgbClr val="FF4343"/>
-            </a:solidFill>
-            <a:ln>
-              <a:solidFill>
-                <a:schemeClr val="accent6"/>
-              </a:solidFill>
-            </a:ln>
-          </p:spPr>
-          <p:style>
-            <a:lnRef idx="2">
-              <a:schemeClr val="accent1">
-                <a:shade val="50000"/>
-              </a:schemeClr>
-            </a:lnRef>
-            <a:fillRef idx="1">
-              <a:schemeClr val="accent1"/>
-            </a:fillRef>
-            <a:effectRef idx="0">
-              <a:schemeClr val="accent1"/>
-            </a:effectRef>
-            <a:fontRef idx="minor">
-              <a:schemeClr val="lt1"/>
-            </a:fontRef>
-          </p:style>
-          <p:txBody>
-            <a:bodyPr rtlCol="0" anchor="ctr"/>
-            <a:lstStyle/>
-            <a:p>
-              <a:pPr algn="ctr"/>
-              <a:endParaRPr lang="en-US"/>
-            </a:p>
-          </p:txBody>
-        </p:sp>
-        <p:sp>
-          <p:nvSpPr>
-            <p:cNvPr id="20" name="TextBox 19"/>
-            <p:cNvSpPr txBox="1"/>
-            <p:nvPr/>
-          </p:nvSpPr>
-          <p:spPr>
-            <a:xfrm>
-              <a:off x="5692126" y="2693306"/>
-              <a:ext cx="2091309" cy="936321"/>
-            </a:xfrm>
-            <a:prstGeom prst="rect">
-              <a:avLst/>
-            </a:prstGeom>
-            <a:noFill/>
-            <a:ln>
-              <a:noFill/>
-            </a:ln>
-          </p:spPr>
-          <p:txBody>
-            <a:bodyPr wrap="square" rtlCol="0">
-              <a:spAutoFit/>
-            </a:bodyPr>
-            <a:lstStyle/>
-            <a:p>
-              <a:r>
-                <a:rPr lang="en-US" sz="4000" dirty="0" smtClean="0">
-                  <a:solidFill>
-                    <a:srgbClr val="01FF74"/>
-                  </a:solidFill>
-                  <a:latin typeface="Colored Crayons" panose="02000500000000000000" pitchFamily="2" charset="0"/>
-                </a:rPr>
-                <a:t>PAUSE</a:t>
-              </a:r>
-              <a:endParaRPr lang="en-US" sz="4000" dirty="0">
-                <a:solidFill>
-                  <a:srgbClr val="01FF74"/>
-                </a:solidFill>
-                <a:latin typeface="Colored Crayons" panose="02000500000000000000" pitchFamily="2" charset="0"/>
-              </a:endParaRPr>
-            </a:p>
-          </p:txBody>
-        </p:sp>
-      </p:grpSp>
-      <p:grpSp>
-        <p:nvGrpSpPr>
-          <p:cNvPr id="21" name="Group 20"/>
-          <p:cNvGrpSpPr/>
-          <p:nvPr/>
-        </p:nvGrpSpPr>
-        <p:grpSpPr>
-          <a:xfrm>
-            <a:off x="7914067" y="5204323"/>
-            <a:ext cx="1928291" cy="707886"/>
-            <a:chOff x="9974922" y="1684475"/>
-            <a:chExt cx="2711003" cy="936321"/>
-          </a:xfrm>
-          <a:solidFill>
-            <a:schemeClr val="bg1">
-              <a:lumMod val="85000"/>
-            </a:schemeClr>
-          </a:solidFill>
-        </p:grpSpPr>
-        <p:sp>
-          <p:nvSpPr>
-            <p:cNvPr id="22" name="Rounded Rectangle 21"/>
-            <p:cNvSpPr/>
-            <p:nvPr/>
-          </p:nvSpPr>
-          <p:spPr>
-            <a:xfrm>
-              <a:off x="9974922" y="1745496"/>
-              <a:ext cx="2711003" cy="814278"/>
-            </a:xfrm>
-            <a:prstGeom prst="roundRect">
-              <a:avLst/>
-            </a:prstGeom>
-            <a:solidFill>
-              <a:srgbClr val="7030A0"/>
-            </a:solidFill>
-            <a:ln>
-              <a:solidFill>
-                <a:srgbClr val="FFFF00"/>
-              </a:solidFill>
-            </a:ln>
-          </p:spPr>
-          <p:style>
-            <a:lnRef idx="2">
-              <a:schemeClr val="accent1">
-                <a:shade val="50000"/>
-              </a:schemeClr>
-            </a:lnRef>
-            <a:fillRef idx="1">
-              <a:schemeClr val="accent1"/>
-            </a:fillRef>
-            <a:effectRef idx="0">
-              <a:schemeClr val="accent1"/>
-            </a:effectRef>
-            <a:fontRef idx="minor">
-              <a:schemeClr val="lt1"/>
-            </a:fontRef>
-          </p:style>
-          <p:txBody>
-            <a:bodyPr rtlCol="0" anchor="ctr"/>
-            <a:lstStyle/>
-            <a:p>
-              <a:pPr algn="ctr"/>
-              <a:endParaRPr lang="en-US"/>
-            </a:p>
-          </p:txBody>
-        </p:sp>
-        <p:sp>
-          <p:nvSpPr>
-            <p:cNvPr id="23" name="TextBox 22"/>
-            <p:cNvSpPr txBox="1"/>
-            <p:nvPr/>
-          </p:nvSpPr>
-          <p:spPr>
-            <a:xfrm>
-              <a:off x="10284768" y="1684475"/>
-              <a:ext cx="2091309" cy="936321"/>
-            </a:xfrm>
-            <a:prstGeom prst="rect">
-              <a:avLst/>
-            </a:prstGeom>
-            <a:noFill/>
-          </p:spPr>
-          <p:txBody>
-            <a:bodyPr wrap="square" rtlCol="0">
-              <a:spAutoFit/>
-            </a:bodyPr>
-            <a:lstStyle/>
-            <a:p>
-              <a:r>
-                <a:rPr lang="en-US" sz="4000" dirty="0" smtClean="0">
-                  <a:solidFill>
-                    <a:srgbClr val="FFFF00"/>
-                  </a:solidFill>
-                  <a:latin typeface="Colored Crayons" panose="02000500000000000000" pitchFamily="2" charset="0"/>
-                </a:rPr>
-                <a:t>Clear</a:t>
-              </a:r>
-              <a:endParaRPr lang="en-US" sz="4000" dirty="0">
-                <a:solidFill>
-                  <a:srgbClr val="FFFF00"/>
-                </a:solidFill>
-                <a:latin typeface="Colored Crayons" panose="02000500000000000000" pitchFamily="2" charset="0"/>
-              </a:endParaRPr>
-            </a:p>
-          </p:txBody>
-        </p:sp>
-      </p:grpSp>
-      <p:grpSp>
-        <p:nvGrpSpPr>
-          <p:cNvPr id="24" name="Group 23"/>
-          <p:cNvGrpSpPr/>
-          <p:nvPr/>
-        </p:nvGrpSpPr>
-        <p:grpSpPr>
-          <a:xfrm>
-            <a:off x="2730979" y="5211747"/>
-            <a:ext cx="1928291" cy="707886"/>
-            <a:chOff x="5370490" y="2693306"/>
-            <a:chExt cx="2711003" cy="936321"/>
-          </a:xfrm>
-          <a:solidFill>
-            <a:schemeClr val="bg1">
-              <a:lumMod val="85000"/>
-            </a:schemeClr>
-          </a:solidFill>
-        </p:grpSpPr>
-        <p:sp>
-          <p:nvSpPr>
-            <p:cNvPr id="25" name="Rounded Rectangle 24"/>
-            <p:cNvSpPr/>
-            <p:nvPr/>
-          </p:nvSpPr>
-          <p:spPr>
-            <a:xfrm>
-              <a:off x="5370490" y="2754328"/>
-              <a:ext cx="2711003" cy="814278"/>
-            </a:xfrm>
-            <a:prstGeom prst="roundRect">
-              <a:avLst/>
-            </a:prstGeom>
-            <a:solidFill>
-              <a:srgbClr val="81DEFF"/>
-            </a:solidFill>
-            <a:ln>
-              <a:solidFill>
-                <a:schemeClr val="accent2"/>
-              </a:solidFill>
-            </a:ln>
-          </p:spPr>
-          <p:style>
-            <a:lnRef idx="2">
-              <a:schemeClr val="accent1">
-                <a:shade val="50000"/>
-              </a:schemeClr>
-            </a:lnRef>
-            <a:fillRef idx="1">
-              <a:schemeClr val="accent1"/>
-            </a:fillRef>
-            <a:effectRef idx="0">
-              <a:schemeClr val="accent1"/>
-            </a:effectRef>
-            <a:fontRef idx="minor">
-              <a:schemeClr val="lt1"/>
-            </a:fontRef>
-          </p:style>
-          <p:txBody>
-            <a:bodyPr rtlCol="0" anchor="ctr"/>
-            <a:lstStyle/>
-            <a:p>
-              <a:pPr algn="ctr"/>
-              <a:endParaRPr lang="en-US"/>
-            </a:p>
-          </p:txBody>
-        </p:sp>
-        <p:sp>
-          <p:nvSpPr>
-            <p:cNvPr id="26" name="TextBox 25"/>
-            <p:cNvSpPr txBox="1"/>
-            <p:nvPr/>
-          </p:nvSpPr>
-          <p:spPr>
-            <a:xfrm>
-              <a:off x="5591297" y="2693306"/>
-              <a:ext cx="2389367" cy="936321"/>
-            </a:xfrm>
-            <a:prstGeom prst="rect">
-              <a:avLst/>
-            </a:prstGeom>
-            <a:noFill/>
-            <a:ln>
-              <a:noFill/>
-            </a:ln>
-          </p:spPr>
-          <p:txBody>
-            <a:bodyPr wrap="square" rtlCol="0">
-              <a:spAutoFit/>
-            </a:bodyPr>
-            <a:lstStyle/>
-            <a:p>
-              <a:r>
-                <a:rPr lang="en-US" sz="4000" b="1" dirty="0" smtClean="0">
-                  <a:solidFill>
-                    <a:schemeClr val="accent2"/>
-                  </a:solidFill>
-                  <a:latin typeface="Colored Crayons" panose="02000500000000000000" pitchFamily="2" charset="0"/>
-                </a:rPr>
-                <a:t>Start</a:t>
-              </a:r>
-              <a:endParaRPr lang="en-US" sz="4000" b="1" dirty="0">
-                <a:solidFill>
-                  <a:schemeClr val="accent2"/>
-                </a:solidFill>
-                <a:latin typeface="Colored Crayons" panose="02000500000000000000" pitchFamily="2" charset="0"/>
-              </a:endParaRPr>
-            </a:p>
-          </p:txBody>
-        </p:sp>
-      </p:grpSp>
-      <p:pic>
-        <p:nvPicPr>
-          <p:cNvPr id="27" name="Picture 26"/>
-          <p:cNvPicPr>
-            <a:picLocks noChangeAspect="1"/>
-          </p:cNvPicPr>
-          <p:nvPr/>
-        </p:nvPicPr>
-        <p:blipFill>
-          <a:blip r:embed="rId4">
-            <a:extLst>
-              <a:ext uri="{28A0092B-C50C-407E-A947-70E740481C1C}">
-                <a14:useLocalDpi xmlns:a14="http://schemas.microsoft.com/office/drawing/2010/main" val="0"/>
-              </a:ext>
-            </a:extLst>
-          </a:blip>
-          <a:stretch>
-            <a:fillRect/>
-          </a:stretch>
-        </p:blipFill>
-        <p:spPr>
-          <a:xfrm>
-            <a:off x="767592" y="1609727"/>
-            <a:ext cx="1963387" cy="2906650"/>
-          </a:xfrm>
-          <a:prstGeom prst="rect">
-            <a:avLst/>
-          </a:prstGeom>
-        </p:spPr>
-      </p:pic>
-    </p:spTree>
-    <p:extLst>
-      <p:ext uri="{BB962C8B-B14F-4D97-AF65-F5344CB8AC3E}">
-        <p14:creationId xmlns:p14="http://schemas.microsoft.com/office/powerpoint/2010/main" val="3778541491"/>
-      </p:ext>
-    </p:extLst>
-  </p:cSld>
-  <p:clrMapOvr>
-    <a:masterClrMapping/>
-  </p:clrMapOvr>
-  <p:timing>
-    <p:tnLst>
-      <p:par>
-        <p:cTn id="1" dur="indefinite" restart="never" nodeType="tmRoot"/>
-      </p:par>
-    </p:tnLst>
-  </p:timing>
-</p:sld>
-</file>
-
-<file path=ppt/slides/slide7.xml><?xml version="1.0" encoding="utf-8"?>
-<p:sld xmlns:a="http://schemas.openxmlformats.org/drawingml/2006/main" xmlns:r="http://schemas.openxmlformats.org/officeDocument/2006/relationships" xmlns:p="http://schemas.openxmlformats.org/presentationml/2006/main">
-  <p:cSld>
-    <p:bg>
-      <p:bgPr>
-        <a:solidFill>
-          <a:schemeClr val="accent6">
-            <a:lumMod val="75000"/>
-          </a:schemeClr>
-        </a:solidFill>
-        <a:effectLst/>
-      </p:bgPr>
-    </p:bg>
-    <p:spTree>
-      <p:nvGrpSpPr>
-        <p:cNvPr id="1" name=""/>
-        <p:cNvGrpSpPr/>
-        <p:nvPr/>
-      </p:nvGrpSpPr>
-      <p:grpSpPr>
-        <a:xfrm>
-          <a:off x="0" y="0"/>
-          <a:ext cx="0" cy="0"/>
-          <a:chOff x="0" y="0"/>
-          <a:chExt cx="0" cy="0"/>
-        </a:xfrm>
-      </p:grpSpPr>
-      <p:pic>
-        <p:nvPicPr>
-          <p:cNvPr id="7170" name="Picture 2" descr="http://wallpaper.pickywallpapers.com/1920x1200/pixel-castle.jpg"/>
-          <p:cNvPicPr>
-            <a:picLocks noChangeAspect="1" noChangeArrowheads="1"/>
-          </p:cNvPicPr>
-          <p:nvPr/>
-        </p:nvPicPr>
-        <p:blipFill>
-          <a:blip r:embed="rId2">
-            <a:extLst>
-              <a:ext uri="{28A0092B-C50C-407E-A947-70E740481C1C}">
-                <a14:useLocalDpi xmlns:a14="http://schemas.microsoft.com/office/drawing/2010/main" val="0"/>
-              </a:ext>
-            </a:extLst>
-          </a:blip>
-          <a:srcRect/>
-          <a:stretch>
-            <a:fillRect/>
-          </a:stretch>
-        </p:blipFill>
-        <p:spPr bwMode="auto">
-          <a:xfrm>
-            <a:off x="-22596" y="-1"/>
-            <a:ext cx="12214595" cy="6845745"/>
-          </a:xfrm>
-          <a:prstGeom prst="rect">
-            <a:avLst/>
-          </a:prstGeom>
-          <a:noFill/>
-          <a:extLst>
-            <a:ext uri="{909E8E84-426E-40DD-AFC4-6F175D3DCCD1}">
-              <a14:hiddenFill xmlns:a14="http://schemas.microsoft.com/office/drawing/2010/main">
-                <a:solidFill>
-                  <a:srgbClr val="FFFFFF"/>
-                </a:solidFill>
-              </a14:hiddenFill>
-            </a:ext>
-          </a:extLst>
-        </p:spPr>
-      </p:pic>
-      <p:sp>
-        <p:nvSpPr>
-          <p:cNvPr id="4" name="Oval 3"/>
-          <p:cNvSpPr/>
-          <p:nvPr/>
-        </p:nvSpPr>
-        <p:spPr>
-          <a:xfrm>
-            <a:off x="4694345" y="1709596"/>
-            <a:ext cx="3219722" cy="3218688"/>
-          </a:xfrm>
-          <a:prstGeom prst="ellipse">
-            <a:avLst/>
-          </a:prstGeom>
-        </p:spPr>
-        <p:style>
-          <a:lnRef idx="2">
-            <a:schemeClr val="accent1">
-              <a:shade val="50000"/>
-            </a:schemeClr>
-          </a:lnRef>
-          <a:fillRef idx="1">
-            <a:schemeClr val="accent1"/>
-          </a:fillRef>
-          <a:effectRef idx="0">
-            <a:schemeClr val="accent1"/>
-          </a:effectRef>
-          <a:fontRef idx="minor">
-            <a:schemeClr val="lt1"/>
-          </a:fontRef>
-        </p:style>
-        <p:txBody>
-          <a:bodyPr rtlCol="0" anchor="ctr"/>
-          <a:lstStyle/>
-          <a:p>
-            <a:pPr algn="ctr"/>
-            <a:endParaRPr lang="en-US"/>
-          </a:p>
-        </p:txBody>
-      </p:sp>
-      <p:sp>
-        <p:nvSpPr>
-          <p:cNvPr id="5" name="Oval 4"/>
-          <p:cNvSpPr/>
-          <p:nvPr/>
-        </p:nvSpPr>
-        <p:spPr>
-          <a:xfrm>
-            <a:off x="4978325" y="1993059"/>
-            <a:ext cx="2651760" cy="2651760"/>
-          </a:xfrm>
-          <a:prstGeom prst="ellipse">
-            <a:avLst/>
-          </a:prstGeom>
-          <a:solidFill>
-            <a:schemeClr val="bg1"/>
-          </a:solidFill>
-        </p:spPr>
-        <p:style>
-          <a:lnRef idx="2">
-            <a:schemeClr val="accent1">
-              <a:shade val="50000"/>
-            </a:schemeClr>
-          </a:lnRef>
-          <a:fillRef idx="1">
-            <a:schemeClr val="accent1"/>
-          </a:fillRef>
-          <a:effectRef idx="0">
-            <a:schemeClr val="accent1"/>
-          </a:effectRef>
-          <a:fontRef idx="minor">
-            <a:schemeClr val="lt1"/>
-          </a:fontRef>
-        </p:style>
-        <p:txBody>
-          <a:bodyPr rtlCol="0" anchor="ctr"/>
-          <a:lstStyle/>
-          <a:p>
-            <a:pPr algn="ctr"/>
-            <a:endParaRPr lang="en-US"/>
-          </a:p>
-        </p:txBody>
-      </p:sp>
-      <p:sp>
-        <p:nvSpPr>
-          <p:cNvPr id="2" name="TextBox 1"/>
-          <p:cNvSpPr txBox="1"/>
-          <p:nvPr/>
-        </p:nvSpPr>
-        <p:spPr>
-          <a:xfrm>
-            <a:off x="3973126" y="225802"/>
-            <a:ext cx="4662156" cy="1200329"/>
-          </a:xfrm>
-          <a:prstGeom prst="rect">
-            <a:avLst/>
-          </a:prstGeom>
-          <a:noFill/>
-          <a:effectLst/>
-        </p:spPr>
-        <p:txBody>
-          <a:bodyPr wrap="square" rtlCol="0">
-            <a:spAutoFit/>
-          </a:bodyPr>
-          <a:lstStyle/>
-          <a:p>
-            <a:r>
-              <a:rPr lang="en-US" sz="7200" dirty="0" smtClean="0">
-                <a:effectLst>
-                  <a:glow rad="127000">
-                    <a:schemeClr val="accent2">
-                      <a:lumMod val="75000"/>
-                    </a:schemeClr>
-                  </a:glow>
-                </a:effectLst>
-                <a:latin typeface="Minecraft" panose="02000603000000000000" pitchFamily="2" charset="0"/>
-                <a:ea typeface="Minecraft" panose="02000603000000000000" pitchFamily="2" charset="0"/>
-              </a:rPr>
-              <a:t>Small Ben</a:t>
-            </a:r>
-            <a:endParaRPr lang="en-US" sz="7200" dirty="0">
-              <a:effectLst>
-                <a:glow rad="127000">
-                  <a:schemeClr val="accent2">
-                    <a:lumMod val="75000"/>
-                  </a:schemeClr>
-                </a:glow>
-              </a:effectLst>
-              <a:latin typeface="Minecraft" panose="02000603000000000000" pitchFamily="2" charset="0"/>
-              <a:ea typeface="Minecraft" panose="02000603000000000000" pitchFamily="2" charset="0"/>
-            </a:endParaRPr>
-          </a:p>
-        </p:txBody>
-      </p:sp>
-      <p:sp>
-        <p:nvSpPr>
-          <p:cNvPr id="3" name="TextBox 2"/>
-          <p:cNvSpPr txBox="1"/>
-          <p:nvPr/>
-        </p:nvSpPr>
-        <p:spPr>
-          <a:xfrm>
-            <a:off x="5314138" y="2822119"/>
-            <a:ext cx="1980133" cy="767276"/>
-          </a:xfrm>
-          <a:prstGeom prst="rect">
-            <a:avLst/>
-          </a:prstGeom>
-          <a:noFill/>
-        </p:spPr>
-        <p:txBody>
-          <a:bodyPr wrap="square" rtlCol="0">
-            <a:spAutoFit/>
-          </a:bodyPr>
-          <a:lstStyle/>
-          <a:p>
-            <a:r>
-              <a:rPr lang="en-US" sz="4400" dirty="0" smtClean="0">
-                <a:solidFill>
-                  <a:schemeClr val="bg1">
-                    <a:lumMod val="50000"/>
-                  </a:schemeClr>
-                </a:solidFill>
-                <a:latin typeface="LCD Solid" panose="00000400000000000000" pitchFamily="1" charset="0"/>
-                <a:ea typeface="Minecraft" panose="02000603000000000000" pitchFamily="2" charset="0"/>
-              </a:rPr>
-              <a:t>02:16</a:t>
-            </a:r>
-            <a:endParaRPr lang="en-US" sz="4400" dirty="0">
-              <a:solidFill>
-                <a:schemeClr val="bg1">
-                  <a:lumMod val="50000"/>
-                </a:schemeClr>
-              </a:solidFill>
-              <a:latin typeface="LCD Solid" panose="00000400000000000000" pitchFamily="1" charset="0"/>
-              <a:ea typeface="Minecraft" panose="02000603000000000000" pitchFamily="2" charset="0"/>
-            </a:endParaRPr>
-          </a:p>
-        </p:txBody>
-      </p:sp>
-      <p:pic>
-        <p:nvPicPr>
-          <p:cNvPr id="16" name="Picture 15"/>
-          <p:cNvPicPr>
-            <a:picLocks noChangeAspect="1"/>
-          </p:cNvPicPr>
-          <p:nvPr/>
-        </p:nvPicPr>
-        <p:blipFill>
-          <a:blip r:embed="rId3">
-            <a:extLst>
-              <a:ext uri="{28A0092B-C50C-407E-A947-70E740481C1C}">
-                <a14:useLocalDpi xmlns:a14="http://schemas.microsoft.com/office/drawing/2010/main" val="0"/>
-              </a:ext>
-            </a:extLst>
-          </a:blip>
-          <a:stretch>
-            <a:fillRect/>
-          </a:stretch>
-        </p:blipFill>
-        <p:spPr>
-          <a:xfrm>
-            <a:off x="9421537" y="1895136"/>
-            <a:ext cx="1864863" cy="2621241"/>
-          </a:xfrm>
-          <a:prstGeom prst="rect">
-            <a:avLst/>
-          </a:prstGeom>
-        </p:spPr>
-      </p:pic>
-      <p:grpSp>
-        <p:nvGrpSpPr>
-          <p:cNvPr id="18" name="Group 17"/>
-          <p:cNvGrpSpPr/>
-          <p:nvPr/>
-        </p:nvGrpSpPr>
-        <p:grpSpPr>
-          <a:xfrm>
-            <a:off x="5314138" y="5211747"/>
-            <a:ext cx="1928291" cy="707886"/>
-            <a:chOff x="5370490" y="2693306"/>
-            <a:chExt cx="2711003" cy="936321"/>
-          </a:xfrm>
-          <a:solidFill>
-            <a:srgbClr val="FF0000"/>
-          </a:solidFill>
-        </p:grpSpPr>
-        <p:sp>
-          <p:nvSpPr>
-            <p:cNvPr id="19" name="Rounded Rectangle 18"/>
-            <p:cNvSpPr/>
-            <p:nvPr/>
-          </p:nvSpPr>
-          <p:spPr>
-            <a:xfrm>
-              <a:off x="5370490" y="2754328"/>
-              <a:ext cx="2711003" cy="814278"/>
-            </a:xfrm>
-            <a:prstGeom prst="roundRect">
-              <a:avLst/>
-            </a:prstGeom>
-            <a:solidFill>
-              <a:srgbClr val="FF4343"/>
-            </a:solidFill>
-            <a:ln>
-              <a:solidFill>
-                <a:schemeClr val="accent6"/>
-              </a:solidFill>
-            </a:ln>
-          </p:spPr>
-          <p:style>
-            <a:lnRef idx="2">
-              <a:schemeClr val="accent1">
-                <a:shade val="50000"/>
-              </a:schemeClr>
-            </a:lnRef>
-            <a:fillRef idx="1">
-              <a:schemeClr val="accent1"/>
-            </a:fillRef>
-            <a:effectRef idx="0">
-              <a:schemeClr val="accent1"/>
-            </a:effectRef>
-            <a:fontRef idx="minor">
-              <a:schemeClr val="lt1"/>
-            </a:fontRef>
-          </p:style>
-          <p:txBody>
-            <a:bodyPr rtlCol="0" anchor="ctr"/>
-            <a:lstStyle/>
-            <a:p>
-              <a:pPr algn="ctr"/>
-              <a:endParaRPr lang="en-US"/>
-            </a:p>
-          </p:txBody>
-        </p:sp>
-        <p:sp>
-          <p:nvSpPr>
-            <p:cNvPr id="20" name="TextBox 19"/>
-            <p:cNvSpPr txBox="1"/>
-            <p:nvPr/>
-          </p:nvSpPr>
-          <p:spPr>
-            <a:xfrm>
-              <a:off x="5692126" y="2693306"/>
-              <a:ext cx="2091309" cy="936321"/>
-            </a:xfrm>
-            <a:prstGeom prst="rect">
-              <a:avLst/>
-            </a:prstGeom>
-            <a:noFill/>
-            <a:ln>
-              <a:noFill/>
-            </a:ln>
-          </p:spPr>
-          <p:txBody>
-            <a:bodyPr wrap="square" rtlCol="0">
-              <a:spAutoFit/>
-            </a:bodyPr>
-            <a:lstStyle/>
-            <a:p>
-              <a:r>
-                <a:rPr lang="en-US" sz="4000" dirty="0" smtClean="0">
-                  <a:solidFill>
-                    <a:srgbClr val="01FF74"/>
-                  </a:solidFill>
-                  <a:latin typeface="Colored Crayons" panose="02000500000000000000" pitchFamily="2" charset="0"/>
-                </a:rPr>
-                <a:t>PAUSE</a:t>
-              </a:r>
-              <a:endParaRPr lang="en-US" sz="4000" dirty="0">
-                <a:solidFill>
-                  <a:srgbClr val="01FF74"/>
-                </a:solidFill>
-                <a:latin typeface="Colored Crayons" panose="02000500000000000000" pitchFamily="2" charset="0"/>
-              </a:endParaRPr>
-            </a:p>
-          </p:txBody>
-        </p:sp>
-      </p:grpSp>
-      <p:grpSp>
-        <p:nvGrpSpPr>
-          <p:cNvPr id="21" name="Group 20"/>
-          <p:cNvGrpSpPr/>
-          <p:nvPr/>
-        </p:nvGrpSpPr>
-        <p:grpSpPr>
-          <a:xfrm>
-            <a:off x="7914067" y="5204323"/>
-            <a:ext cx="1928291" cy="707886"/>
-            <a:chOff x="9974922" y="1684475"/>
-            <a:chExt cx="2711003" cy="936321"/>
-          </a:xfrm>
-          <a:solidFill>
-            <a:schemeClr val="bg1">
-              <a:lumMod val="85000"/>
-            </a:schemeClr>
-          </a:solidFill>
-        </p:grpSpPr>
-        <p:sp>
-          <p:nvSpPr>
-            <p:cNvPr id="22" name="Rounded Rectangle 21"/>
-            <p:cNvSpPr/>
-            <p:nvPr/>
-          </p:nvSpPr>
-          <p:spPr>
-            <a:xfrm>
-              <a:off x="9974922" y="1745496"/>
-              <a:ext cx="2711003" cy="814278"/>
-            </a:xfrm>
-            <a:prstGeom prst="roundRect">
-              <a:avLst/>
-            </a:prstGeom>
-            <a:solidFill>
-              <a:srgbClr val="7030A0"/>
-            </a:solidFill>
-            <a:ln>
-              <a:solidFill>
-                <a:srgbClr val="FFFF00"/>
-              </a:solidFill>
-            </a:ln>
-          </p:spPr>
-          <p:style>
-            <a:lnRef idx="2">
-              <a:schemeClr val="accent1">
-                <a:shade val="50000"/>
-              </a:schemeClr>
-            </a:lnRef>
-            <a:fillRef idx="1">
-              <a:schemeClr val="accent1"/>
-            </a:fillRef>
-            <a:effectRef idx="0">
-              <a:schemeClr val="accent1"/>
-            </a:effectRef>
-            <a:fontRef idx="minor">
-              <a:schemeClr val="lt1"/>
-            </a:fontRef>
-          </p:style>
-          <p:txBody>
-            <a:bodyPr rtlCol="0" anchor="ctr"/>
-            <a:lstStyle/>
-            <a:p>
-              <a:pPr algn="ctr"/>
-              <a:endParaRPr lang="en-US"/>
-            </a:p>
-          </p:txBody>
-        </p:sp>
-        <p:sp>
-          <p:nvSpPr>
-            <p:cNvPr id="23" name="TextBox 22"/>
-            <p:cNvSpPr txBox="1"/>
-            <p:nvPr/>
-          </p:nvSpPr>
-          <p:spPr>
-            <a:xfrm>
-              <a:off x="10284768" y="1684475"/>
-              <a:ext cx="2091309" cy="936321"/>
-            </a:xfrm>
-            <a:prstGeom prst="rect">
-              <a:avLst/>
-            </a:prstGeom>
-            <a:noFill/>
-          </p:spPr>
-          <p:txBody>
-            <a:bodyPr wrap="square" rtlCol="0">
-              <a:spAutoFit/>
-            </a:bodyPr>
-            <a:lstStyle/>
-            <a:p>
-              <a:r>
-                <a:rPr lang="en-US" sz="4000" dirty="0" smtClean="0">
-                  <a:solidFill>
-                    <a:srgbClr val="FFFF00"/>
-                  </a:solidFill>
-                  <a:latin typeface="Colored Crayons" panose="02000500000000000000" pitchFamily="2" charset="0"/>
-                </a:rPr>
-                <a:t>Clear</a:t>
-              </a:r>
-              <a:endParaRPr lang="en-US" sz="4000" dirty="0">
-                <a:solidFill>
-                  <a:srgbClr val="FFFF00"/>
-                </a:solidFill>
-                <a:latin typeface="Colored Crayons" panose="02000500000000000000" pitchFamily="2" charset="0"/>
-              </a:endParaRPr>
-            </a:p>
-          </p:txBody>
-        </p:sp>
-      </p:grpSp>
-      <p:grpSp>
-        <p:nvGrpSpPr>
-          <p:cNvPr id="24" name="Group 23"/>
-          <p:cNvGrpSpPr/>
-          <p:nvPr/>
-        </p:nvGrpSpPr>
-        <p:grpSpPr>
-          <a:xfrm>
-            <a:off x="2730979" y="5211747"/>
-            <a:ext cx="1928291" cy="707886"/>
-            <a:chOff x="5370490" y="2693306"/>
-            <a:chExt cx="2711003" cy="936321"/>
-          </a:xfrm>
-          <a:solidFill>
-            <a:schemeClr val="bg1">
-              <a:lumMod val="85000"/>
-            </a:schemeClr>
-          </a:solidFill>
-        </p:grpSpPr>
-        <p:sp>
-          <p:nvSpPr>
-            <p:cNvPr id="25" name="Rounded Rectangle 24"/>
-            <p:cNvSpPr/>
-            <p:nvPr/>
-          </p:nvSpPr>
-          <p:spPr>
-            <a:xfrm>
-              <a:off x="5370490" y="2754328"/>
-              <a:ext cx="2711003" cy="814278"/>
-            </a:xfrm>
-            <a:prstGeom prst="roundRect">
-              <a:avLst/>
-            </a:prstGeom>
-            <a:solidFill>
-              <a:srgbClr val="81DEFF"/>
-            </a:solidFill>
-            <a:ln>
-              <a:solidFill>
-                <a:schemeClr val="accent2"/>
-              </a:solidFill>
-            </a:ln>
-          </p:spPr>
-          <p:style>
-            <a:lnRef idx="2">
-              <a:schemeClr val="accent1">
-                <a:shade val="50000"/>
-              </a:schemeClr>
-            </a:lnRef>
-            <a:fillRef idx="1">
-              <a:schemeClr val="accent1"/>
-            </a:fillRef>
-            <a:effectRef idx="0">
-              <a:schemeClr val="accent1"/>
-            </a:effectRef>
-            <a:fontRef idx="minor">
-              <a:schemeClr val="lt1"/>
-            </a:fontRef>
-          </p:style>
-          <p:txBody>
-            <a:bodyPr rtlCol="0" anchor="ctr"/>
-            <a:lstStyle/>
-            <a:p>
-              <a:pPr algn="ctr"/>
-              <a:endParaRPr lang="en-US"/>
-            </a:p>
-          </p:txBody>
-        </p:sp>
-        <p:sp>
-          <p:nvSpPr>
-            <p:cNvPr id="26" name="TextBox 25"/>
-            <p:cNvSpPr txBox="1"/>
-            <p:nvPr/>
-          </p:nvSpPr>
-          <p:spPr>
-            <a:xfrm>
-              <a:off x="5591297" y="2693306"/>
-              <a:ext cx="2389367" cy="936321"/>
-            </a:xfrm>
-            <a:prstGeom prst="rect">
-              <a:avLst/>
-            </a:prstGeom>
-            <a:noFill/>
-            <a:ln>
-              <a:noFill/>
-            </a:ln>
-          </p:spPr>
-          <p:txBody>
-            <a:bodyPr wrap="square" rtlCol="0">
-              <a:spAutoFit/>
-            </a:bodyPr>
-            <a:lstStyle/>
-            <a:p>
-              <a:r>
-                <a:rPr lang="en-US" sz="4000" b="1" dirty="0" smtClean="0">
-                  <a:solidFill>
-                    <a:schemeClr val="accent2"/>
-                  </a:solidFill>
-                  <a:latin typeface="Colored Crayons" panose="02000500000000000000" pitchFamily="2" charset="0"/>
-                </a:rPr>
-                <a:t>Start</a:t>
-              </a:r>
-              <a:endParaRPr lang="en-US" sz="4000" b="1" dirty="0">
-                <a:solidFill>
-                  <a:schemeClr val="accent2"/>
-                </a:solidFill>
-                <a:latin typeface="Colored Crayons" panose="02000500000000000000" pitchFamily="2" charset="0"/>
-              </a:endParaRPr>
-            </a:p>
-          </p:txBody>
-        </p:sp>
-      </p:grpSp>
-      <p:pic>
-        <p:nvPicPr>
-          <p:cNvPr id="27" name="Picture 26"/>
-          <p:cNvPicPr>
-            <a:picLocks noChangeAspect="1"/>
-          </p:cNvPicPr>
-          <p:nvPr/>
-        </p:nvPicPr>
-        <p:blipFill>
-          <a:blip r:embed="rId4">
-            <a:extLst>
-              <a:ext uri="{28A0092B-C50C-407E-A947-70E740481C1C}">
-                <a14:useLocalDpi xmlns:a14="http://schemas.microsoft.com/office/drawing/2010/main" val="0"/>
-              </a:ext>
-            </a:extLst>
-          </a:blip>
-          <a:stretch>
-            <a:fillRect/>
-          </a:stretch>
-        </p:blipFill>
-        <p:spPr>
-          <a:xfrm>
-            <a:off x="767592" y="1609727"/>
-            <a:ext cx="1963387" cy="2906650"/>
-          </a:xfrm>
-          <a:prstGeom prst="rect">
-            <a:avLst/>
-          </a:prstGeom>
-        </p:spPr>
-      </p:pic>
-    </p:spTree>
-    <p:extLst>
-      <p:ext uri="{BB962C8B-B14F-4D97-AF65-F5344CB8AC3E}">
-        <p14:creationId xmlns:p14="http://schemas.microsoft.com/office/powerpoint/2010/main" val="4055005212"/>
-      </p:ext>
-    </p:extLst>
-  </p:cSld>
-  <p:clrMapOvr>
-    <a:masterClrMapping/>
-  </p:clrMapOvr>
-  <p:timing>
-    <p:tnLst>
-      <p:par>
-        <p:cTn id="1" dur="indefinite" restart="never" nodeType="tmRoot"/>
-      </p:par>
-    </p:tnLst>
-  </p:timing>
-</p:sld>
-</file>
-
-<file path=ppt/slides/slide8.xml><?xml version="1.0" encoding="utf-8"?>
-<p:sld xmlns:a="http://schemas.openxmlformats.org/drawingml/2006/main" xmlns:r="http://schemas.openxmlformats.org/officeDocument/2006/relationships" xmlns:p="http://schemas.openxmlformats.org/presentationml/2006/main">
-  <p:cSld>
-    <p:bg>
-      <p:bgPr>
-        <a:solidFill>
-          <a:schemeClr val="accent6">
-            <a:lumMod val="75000"/>
-          </a:schemeClr>
-        </a:solidFill>
-        <a:effectLst/>
-      </p:bgPr>
-    </p:bg>
-    <p:spTree>
-      <p:nvGrpSpPr>
-        <p:cNvPr id="1" name=""/>
-        <p:cNvGrpSpPr/>
-        <p:nvPr/>
-      </p:nvGrpSpPr>
-      <p:grpSpPr>
-        <a:xfrm>
-          <a:off x="0" y="0"/>
-          <a:ext cx="0" cy="0"/>
-          <a:chOff x="0" y="0"/>
-          <a:chExt cx="0" cy="0"/>
-        </a:xfrm>
-      </p:grpSpPr>
-      <p:pic>
-        <p:nvPicPr>
-          <p:cNvPr id="8194" name="Picture 2" descr="http://i.imgur.com/HxiIC1U.gif"/>
-          <p:cNvPicPr>
-            <a:picLocks noChangeAspect="1" noChangeArrowheads="1" noCrop="1"/>
-          </p:cNvPicPr>
-          <p:nvPr/>
-        </p:nvPicPr>
-        <p:blipFill>
-          <a:blip r:embed="rId2">
-            <a:extLst>
-              <a:ext uri="{28A0092B-C50C-407E-A947-70E740481C1C}">
-                <a14:useLocalDpi xmlns:a14="http://schemas.microsoft.com/office/drawing/2010/main" val="0"/>
-              </a:ext>
-            </a:extLst>
-          </a:blip>
-          <a:srcRect/>
-          <a:stretch>
-            <a:fillRect/>
-          </a:stretch>
-        </p:blipFill>
-        <p:spPr bwMode="auto">
-          <a:xfrm>
-            <a:off x="0" y="-540"/>
-            <a:ext cx="12192000" cy="6870661"/>
-          </a:xfrm>
-          <a:prstGeom prst="rect">
-            <a:avLst/>
-          </a:prstGeom>
-          <a:noFill/>
-          <a:extLst>
-            <a:ext uri="{909E8E84-426E-40DD-AFC4-6F175D3DCCD1}">
-              <a14:hiddenFill xmlns:a14="http://schemas.microsoft.com/office/drawing/2010/main">
-                <a:solidFill>
-                  <a:srgbClr val="FFFFFF"/>
-                </a:solidFill>
-              </a14:hiddenFill>
-            </a:ext>
-          </a:extLst>
-        </p:spPr>
-      </p:pic>
-      <p:sp>
-        <p:nvSpPr>
-          <p:cNvPr id="4" name="Oval 3"/>
-          <p:cNvSpPr/>
-          <p:nvPr/>
-        </p:nvSpPr>
-        <p:spPr>
-          <a:xfrm>
-            <a:off x="4694345" y="1709596"/>
-            <a:ext cx="3219722" cy="3218688"/>
-          </a:xfrm>
-          <a:prstGeom prst="ellipse">
-            <a:avLst/>
-          </a:prstGeom>
-        </p:spPr>
-        <p:style>
-          <a:lnRef idx="2">
-            <a:schemeClr val="accent1">
-              <a:shade val="50000"/>
-            </a:schemeClr>
-          </a:lnRef>
-          <a:fillRef idx="1">
-            <a:schemeClr val="accent1"/>
-          </a:fillRef>
-          <a:effectRef idx="0">
-            <a:schemeClr val="accent1"/>
-          </a:effectRef>
-          <a:fontRef idx="minor">
-            <a:schemeClr val="lt1"/>
-          </a:fontRef>
-        </p:style>
-        <p:txBody>
-          <a:bodyPr rtlCol="0" anchor="ctr"/>
-          <a:lstStyle/>
-          <a:p>
-            <a:pPr algn="ctr"/>
-            <a:endParaRPr lang="en-US"/>
-          </a:p>
-        </p:txBody>
-      </p:sp>
-      <p:sp>
-        <p:nvSpPr>
-          <p:cNvPr id="5" name="Oval 4"/>
-          <p:cNvSpPr/>
-          <p:nvPr/>
-        </p:nvSpPr>
-        <p:spPr>
-          <a:xfrm>
-            <a:off x="4978325" y="1993059"/>
-            <a:ext cx="2651760" cy="2651760"/>
-          </a:xfrm>
-          <a:prstGeom prst="ellipse">
-            <a:avLst/>
-          </a:prstGeom>
-          <a:solidFill>
-            <a:schemeClr val="bg1"/>
-          </a:solidFill>
-        </p:spPr>
-        <p:style>
-          <a:lnRef idx="2">
-            <a:schemeClr val="accent1">
-              <a:shade val="50000"/>
-            </a:schemeClr>
-          </a:lnRef>
-          <a:fillRef idx="1">
-            <a:schemeClr val="accent1"/>
-          </a:fillRef>
-          <a:effectRef idx="0">
-            <a:schemeClr val="accent1"/>
-          </a:effectRef>
-          <a:fontRef idx="minor">
-            <a:schemeClr val="lt1"/>
-          </a:fontRef>
-        </p:style>
-        <p:txBody>
-          <a:bodyPr rtlCol="0" anchor="ctr"/>
-          <a:lstStyle/>
-          <a:p>
-            <a:pPr algn="ctr"/>
-            <a:endParaRPr lang="en-US"/>
-          </a:p>
-        </p:txBody>
-      </p:sp>
-      <p:sp>
-        <p:nvSpPr>
-          <p:cNvPr id="2" name="TextBox 1"/>
-          <p:cNvSpPr txBox="1"/>
-          <p:nvPr/>
-        </p:nvSpPr>
-        <p:spPr>
-          <a:xfrm>
-            <a:off x="3973126" y="225802"/>
-            <a:ext cx="4662156" cy="1200329"/>
-          </a:xfrm>
-          <a:prstGeom prst="rect">
-            <a:avLst/>
-          </a:prstGeom>
-          <a:noFill/>
-          <a:effectLst>
-            <a:glow rad="63500">
-              <a:schemeClr val="accent2">
-                <a:satMod val="175000"/>
-                <a:alpha val="40000"/>
-              </a:schemeClr>
-            </a:glow>
-          </a:effectLst>
-        </p:spPr>
-        <p:txBody>
-          <a:bodyPr wrap="square" rtlCol="0">
-            <a:spAutoFit/>
-          </a:bodyPr>
-          <a:lstStyle/>
-          <a:p>
-            <a:r>
-              <a:rPr lang="en-US" sz="7200" dirty="0" smtClean="0">
-                <a:effectLst/>
-                <a:latin typeface="Minecraft" panose="02000603000000000000" pitchFamily="2" charset="0"/>
-                <a:ea typeface="Minecraft" panose="02000603000000000000" pitchFamily="2" charset="0"/>
-              </a:rPr>
-              <a:t>Small Ben</a:t>
-            </a:r>
-            <a:endParaRPr lang="en-US" sz="7200" dirty="0">
-              <a:effectLst/>
-              <a:latin typeface="Minecraft" panose="02000603000000000000" pitchFamily="2" charset="0"/>
-              <a:ea typeface="Minecraft" panose="02000603000000000000" pitchFamily="2" charset="0"/>
-            </a:endParaRPr>
-          </a:p>
-        </p:txBody>
-      </p:sp>
-      <p:sp>
-        <p:nvSpPr>
-          <p:cNvPr id="3" name="TextBox 2"/>
-          <p:cNvSpPr txBox="1"/>
-          <p:nvPr/>
-        </p:nvSpPr>
-        <p:spPr>
-          <a:xfrm>
-            <a:off x="5314138" y="2822119"/>
-            <a:ext cx="1980133" cy="767276"/>
-          </a:xfrm>
-          <a:prstGeom prst="rect">
-            <a:avLst/>
-          </a:prstGeom>
-          <a:noFill/>
-        </p:spPr>
-        <p:txBody>
-          <a:bodyPr wrap="square" rtlCol="0">
-            <a:spAutoFit/>
-          </a:bodyPr>
-          <a:lstStyle/>
-          <a:p>
-            <a:r>
-              <a:rPr lang="en-US" sz="4400" dirty="0" smtClean="0">
-                <a:solidFill>
-                  <a:schemeClr val="bg1">
-                    <a:lumMod val="50000"/>
-                  </a:schemeClr>
-                </a:solidFill>
-                <a:latin typeface="LCD Solid" panose="00000400000000000000" pitchFamily="1" charset="0"/>
-                <a:ea typeface="Minecraft" panose="02000603000000000000" pitchFamily="2" charset="0"/>
-              </a:rPr>
-              <a:t>02:16</a:t>
-            </a:r>
-            <a:endParaRPr lang="en-US" sz="4400" dirty="0">
-              <a:solidFill>
-                <a:schemeClr val="bg1">
-                  <a:lumMod val="50000"/>
-                </a:schemeClr>
-              </a:solidFill>
-              <a:latin typeface="LCD Solid" panose="00000400000000000000" pitchFamily="1" charset="0"/>
-              <a:ea typeface="Minecraft" panose="02000603000000000000" pitchFamily="2" charset="0"/>
-            </a:endParaRPr>
-          </a:p>
-        </p:txBody>
-      </p:sp>
-      <p:pic>
-        <p:nvPicPr>
-          <p:cNvPr id="16" name="Picture 15"/>
-          <p:cNvPicPr>
-            <a:picLocks noChangeAspect="1"/>
-          </p:cNvPicPr>
-          <p:nvPr/>
-        </p:nvPicPr>
-        <p:blipFill>
-          <a:blip r:embed="rId3">
-            <a:extLst>
-              <a:ext uri="{28A0092B-C50C-407E-A947-70E740481C1C}">
-                <a14:useLocalDpi xmlns:a14="http://schemas.microsoft.com/office/drawing/2010/main" val="0"/>
-              </a:ext>
-            </a:extLst>
-          </a:blip>
-          <a:stretch>
-            <a:fillRect/>
-          </a:stretch>
-        </p:blipFill>
-        <p:spPr>
-          <a:xfrm>
-            <a:off x="9421537" y="1895136"/>
-            <a:ext cx="1864863" cy="2621241"/>
-          </a:xfrm>
-          <a:prstGeom prst="rect">
-            <a:avLst/>
-          </a:prstGeom>
-        </p:spPr>
-      </p:pic>
-      <p:grpSp>
-        <p:nvGrpSpPr>
-          <p:cNvPr id="18" name="Group 17"/>
-          <p:cNvGrpSpPr/>
-          <p:nvPr/>
-        </p:nvGrpSpPr>
-        <p:grpSpPr>
-          <a:xfrm>
-            <a:off x="5314138" y="5211747"/>
-            <a:ext cx="1928291" cy="707886"/>
-            <a:chOff x="5370490" y="2693306"/>
-            <a:chExt cx="2711003" cy="936321"/>
-          </a:xfrm>
-          <a:solidFill>
-            <a:srgbClr val="FF0000"/>
-          </a:solidFill>
-        </p:grpSpPr>
-        <p:sp>
-          <p:nvSpPr>
-            <p:cNvPr id="19" name="Rounded Rectangle 18"/>
-            <p:cNvSpPr/>
-            <p:nvPr/>
-          </p:nvSpPr>
-          <p:spPr>
-            <a:xfrm>
-              <a:off x="5370490" y="2754328"/>
-              <a:ext cx="2711003" cy="814278"/>
-            </a:xfrm>
-            <a:prstGeom prst="roundRect">
-              <a:avLst/>
-            </a:prstGeom>
-            <a:solidFill>
-              <a:srgbClr val="FF4343"/>
-            </a:solidFill>
-            <a:ln>
-              <a:solidFill>
-                <a:schemeClr val="accent6"/>
-              </a:solidFill>
-            </a:ln>
-          </p:spPr>
-          <p:style>
-            <a:lnRef idx="2">
-              <a:schemeClr val="accent1">
-                <a:shade val="50000"/>
-              </a:schemeClr>
-            </a:lnRef>
-            <a:fillRef idx="1">
-              <a:schemeClr val="accent1"/>
-            </a:fillRef>
-            <a:effectRef idx="0">
-              <a:schemeClr val="accent1"/>
-            </a:effectRef>
-            <a:fontRef idx="minor">
-              <a:schemeClr val="lt1"/>
-            </a:fontRef>
-          </p:style>
-          <p:txBody>
-            <a:bodyPr rtlCol="0" anchor="ctr"/>
-            <a:lstStyle/>
-            <a:p>
-              <a:pPr algn="ctr"/>
-              <a:endParaRPr lang="en-US"/>
-            </a:p>
-          </p:txBody>
-        </p:sp>
-        <p:sp>
-          <p:nvSpPr>
-            <p:cNvPr id="20" name="TextBox 19"/>
-            <p:cNvSpPr txBox="1"/>
-            <p:nvPr/>
-          </p:nvSpPr>
-          <p:spPr>
-            <a:xfrm>
-              <a:off x="5692126" y="2693306"/>
-              <a:ext cx="2091309" cy="936321"/>
-            </a:xfrm>
-            <a:prstGeom prst="rect">
-              <a:avLst/>
-            </a:prstGeom>
-            <a:noFill/>
-            <a:ln>
-              <a:noFill/>
-            </a:ln>
-          </p:spPr>
-          <p:txBody>
-            <a:bodyPr wrap="square" rtlCol="0">
-              <a:spAutoFit/>
-            </a:bodyPr>
-            <a:lstStyle/>
-            <a:p>
-              <a:r>
-                <a:rPr lang="en-US" sz="4000" dirty="0" smtClean="0">
-                  <a:solidFill>
-                    <a:srgbClr val="01FF74"/>
-                  </a:solidFill>
-                  <a:latin typeface="Colored Crayons" panose="02000500000000000000" pitchFamily="2" charset="0"/>
-                </a:rPr>
-                <a:t>PAUSE</a:t>
-              </a:r>
-              <a:endParaRPr lang="en-US" sz="4000" dirty="0">
-                <a:solidFill>
-                  <a:srgbClr val="01FF74"/>
-                </a:solidFill>
-                <a:latin typeface="Colored Crayons" panose="02000500000000000000" pitchFamily="2" charset="0"/>
-              </a:endParaRPr>
-            </a:p>
-          </p:txBody>
-        </p:sp>
-      </p:grpSp>
-      <p:grpSp>
-        <p:nvGrpSpPr>
-          <p:cNvPr id="21" name="Group 20"/>
-          <p:cNvGrpSpPr/>
-          <p:nvPr/>
-        </p:nvGrpSpPr>
-        <p:grpSpPr>
-          <a:xfrm>
-            <a:off x="7914067" y="5204323"/>
-            <a:ext cx="1928291" cy="707886"/>
-            <a:chOff x="9974922" y="1684475"/>
-            <a:chExt cx="2711003" cy="936321"/>
-          </a:xfrm>
-          <a:solidFill>
-            <a:schemeClr val="bg1">
-              <a:lumMod val="85000"/>
-            </a:schemeClr>
-          </a:solidFill>
-        </p:grpSpPr>
-        <p:sp>
-          <p:nvSpPr>
-            <p:cNvPr id="22" name="Rounded Rectangle 21"/>
-            <p:cNvSpPr/>
-            <p:nvPr/>
-          </p:nvSpPr>
-          <p:spPr>
-            <a:xfrm>
-              <a:off x="9974922" y="1745496"/>
-              <a:ext cx="2711003" cy="814278"/>
-            </a:xfrm>
-            <a:prstGeom prst="roundRect">
-              <a:avLst/>
-            </a:prstGeom>
-            <a:solidFill>
-              <a:srgbClr val="7030A0"/>
-            </a:solidFill>
-            <a:ln>
-              <a:solidFill>
-                <a:srgbClr val="FFFF00"/>
-              </a:solidFill>
-            </a:ln>
-          </p:spPr>
-          <p:style>
-            <a:lnRef idx="2">
-              <a:schemeClr val="accent1">
-                <a:shade val="50000"/>
-              </a:schemeClr>
-            </a:lnRef>
-            <a:fillRef idx="1">
-              <a:schemeClr val="accent1"/>
-            </a:fillRef>
-            <a:effectRef idx="0">
-              <a:schemeClr val="accent1"/>
-            </a:effectRef>
-            <a:fontRef idx="minor">
-              <a:schemeClr val="lt1"/>
-            </a:fontRef>
-          </p:style>
-          <p:txBody>
-            <a:bodyPr rtlCol="0" anchor="ctr"/>
-            <a:lstStyle/>
-            <a:p>
-              <a:pPr algn="ctr"/>
-              <a:endParaRPr lang="en-US"/>
-            </a:p>
-          </p:txBody>
-        </p:sp>
-        <p:sp>
-          <p:nvSpPr>
-            <p:cNvPr id="23" name="TextBox 22"/>
-            <p:cNvSpPr txBox="1"/>
-            <p:nvPr/>
-          </p:nvSpPr>
-          <p:spPr>
-            <a:xfrm>
-              <a:off x="10284768" y="1684475"/>
-              <a:ext cx="2091309" cy="936321"/>
-            </a:xfrm>
-            <a:prstGeom prst="rect">
-              <a:avLst/>
-            </a:prstGeom>
-            <a:noFill/>
-          </p:spPr>
-          <p:txBody>
-            <a:bodyPr wrap="square" rtlCol="0">
-              <a:spAutoFit/>
-            </a:bodyPr>
-            <a:lstStyle/>
-            <a:p>
-              <a:r>
-                <a:rPr lang="en-US" sz="4000" dirty="0" smtClean="0">
-                  <a:solidFill>
-                    <a:srgbClr val="FFFF00"/>
-                  </a:solidFill>
-                  <a:latin typeface="Colored Crayons" panose="02000500000000000000" pitchFamily="2" charset="0"/>
-                </a:rPr>
-                <a:t>Clear</a:t>
-              </a:r>
-              <a:endParaRPr lang="en-US" sz="4000" dirty="0">
-                <a:solidFill>
-                  <a:srgbClr val="FFFF00"/>
-                </a:solidFill>
-                <a:latin typeface="Colored Crayons" panose="02000500000000000000" pitchFamily="2" charset="0"/>
-              </a:endParaRPr>
-            </a:p>
-          </p:txBody>
-        </p:sp>
-      </p:grpSp>
-      <p:grpSp>
-        <p:nvGrpSpPr>
-          <p:cNvPr id="24" name="Group 23"/>
-          <p:cNvGrpSpPr/>
-          <p:nvPr/>
-        </p:nvGrpSpPr>
-        <p:grpSpPr>
-          <a:xfrm>
-            <a:off x="2730979" y="5211747"/>
-            <a:ext cx="1928291" cy="707886"/>
-            <a:chOff x="5370490" y="2693306"/>
-            <a:chExt cx="2711003" cy="936321"/>
-          </a:xfrm>
-          <a:solidFill>
-            <a:schemeClr val="bg1">
-              <a:lumMod val="85000"/>
-            </a:schemeClr>
-          </a:solidFill>
-        </p:grpSpPr>
-        <p:sp>
-          <p:nvSpPr>
-            <p:cNvPr id="25" name="Rounded Rectangle 24"/>
-            <p:cNvSpPr/>
-            <p:nvPr/>
-          </p:nvSpPr>
-          <p:spPr>
-            <a:xfrm>
-              <a:off x="5370490" y="2754328"/>
-              <a:ext cx="2711003" cy="814278"/>
-            </a:xfrm>
-            <a:prstGeom prst="roundRect">
-              <a:avLst/>
-            </a:prstGeom>
-            <a:solidFill>
-              <a:srgbClr val="81DEFF"/>
-            </a:solidFill>
-            <a:ln>
-              <a:solidFill>
-                <a:schemeClr val="accent2"/>
-              </a:solidFill>
-            </a:ln>
-          </p:spPr>
-          <p:style>
-            <a:lnRef idx="2">
-              <a:schemeClr val="accent1">
-                <a:shade val="50000"/>
-              </a:schemeClr>
-            </a:lnRef>
-            <a:fillRef idx="1">
-              <a:schemeClr val="accent1"/>
-            </a:fillRef>
-            <a:effectRef idx="0">
-              <a:schemeClr val="accent1"/>
-            </a:effectRef>
-            <a:fontRef idx="minor">
-              <a:schemeClr val="lt1"/>
-            </a:fontRef>
-          </p:style>
-          <p:txBody>
-            <a:bodyPr rtlCol="0" anchor="ctr"/>
-            <a:lstStyle/>
-            <a:p>
-              <a:pPr algn="ctr"/>
-              <a:endParaRPr lang="en-US"/>
-            </a:p>
-          </p:txBody>
-        </p:sp>
-        <p:sp>
-          <p:nvSpPr>
-            <p:cNvPr id="26" name="TextBox 25"/>
-            <p:cNvSpPr txBox="1"/>
-            <p:nvPr/>
-          </p:nvSpPr>
-          <p:spPr>
-            <a:xfrm>
-              <a:off x="5591297" y="2693306"/>
-              <a:ext cx="2389367" cy="936321"/>
-            </a:xfrm>
-            <a:prstGeom prst="rect">
-              <a:avLst/>
-            </a:prstGeom>
-            <a:noFill/>
-            <a:ln>
-              <a:noFill/>
-            </a:ln>
-          </p:spPr>
-          <p:txBody>
-            <a:bodyPr wrap="square" rtlCol="0">
-              <a:spAutoFit/>
-            </a:bodyPr>
-            <a:lstStyle/>
-            <a:p>
-              <a:r>
-                <a:rPr lang="en-US" sz="4000" b="1" dirty="0" smtClean="0">
-                  <a:solidFill>
-                    <a:schemeClr val="accent2"/>
-                  </a:solidFill>
-                  <a:latin typeface="Colored Crayons" panose="02000500000000000000" pitchFamily="2" charset="0"/>
-                </a:rPr>
-                <a:t>Start</a:t>
-              </a:r>
-              <a:endParaRPr lang="en-US" sz="4000" b="1" dirty="0">
-                <a:solidFill>
-                  <a:schemeClr val="accent2"/>
-                </a:solidFill>
-                <a:latin typeface="Colored Crayons" panose="02000500000000000000" pitchFamily="2" charset="0"/>
-              </a:endParaRPr>
-            </a:p>
-          </p:txBody>
-        </p:sp>
-      </p:grpSp>
-      <p:pic>
-        <p:nvPicPr>
-          <p:cNvPr id="27" name="Picture 26"/>
-          <p:cNvPicPr>
-            <a:picLocks noChangeAspect="1"/>
-          </p:cNvPicPr>
-          <p:nvPr/>
-        </p:nvPicPr>
-        <p:blipFill>
-          <a:blip r:embed="rId4">
-            <a:extLst>
-              <a:ext uri="{28A0092B-C50C-407E-A947-70E740481C1C}">
-                <a14:useLocalDpi xmlns:a14="http://schemas.microsoft.com/office/drawing/2010/main" val="0"/>
-              </a:ext>
-            </a:extLst>
-          </a:blip>
-          <a:stretch>
-            <a:fillRect/>
-          </a:stretch>
-        </p:blipFill>
-        <p:spPr>
-          <a:xfrm>
-            <a:off x="767592" y="1609727"/>
-            <a:ext cx="1963387" cy="2906650"/>
-          </a:xfrm>
-          <a:prstGeom prst="rect">
-            <a:avLst/>
-          </a:prstGeom>
-        </p:spPr>
-      </p:pic>
-    </p:spTree>
-    <p:extLst>
-      <p:ext uri="{BB962C8B-B14F-4D97-AF65-F5344CB8AC3E}">
-        <p14:creationId xmlns:p14="http://schemas.microsoft.com/office/powerpoint/2010/main" val="1462404266"/>
+        <p14:creationId xmlns:p14="http://schemas.microsoft.com/office/powerpoint/2010/main" val="3876394321"/>
       </p:ext>
     </p:extLst>
   </p:cSld>
